--- a/output/paper0915/figure/Figures.pptx
+++ b/output/paper0915/figure/Figures.pptx
@@ -245,7 +245,7 @@
           <a:p>
             <a:fld id="{35C5FA2C-692F-48D1-A2F8-67B0244C0896}" type="datetimeFigureOut">
               <a:rPr lang="zh-CN" altLang="en-US" smtClean="0"/>
-              <a:t>2020/12/10</a:t>
+              <a:t>2020/12/11</a:t>
             </a:fld>
             <a:endParaRPr lang="zh-CN" altLang="en-US"/>
           </a:p>
@@ -413,7 +413,7 @@
           <a:p>
             <a:fld id="{35C5FA2C-692F-48D1-A2F8-67B0244C0896}" type="datetimeFigureOut">
               <a:rPr lang="zh-CN" altLang="en-US" smtClean="0"/>
-              <a:t>2020/12/10</a:t>
+              <a:t>2020/12/11</a:t>
             </a:fld>
             <a:endParaRPr lang="zh-CN" altLang="en-US"/>
           </a:p>
@@ -591,7 +591,7 @@
           <a:p>
             <a:fld id="{35C5FA2C-692F-48D1-A2F8-67B0244C0896}" type="datetimeFigureOut">
               <a:rPr lang="zh-CN" altLang="en-US" smtClean="0"/>
-              <a:t>2020/12/10</a:t>
+              <a:t>2020/12/11</a:t>
             </a:fld>
             <a:endParaRPr lang="zh-CN" altLang="en-US"/>
           </a:p>
@@ -759,7 +759,7 @@
           <a:p>
             <a:fld id="{35C5FA2C-692F-48D1-A2F8-67B0244C0896}" type="datetimeFigureOut">
               <a:rPr lang="zh-CN" altLang="en-US" smtClean="0"/>
-              <a:t>2020/12/10</a:t>
+              <a:t>2020/12/11</a:t>
             </a:fld>
             <a:endParaRPr lang="zh-CN" altLang="en-US"/>
           </a:p>
@@ -1004,7 +1004,7 @@
           <a:p>
             <a:fld id="{35C5FA2C-692F-48D1-A2F8-67B0244C0896}" type="datetimeFigureOut">
               <a:rPr lang="zh-CN" altLang="en-US" smtClean="0"/>
-              <a:t>2020/12/10</a:t>
+              <a:t>2020/12/11</a:t>
             </a:fld>
             <a:endParaRPr lang="zh-CN" altLang="en-US"/>
           </a:p>
@@ -1233,7 +1233,7 @@
           <a:p>
             <a:fld id="{35C5FA2C-692F-48D1-A2F8-67B0244C0896}" type="datetimeFigureOut">
               <a:rPr lang="zh-CN" altLang="en-US" smtClean="0"/>
-              <a:t>2020/12/10</a:t>
+              <a:t>2020/12/11</a:t>
             </a:fld>
             <a:endParaRPr lang="zh-CN" altLang="en-US"/>
           </a:p>
@@ -1597,7 +1597,7 @@
           <a:p>
             <a:fld id="{35C5FA2C-692F-48D1-A2F8-67B0244C0896}" type="datetimeFigureOut">
               <a:rPr lang="zh-CN" altLang="en-US" smtClean="0"/>
-              <a:t>2020/12/10</a:t>
+              <a:t>2020/12/11</a:t>
             </a:fld>
             <a:endParaRPr lang="zh-CN" altLang="en-US"/>
           </a:p>
@@ -1714,7 +1714,7 @@
           <a:p>
             <a:fld id="{35C5FA2C-692F-48D1-A2F8-67B0244C0896}" type="datetimeFigureOut">
               <a:rPr lang="zh-CN" altLang="en-US" smtClean="0"/>
-              <a:t>2020/12/10</a:t>
+              <a:t>2020/12/11</a:t>
             </a:fld>
             <a:endParaRPr lang="zh-CN" altLang="en-US"/>
           </a:p>
@@ -1809,7 +1809,7 @@
           <a:p>
             <a:fld id="{35C5FA2C-692F-48D1-A2F8-67B0244C0896}" type="datetimeFigureOut">
               <a:rPr lang="zh-CN" altLang="en-US" smtClean="0"/>
-              <a:t>2020/12/10</a:t>
+              <a:t>2020/12/11</a:t>
             </a:fld>
             <a:endParaRPr lang="zh-CN" altLang="en-US"/>
           </a:p>
@@ -2084,7 +2084,7 @@
           <a:p>
             <a:fld id="{35C5FA2C-692F-48D1-A2F8-67B0244C0896}" type="datetimeFigureOut">
               <a:rPr lang="zh-CN" altLang="en-US" smtClean="0"/>
-              <a:t>2020/12/10</a:t>
+              <a:t>2020/12/11</a:t>
             </a:fld>
             <a:endParaRPr lang="zh-CN" altLang="en-US"/>
           </a:p>
@@ -2336,7 +2336,7 @@
           <a:p>
             <a:fld id="{35C5FA2C-692F-48D1-A2F8-67B0244C0896}" type="datetimeFigureOut">
               <a:rPr lang="zh-CN" altLang="en-US" smtClean="0"/>
-              <a:t>2020/12/10</a:t>
+              <a:t>2020/12/11</a:t>
             </a:fld>
             <a:endParaRPr lang="zh-CN" altLang="en-US"/>
           </a:p>
@@ -2547,7 +2547,7 @@
           <a:p>
             <a:fld id="{35C5FA2C-692F-48D1-A2F8-67B0244C0896}" type="datetimeFigureOut">
               <a:rPr lang="zh-CN" altLang="en-US" smtClean="0"/>
-              <a:t>2020/12/10</a:t>
+              <a:t>2020/12/11</a:t>
             </a:fld>
             <a:endParaRPr lang="zh-CN" altLang="en-US"/>
           </a:p>
@@ -6576,10 +6576,10 @@
       </p:grpSpPr>
       <p:pic>
         <p:nvPicPr>
-          <p:cNvPr id="5" name="图片 4">
+          <p:cNvPr id="15" name="图片 14">
             <a:extLst>
               <a:ext uri="{FF2B5EF4-FFF2-40B4-BE49-F238E27FC236}">
-                <a16:creationId xmlns:a16="http://schemas.microsoft.com/office/drawing/2014/main" id="{4A67BBC9-2B14-48D8-BDF9-710AB8B6814C}"/>
+                <a16:creationId xmlns:a16="http://schemas.microsoft.com/office/drawing/2014/main" id="{92476842-D424-4442-B4EC-A2B0FE3BE58E}"/>
               </a:ext>
             </a:extLst>
           </p:cNvPr>
@@ -6602,8 +6602,8 @@
         </p:blipFill>
         <p:spPr>
           <a:xfrm>
-            <a:off x="2207572" y="1220680"/>
-            <a:ext cx="5702431" cy="4276823"/>
+            <a:off x="3145739" y="1119813"/>
+            <a:ext cx="4974397" cy="4408533"/>
           </a:xfrm>
           <a:prstGeom prst="rect">
             <a:avLst/>
@@ -6624,8 +6624,8 @@
         </p:nvSpPr>
         <p:spPr>
           <a:xfrm>
-            <a:off x="3187084" y="4383804"/>
-            <a:ext cx="1464815" cy="338554"/>
+            <a:off x="3824648" y="3833769"/>
+            <a:ext cx="1066134" cy="261610"/>
           </a:xfrm>
           <a:prstGeom prst="rect">
             <a:avLst/>
@@ -6639,25 +6639,127 @@
           <a:lstStyle/>
           <a:p>
             <a:r>
-              <a:rPr lang="en-US" altLang="zh-CN" sz="1600" dirty="0">
+              <a:rPr lang="en-US" altLang="zh-CN" sz="1100" dirty="0">
                 <a:solidFill>
                   <a:schemeClr val="bg2">
                     <a:lumMod val="25000"/>
                   </a:schemeClr>
                 </a:solidFill>
+                <a:latin typeface="Arial" panose="020B0604020202020204" pitchFamily="34" charset="0"/>
+                <a:cs typeface="Arial" panose="020B0604020202020204" pitchFamily="34" charset="0"/>
               </a:rPr>
-              <a:t>Critical value</a:t>
-            </a:r>
-            <a:endParaRPr lang="zh-CN" altLang="en-US" sz="1600" dirty="0">
+              <a:t>critical value</a:t>
+            </a:r>
+            <a:endParaRPr lang="zh-CN" altLang="en-US" sz="1100" dirty="0">
               <a:solidFill>
                 <a:schemeClr val="bg2">
                   <a:lumMod val="25000"/>
                 </a:schemeClr>
               </a:solidFill>
+              <a:latin typeface="Arial" panose="020B0604020202020204" pitchFamily="34" charset="0"/>
+              <a:cs typeface="Arial" panose="020B0604020202020204" pitchFamily="34" charset="0"/>
             </a:endParaRPr>
           </a:p>
         </p:txBody>
       </p:sp>
+      <p:sp>
+        <p:nvSpPr>
+          <p:cNvPr id="16" name="文本框 15">
+            <a:extLst>
+              <a:ext uri="{FF2B5EF4-FFF2-40B4-BE49-F238E27FC236}">
+                <a16:creationId xmlns:a16="http://schemas.microsoft.com/office/drawing/2014/main" id="{01F91E70-BC0B-44EE-ABE4-4574532F63CB}"/>
+              </a:ext>
+            </a:extLst>
+          </p:cNvPr>
+          <p:cNvSpPr txBox="1"/>
+          <p:nvPr/>
+        </p:nvSpPr>
+        <p:spPr>
+          <a:xfrm>
+            <a:off x="6096000" y="2715936"/>
+            <a:ext cx="1871477" cy="430887"/>
+          </a:xfrm>
+          <a:prstGeom prst="rect">
+            <a:avLst/>
+          </a:prstGeom>
+          <a:noFill/>
+        </p:spPr>
+        <p:txBody>
+          <a:bodyPr wrap="square" rtlCol="0">
+            <a:spAutoFit/>
+          </a:bodyPr>
+          <a:lstStyle/>
+          <a:p>
+            <a:r>
+              <a:rPr lang="en-US" altLang="zh-CN" sz="1100" dirty="0">
+                <a:solidFill>
+                  <a:schemeClr val="bg2">
+                    <a:lumMod val="25000"/>
+                  </a:schemeClr>
+                </a:solidFill>
+                <a:latin typeface="Arial" panose="020B0604020202020204" pitchFamily="34" charset="0"/>
+                <a:cs typeface="Arial" panose="020B0604020202020204" pitchFamily="34" charset="0"/>
+              </a:rPr>
+              <a:t>acceptable level for percentage uncertainty</a:t>
+            </a:r>
+            <a:endParaRPr lang="zh-CN" altLang="en-US" sz="1100" dirty="0">
+              <a:solidFill>
+                <a:schemeClr val="bg2">
+                  <a:lumMod val="25000"/>
+                </a:schemeClr>
+              </a:solidFill>
+              <a:latin typeface="Arial" panose="020B0604020202020204" pitchFamily="34" charset="0"/>
+              <a:cs typeface="Arial" panose="020B0604020202020204" pitchFamily="34" charset="0"/>
+            </a:endParaRPr>
+          </a:p>
+        </p:txBody>
+      </p:sp>
+      <p:cxnSp>
+        <p:nvCxnSpPr>
+          <p:cNvPr id="18" name="直接箭头连接符 17">
+            <a:extLst>
+              <a:ext uri="{FF2B5EF4-FFF2-40B4-BE49-F238E27FC236}">
+                <a16:creationId xmlns:a16="http://schemas.microsoft.com/office/drawing/2014/main" id="{122BD774-68FC-424B-ABA1-1067E081EA5C}"/>
+              </a:ext>
+            </a:extLst>
+          </p:cNvPr>
+          <p:cNvCxnSpPr>
+            <a:cxnSpLocks/>
+          </p:cNvCxnSpPr>
+          <p:nvPr/>
+        </p:nvCxnSpPr>
+        <p:spPr>
+          <a:xfrm>
+            <a:off x="7239699" y="3146823"/>
+            <a:ext cx="343949" cy="477221"/>
+          </a:xfrm>
+          <a:prstGeom prst="straightConnector1">
+            <a:avLst/>
+          </a:prstGeom>
+          <a:ln>
+            <a:solidFill>
+              <a:schemeClr val="bg2">
+                <a:lumMod val="50000"/>
+              </a:schemeClr>
+            </a:solidFill>
+            <a:tailEnd type="triangle"/>
+          </a:ln>
+        </p:spPr>
+        <p:style>
+          <a:lnRef idx="2">
+            <a:schemeClr val="dk1"/>
+          </a:lnRef>
+          <a:fillRef idx="0">
+            <a:schemeClr val="dk1"/>
+          </a:fillRef>
+          <a:effectRef idx="1">
+            <a:schemeClr val="dk1"/>
+          </a:effectRef>
+          <a:fontRef idx="minor">
+            <a:schemeClr val="tx1"/>
+          </a:fontRef>
+        </p:style>
+      </p:cxnSp>
     </p:spTree>
     <p:extLst>
       <p:ext uri="{BB962C8B-B14F-4D97-AF65-F5344CB8AC3E}">

--- a/output/paper0915/figure/Figures.pptx
+++ b/output/paper0915/figure/Figures.pptx
@@ -7,9 +7,10 @@
   <p:sldIdLst>
     <p:sldId id="261" r:id="rId2"/>
     <p:sldId id="260" r:id="rId3"/>
-    <p:sldId id="256" r:id="rId4"/>
-    <p:sldId id="259" r:id="rId5"/>
-    <p:sldId id="262" r:id="rId6"/>
+    <p:sldId id="263" r:id="rId4"/>
+    <p:sldId id="256" r:id="rId5"/>
+    <p:sldId id="259" r:id="rId6"/>
+    <p:sldId id="262" r:id="rId7"/>
   </p:sldIdLst>
   <p:sldSz cx="12192000" cy="6858000"/>
   <p:notesSz cx="6858000" cy="9144000"/>
@@ -245,7 +246,7 @@
           <a:p>
             <a:fld id="{35C5FA2C-692F-48D1-A2F8-67B0244C0896}" type="datetimeFigureOut">
               <a:rPr lang="zh-CN" altLang="en-US" smtClean="0"/>
-              <a:t>2020/12/11</a:t>
+              <a:t>2020/12/13</a:t>
             </a:fld>
             <a:endParaRPr lang="zh-CN" altLang="en-US"/>
           </a:p>
@@ -413,7 +414,7 @@
           <a:p>
             <a:fld id="{35C5FA2C-692F-48D1-A2F8-67B0244C0896}" type="datetimeFigureOut">
               <a:rPr lang="zh-CN" altLang="en-US" smtClean="0"/>
-              <a:t>2020/12/11</a:t>
+              <a:t>2020/12/13</a:t>
             </a:fld>
             <a:endParaRPr lang="zh-CN" altLang="en-US"/>
           </a:p>
@@ -591,7 +592,7 @@
           <a:p>
             <a:fld id="{35C5FA2C-692F-48D1-A2F8-67B0244C0896}" type="datetimeFigureOut">
               <a:rPr lang="zh-CN" altLang="en-US" smtClean="0"/>
-              <a:t>2020/12/11</a:t>
+              <a:t>2020/12/13</a:t>
             </a:fld>
             <a:endParaRPr lang="zh-CN" altLang="en-US"/>
           </a:p>
@@ -759,7 +760,7 @@
           <a:p>
             <a:fld id="{35C5FA2C-692F-48D1-A2F8-67B0244C0896}" type="datetimeFigureOut">
               <a:rPr lang="zh-CN" altLang="en-US" smtClean="0"/>
-              <a:t>2020/12/11</a:t>
+              <a:t>2020/12/13</a:t>
             </a:fld>
             <a:endParaRPr lang="zh-CN" altLang="en-US"/>
           </a:p>
@@ -1004,7 +1005,7 @@
           <a:p>
             <a:fld id="{35C5FA2C-692F-48D1-A2F8-67B0244C0896}" type="datetimeFigureOut">
               <a:rPr lang="zh-CN" altLang="en-US" smtClean="0"/>
-              <a:t>2020/12/11</a:t>
+              <a:t>2020/12/13</a:t>
             </a:fld>
             <a:endParaRPr lang="zh-CN" altLang="en-US"/>
           </a:p>
@@ -1233,7 +1234,7 @@
           <a:p>
             <a:fld id="{35C5FA2C-692F-48D1-A2F8-67B0244C0896}" type="datetimeFigureOut">
               <a:rPr lang="zh-CN" altLang="en-US" smtClean="0"/>
-              <a:t>2020/12/11</a:t>
+              <a:t>2020/12/13</a:t>
             </a:fld>
             <a:endParaRPr lang="zh-CN" altLang="en-US"/>
           </a:p>
@@ -1597,7 +1598,7 @@
           <a:p>
             <a:fld id="{35C5FA2C-692F-48D1-A2F8-67B0244C0896}" type="datetimeFigureOut">
               <a:rPr lang="zh-CN" altLang="en-US" smtClean="0"/>
-              <a:t>2020/12/11</a:t>
+              <a:t>2020/12/13</a:t>
             </a:fld>
             <a:endParaRPr lang="zh-CN" altLang="en-US"/>
           </a:p>
@@ -1714,7 +1715,7 @@
           <a:p>
             <a:fld id="{35C5FA2C-692F-48D1-A2F8-67B0244C0896}" type="datetimeFigureOut">
               <a:rPr lang="zh-CN" altLang="en-US" smtClean="0"/>
-              <a:t>2020/12/11</a:t>
+              <a:t>2020/12/13</a:t>
             </a:fld>
             <a:endParaRPr lang="zh-CN" altLang="en-US"/>
           </a:p>
@@ -1809,7 +1810,7 @@
           <a:p>
             <a:fld id="{35C5FA2C-692F-48D1-A2F8-67B0244C0896}" type="datetimeFigureOut">
               <a:rPr lang="zh-CN" altLang="en-US" smtClean="0"/>
-              <a:t>2020/12/11</a:t>
+              <a:t>2020/12/13</a:t>
             </a:fld>
             <a:endParaRPr lang="zh-CN" altLang="en-US"/>
           </a:p>
@@ -2084,7 +2085,7 @@
           <a:p>
             <a:fld id="{35C5FA2C-692F-48D1-A2F8-67B0244C0896}" type="datetimeFigureOut">
               <a:rPr lang="zh-CN" altLang="en-US" smtClean="0"/>
-              <a:t>2020/12/11</a:t>
+              <a:t>2020/12/13</a:t>
             </a:fld>
             <a:endParaRPr lang="zh-CN" altLang="en-US"/>
           </a:p>
@@ -2336,7 +2337,7 @@
           <a:p>
             <a:fld id="{35C5FA2C-692F-48D1-A2F8-67B0244C0896}" type="datetimeFigureOut">
               <a:rPr lang="zh-CN" altLang="en-US" smtClean="0"/>
-              <a:t>2020/12/11</a:t>
+              <a:t>2020/12/13</a:t>
             </a:fld>
             <a:endParaRPr lang="zh-CN" altLang="en-US"/>
           </a:p>
@@ -2547,7 +2548,7 @@
           <a:p>
             <a:fld id="{35C5FA2C-692F-48D1-A2F8-67B0244C0896}" type="datetimeFigureOut">
               <a:rPr lang="zh-CN" altLang="en-US" smtClean="0"/>
-              <a:t>2020/12/11</a:t>
+              <a:t>2020/12/13</a:t>
             </a:fld>
             <a:endParaRPr lang="zh-CN" altLang="en-US"/>
           </a:p>
@@ -4980,6 +4981,2556 @@
 </file>
 
 <file path=ppt/slides/slide3.xml><?xml version="1.0" encoding="utf-8"?>
+<p:sld xmlns:a="http://schemas.openxmlformats.org/drawingml/2006/main" xmlns:r="http://schemas.openxmlformats.org/officeDocument/2006/relationships" xmlns:p="http://schemas.openxmlformats.org/presentationml/2006/main">
+  <p:cSld>
+    <p:spTree>
+      <p:nvGrpSpPr>
+        <p:cNvPr id="1" name=""/>
+        <p:cNvGrpSpPr/>
+        <p:nvPr/>
+      </p:nvGrpSpPr>
+      <p:grpSpPr>
+        <a:xfrm>
+          <a:off x="0" y="0"/>
+          <a:ext cx="0" cy="0"/>
+          <a:chOff x="0" y="0"/>
+          <a:chExt cx="0" cy="0"/>
+        </a:xfrm>
+      </p:grpSpPr>
+      <p:sp>
+        <p:nvSpPr>
+          <p:cNvPr id="5" name="Rectangle 2">
+            <a:extLst>
+              <a:ext uri="{FF2B5EF4-FFF2-40B4-BE49-F238E27FC236}">
+                <a16:creationId xmlns:a16="http://schemas.microsoft.com/office/drawing/2014/main" id="{FC282846-D557-4115-9303-38C4C7EFFEE5}"/>
+              </a:ext>
+            </a:extLst>
+          </p:cNvPr>
+          <p:cNvSpPr/>
+          <p:nvPr/>
+        </p:nvSpPr>
+        <p:spPr>
+          <a:xfrm>
+            <a:off x="2832415" y="943235"/>
+            <a:ext cx="6449765" cy="4328258"/>
+          </a:xfrm>
+          <a:prstGeom prst="rect">
+            <a:avLst/>
+          </a:prstGeom>
+          <a:noFill/>
+          <a:ln w="19050">
+            <a:solidFill>
+              <a:schemeClr val="tx1"/>
+            </a:solidFill>
+          </a:ln>
+        </p:spPr>
+        <p:style>
+          <a:lnRef idx="2">
+            <a:schemeClr val="accent1">
+              <a:shade val="50000"/>
+            </a:schemeClr>
+          </a:lnRef>
+          <a:fillRef idx="1">
+            <a:schemeClr val="accent1"/>
+          </a:fillRef>
+          <a:effectRef idx="0">
+            <a:schemeClr val="accent1"/>
+          </a:effectRef>
+          <a:fontRef idx="minor">
+            <a:schemeClr val="lt1"/>
+          </a:fontRef>
+        </p:style>
+        <p:txBody>
+          <a:bodyPr rtlCol="0" anchor="ctr"/>
+          <a:lstStyle/>
+          <a:p>
+            <a:pPr algn="ctr"/>
+            <a:endParaRPr lang="en-AU"/>
+          </a:p>
+        </p:txBody>
+      </p:sp>
+      <mc:AlternateContent xmlns:mc="http://schemas.openxmlformats.org/markup-compatibility/2006">
+        <mc:Choice xmlns:a14="http://schemas.microsoft.com/office/drawing/2010/main" Requires="a14">
+          <p:sp>
+            <p:nvSpPr>
+              <p:cNvPr id="7" name="TextBox 3">
+                <a:extLst>
+                  <a:ext uri="{FF2B5EF4-FFF2-40B4-BE49-F238E27FC236}">
+                    <a16:creationId xmlns:a16="http://schemas.microsoft.com/office/drawing/2014/main" id="{45423C20-F346-496F-919D-6D13B5DD8F7D}"/>
+                  </a:ext>
+                </a:extLst>
+              </p:cNvPr>
+              <p:cNvSpPr txBox="1"/>
+              <p:nvPr/>
+            </p:nvSpPr>
+            <p:spPr>
+              <a:xfrm>
+                <a:off x="3471349" y="5331872"/>
+                <a:ext cx="440574" cy="369332"/>
+              </a:xfrm>
+              <a:prstGeom prst="rect">
+                <a:avLst/>
+              </a:prstGeom>
+              <a:noFill/>
+            </p:spPr>
+            <p:txBody>
+              <a:bodyPr wrap="square" rtlCol="0">
+                <a:spAutoFit/>
+              </a:bodyPr>
+              <a:lstStyle/>
+              <a:p>
+                <a:pPr/>
+                <a14:m>
+                  <m:oMathPara xmlns:m="http://schemas.openxmlformats.org/officeDocument/2006/math">
+                    <m:oMathParaPr>
+                      <m:jc m:val="centerGroup"/>
+                    </m:oMathParaPr>
+                    <m:oMath xmlns:m="http://schemas.openxmlformats.org/officeDocument/2006/math">
+                      <m:sSub>
+                        <m:sSubPr>
+                          <m:ctrlPr>
+                            <a:rPr lang="en-AU" i="1" smtClean="0">
+                              <a:latin typeface="Cambria Math" panose="02040503050406030204" pitchFamily="18" charset="0"/>
+                            </a:rPr>
+                          </m:ctrlPr>
+                        </m:sSubPr>
+                        <m:e>
+                          <m:r>
+                            <a:rPr lang="en-US" b="0" i="1" smtClean="0">
+                              <a:latin typeface="Cambria Math" panose="02040503050406030204" pitchFamily="18" charset="0"/>
+                            </a:rPr>
+                            <m:t>𝑥</m:t>
+                          </m:r>
+                        </m:e>
+                        <m:sub>
+                          <m:r>
+                            <a:rPr lang="en-US" b="0" i="1" smtClean="0">
+                              <a:latin typeface="Cambria Math" panose="02040503050406030204" pitchFamily="18" charset="0"/>
+                            </a:rPr>
+                            <m:t>1</m:t>
+                          </m:r>
+                        </m:sub>
+                      </m:sSub>
+                    </m:oMath>
+                  </m:oMathPara>
+                </a14:m>
+                <a:endParaRPr lang="en-AU" dirty="0"/>
+              </a:p>
+            </p:txBody>
+          </p:sp>
+        </mc:Choice>
+        <mc:Fallback>
+          <p:sp>
+            <p:nvSpPr>
+              <p:cNvPr id="7" name="TextBox 3">
+                <a:extLst>
+                  <a:ext uri="{FF2B5EF4-FFF2-40B4-BE49-F238E27FC236}">
+                    <a16:creationId xmlns:a16="http://schemas.microsoft.com/office/drawing/2014/main" id="{45423C20-F346-496F-919D-6D13B5DD8F7D}"/>
+                  </a:ext>
+                </a:extLst>
+              </p:cNvPr>
+              <p:cNvSpPr txBox="1">
+                <a:spLocks noRot="1" noChangeAspect="1" noMove="1" noResize="1" noEditPoints="1" noAdjustHandles="1" noChangeArrowheads="1" noChangeShapeType="1" noTextEdit="1"/>
+              </p:cNvSpPr>
+              <p:nvPr/>
+            </p:nvSpPr>
+            <p:spPr>
+              <a:xfrm>
+                <a:off x="3471349" y="5331872"/>
+                <a:ext cx="440574" cy="369332"/>
+              </a:xfrm>
+              <a:prstGeom prst="rect">
+                <a:avLst/>
+              </a:prstGeom>
+              <a:blipFill>
+                <a:blip r:embed="rId2"/>
+                <a:stretch>
+                  <a:fillRect/>
+                </a:stretch>
+              </a:blipFill>
+            </p:spPr>
+            <p:txBody>
+              <a:bodyPr/>
+              <a:lstStyle/>
+              <a:p>
+                <a:r>
+                  <a:rPr lang="zh-CN" altLang="en-US">
+                    <a:noFill/>
+                  </a:rPr>
+                  <a:t> </a:t>
+                </a:r>
+              </a:p>
+            </p:txBody>
+          </p:sp>
+        </mc:Fallback>
+      </mc:AlternateContent>
+      <p:cxnSp>
+        <p:nvCxnSpPr>
+          <p:cNvPr id="9" name="Straight Connector 5">
+            <a:extLst>
+              <a:ext uri="{FF2B5EF4-FFF2-40B4-BE49-F238E27FC236}">
+                <a16:creationId xmlns:a16="http://schemas.microsoft.com/office/drawing/2014/main" id="{1B40251D-207C-4302-9213-EE44089ADCA8}"/>
+              </a:ext>
+            </a:extLst>
+          </p:cNvPr>
+          <p:cNvCxnSpPr/>
+          <p:nvPr/>
+        </p:nvCxnSpPr>
+        <p:spPr>
+          <a:xfrm flipH="1">
+            <a:off x="3675010" y="5276972"/>
+            <a:ext cx="1" cy="109575"/>
+          </a:xfrm>
+          <a:prstGeom prst="line">
+            <a:avLst/>
+          </a:prstGeom>
+          <a:ln w="12700">
+            <a:solidFill>
+              <a:schemeClr val="tx1"/>
+            </a:solidFill>
+          </a:ln>
+        </p:spPr>
+        <p:style>
+          <a:lnRef idx="1">
+            <a:schemeClr val="accent1"/>
+          </a:lnRef>
+          <a:fillRef idx="0">
+            <a:schemeClr val="accent1"/>
+          </a:fillRef>
+          <a:effectRef idx="0">
+            <a:schemeClr val="accent1"/>
+          </a:effectRef>
+          <a:fontRef idx="minor">
+            <a:schemeClr val="tx1"/>
+          </a:fontRef>
+        </p:style>
+      </p:cxnSp>
+      <p:cxnSp>
+        <p:nvCxnSpPr>
+          <p:cNvPr id="10" name="Straight Connector 27">
+            <a:extLst>
+              <a:ext uri="{FF2B5EF4-FFF2-40B4-BE49-F238E27FC236}">
+                <a16:creationId xmlns:a16="http://schemas.microsoft.com/office/drawing/2014/main" id="{73DE6BEA-5720-4CFF-9C6F-2A1AD9542625}"/>
+              </a:ext>
+            </a:extLst>
+          </p:cNvPr>
+          <p:cNvCxnSpPr/>
+          <p:nvPr/>
+        </p:nvCxnSpPr>
+        <p:spPr>
+          <a:xfrm flipH="1">
+            <a:off x="5079808" y="5266696"/>
+            <a:ext cx="1" cy="109575"/>
+          </a:xfrm>
+          <a:prstGeom prst="line">
+            <a:avLst/>
+          </a:prstGeom>
+          <a:ln w="12700">
+            <a:solidFill>
+              <a:schemeClr val="tx1"/>
+            </a:solidFill>
+          </a:ln>
+        </p:spPr>
+        <p:style>
+          <a:lnRef idx="1">
+            <a:schemeClr val="accent1"/>
+          </a:lnRef>
+          <a:fillRef idx="0">
+            <a:schemeClr val="accent1"/>
+          </a:fillRef>
+          <a:effectRef idx="0">
+            <a:schemeClr val="accent1"/>
+          </a:effectRef>
+          <a:fontRef idx="minor">
+            <a:schemeClr val="tx1"/>
+          </a:fontRef>
+        </p:style>
+      </p:cxnSp>
+      <p:cxnSp>
+        <p:nvCxnSpPr>
+          <p:cNvPr id="11" name="Straight Connector 28">
+            <a:extLst>
+              <a:ext uri="{FF2B5EF4-FFF2-40B4-BE49-F238E27FC236}">
+                <a16:creationId xmlns:a16="http://schemas.microsoft.com/office/drawing/2014/main" id="{9846B7E1-1990-4472-8113-3BBC159AFA72}"/>
+              </a:ext>
+            </a:extLst>
+          </p:cNvPr>
+          <p:cNvCxnSpPr/>
+          <p:nvPr/>
+        </p:nvCxnSpPr>
+        <p:spPr>
+          <a:xfrm flipH="1">
+            <a:off x="6484607" y="5266696"/>
+            <a:ext cx="1" cy="109575"/>
+          </a:xfrm>
+          <a:prstGeom prst="line">
+            <a:avLst/>
+          </a:prstGeom>
+          <a:ln w="12700">
+            <a:solidFill>
+              <a:schemeClr val="tx1"/>
+            </a:solidFill>
+          </a:ln>
+        </p:spPr>
+        <p:style>
+          <a:lnRef idx="1">
+            <a:schemeClr val="accent1"/>
+          </a:lnRef>
+          <a:fillRef idx="0">
+            <a:schemeClr val="accent1"/>
+          </a:fillRef>
+          <a:effectRef idx="0">
+            <a:schemeClr val="accent1"/>
+          </a:effectRef>
+          <a:fontRef idx="minor">
+            <a:schemeClr val="tx1"/>
+          </a:fontRef>
+        </p:style>
+      </p:cxnSp>
+      <mc:AlternateContent xmlns:mc="http://schemas.openxmlformats.org/markup-compatibility/2006">
+        <mc:Choice xmlns:a14="http://schemas.microsoft.com/office/drawing/2010/main" Requires="a14">
+          <p:sp>
+            <p:nvSpPr>
+              <p:cNvPr id="12" name="TextBox 29">
+                <a:extLst>
+                  <a:ext uri="{FF2B5EF4-FFF2-40B4-BE49-F238E27FC236}">
+                    <a16:creationId xmlns:a16="http://schemas.microsoft.com/office/drawing/2014/main" id="{9640171E-272B-4B14-8A0E-620F6C51A4B8}"/>
+                  </a:ext>
+                </a:extLst>
+              </p:cNvPr>
+              <p:cNvSpPr txBox="1"/>
+              <p:nvPr/>
+            </p:nvSpPr>
+            <p:spPr>
+              <a:xfrm>
+                <a:off x="4884459" y="5323559"/>
+                <a:ext cx="440574" cy="369332"/>
+              </a:xfrm>
+              <a:prstGeom prst="rect">
+                <a:avLst/>
+              </a:prstGeom>
+              <a:noFill/>
+            </p:spPr>
+            <p:txBody>
+              <a:bodyPr wrap="square" rtlCol="0">
+                <a:spAutoFit/>
+              </a:bodyPr>
+              <a:lstStyle/>
+              <a:p>
+                <a:pPr/>
+                <a14:m>
+                  <m:oMathPara xmlns:m="http://schemas.openxmlformats.org/officeDocument/2006/math">
+                    <m:oMathParaPr>
+                      <m:jc m:val="centerGroup"/>
+                    </m:oMathParaPr>
+                    <m:oMath xmlns:m="http://schemas.openxmlformats.org/officeDocument/2006/math">
+                      <m:sSub>
+                        <m:sSubPr>
+                          <m:ctrlPr>
+                            <a:rPr lang="en-AU" i="1" smtClean="0">
+                              <a:latin typeface="Cambria Math" panose="02040503050406030204" pitchFamily="18" charset="0"/>
+                            </a:rPr>
+                          </m:ctrlPr>
+                        </m:sSubPr>
+                        <m:e>
+                          <m:r>
+                            <a:rPr lang="en-US" i="1">
+                              <a:latin typeface="Cambria Math" panose="02040503050406030204" pitchFamily="18" charset="0"/>
+                            </a:rPr>
+                            <m:t>𝑥</m:t>
+                          </m:r>
+                        </m:e>
+                        <m:sub>
+                          <m:r>
+                            <a:rPr lang="en-US" b="0" i="1" smtClean="0">
+                              <a:latin typeface="Cambria Math" panose="02040503050406030204" pitchFamily="18" charset="0"/>
+                            </a:rPr>
+                            <m:t>2</m:t>
+                          </m:r>
+                        </m:sub>
+                      </m:sSub>
+                    </m:oMath>
+                  </m:oMathPara>
+                </a14:m>
+                <a:endParaRPr lang="en-AU" dirty="0"/>
+              </a:p>
+            </p:txBody>
+          </p:sp>
+        </mc:Choice>
+        <mc:Fallback>
+          <p:sp>
+            <p:nvSpPr>
+              <p:cNvPr id="12" name="TextBox 29">
+                <a:extLst>
+                  <a:ext uri="{FF2B5EF4-FFF2-40B4-BE49-F238E27FC236}">
+                    <a16:creationId xmlns:a16="http://schemas.microsoft.com/office/drawing/2014/main" id="{9640171E-272B-4B14-8A0E-620F6C51A4B8}"/>
+                  </a:ext>
+                </a:extLst>
+              </p:cNvPr>
+              <p:cNvSpPr txBox="1">
+                <a:spLocks noRot="1" noChangeAspect="1" noMove="1" noResize="1" noEditPoints="1" noAdjustHandles="1" noChangeArrowheads="1" noChangeShapeType="1" noTextEdit="1"/>
+              </p:cNvSpPr>
+              <p:nvPr/>
+            </p:nvSpPr>
+            <p:spPr>
+              <a:xfrm>
+                <a:off x="4884459" y="5323559"/>
+                <a:ext cx="440574" cy="369332"/>
+              </a:xfrm>
+              <a:prstGeom prst="rect">
+                <a:avLst/>
+              </a:prstGeom>
+              <a:blipFill>
+                <a:blip r:embed="rId3"/>
+                <a:stretch>
+                  <a:fillRect/>
+                </a:stretch>
+              </a:blipFill>
+            </p:spPr>
+            <p:txBody>
+              <a:bodyPr/>
+              <a:lstStyle/>
+              <a:p>
+                <a:r>
+                  <a:rPr lang="zh-CN" altLang="en-US">
+                    <a:noFill/>
+                  </a:rPr>
+                  <a:t> </a:t>
+                </a:r>
+              </a:p>
+            </p:txBody>
+          </p:sp>
+        </mc:Fallback>
+      </mc:AlternateContent>
+      <mc:AlternateContent xmlns:mc="http://schemas.openxmlformats.org/markup-compatibility/2006">
+        <mc:Choice xmlns:a14="http://schemas.microsoft.com/office/drawing/2010/main" Requires="a14">
+          <p:sp>
+            <p:nvSpPr>
+              <p:cNvPr id="13" name="TextBox 30">
+                <a:extLst>
+                  <a:ext uri="{FF2B5EF4-FFF2-40B4-BE49-F238E27FC236}">
+                    <a16:creationId xmlns:a16="http://schemas.microsoft.com/office/drawing/2014/main" id="{4DB1BFFF-A942-441B-9AD9-E7DC24BC30ED}"/>
+                  </a:ext>
+                </a:extLst>
+              </p:cNvPr>
+              <p:cNvSpPr txBox="1"/>
+              <p:nvPr/>
+            </p:nvSpPr>
+            <p:spPr>
+              <a:xfrm>
+                <a:off x="6285103" y="5314724"/>
+                <a:ext cx="440574" cy="369332"/>
+              </a:xfrm>
+              <a:prstGeom prst="rect">
+                <a:avLst/>
+              </a:prstGeom>
+              <a:noFill/>
+            </p:spPr>
+            <p:txBody>
+              <a:bodyPr wrap="square" rtlCol="0">
+                <a:spAutoFit/>
+              </a:bodyPr>
+              <a:lstStyle/>
+              <a:p>
+                <a:pPr/>
+                <a14:m>
+                  <m:oMathPara xmlns:m="http://schemas.openxmlformats.org/officeDocument/2006/math">
+                    <m:oMathParaPr>
+                      <m:jc m:val="centerGroup"/>
+                    </m:oMathParaPr>
+                    <m:oMath xmlns:m="http://schemas.openxmlformats.org/officeDocument/2006/math">
+                      <m:sSub>
+                        <m:sSubPr>
+                          <m:ctrlPr>
+                            <a:rPr lang="en-AU" i="1" smtClean="0">
+                              <a:latin typeface="Cambria Math" panose="02040503050406030204" pitchFamily="18" charset="0"/>
+                            </a:rPr>
+                          </m:ctrlPr>
+                        </m:sSubPr>
+                        <m:e>
+                          <m:r>
+                            <a:rPr lang="en-US" i="1">
+                              <a:latin typeface="Cambria Math" panose="02040503050406030204" pitchFamily="18" charset="0"/>
+                            </a:rPr>
+                            <m:t>𝑥</m:t>
+                          </m:r>
+                        </m:e>
+                        <m:sub>
+                          <m:r>
+                            <a:rPr lang="en-US" b="0" i="1" smtClean="0">
+                              <a:latin typeface="Cambria Math" panose="02040503050406030204" pitchFamily="18" charset="0"/>
+                            </a:rPr>
+                            <m:t>3</m:t>
+                          </m:r>
+                        </m:sub>
+                      </m:sSub>
+                    </m:oMath>
+                  </m:oMathPara>
+                </a14:m>
+                <a:endParaRPr lang="en-AU" dirty="0"/>
+              </a:p>
+            </p:txBody>
+          </p:sp>
+        </mc:Choice>
+        <mc:Fallback>
+          <p:sp>
+            <p:nvSpPr>
+              <p:cNvPr id="13" name="TextBox 30">
+                <a:extLst>
+                  <a:ext uri="{FF2B5EF4-FFF2-40B4-BE49-F238E27FC236}">
+                    <a16:creationId xmlns:a16="http://schemas.microsoft.com/office/drawing/2014/main" id="{4DB1BFFF-A942-441B-9AD9-E7DC24BC30ED}"/>
+                  </a:ext>
+                </a:extLst>
+              </p:cNvPr>
+              <p:cNvSpPr txBox="1">
+                <a:spLocks noRot="1" noChangeAspect="1" noMove="1" noResize="1" noEditPoints="1" noAdjustHandles="1" noChangeArrowheads="1" noChangeShapeType="1" noTextEdit="1"/>
+              </p:cNvSpPr>
+              <p:nvPr/>
+            </p:nvSpPr>
+            <p:spPr>
+              <a:xfrm>
+                <a:off x="6285103" y="5314724"/>
+                <a:ext cx="440574" cy="369332"/>
+              </a:xfrm>
+              <a:prstGeom prst="rect">
+                <a:avLst/>
+              </a:prstGeom>
+              <a:blipFill>
+                <a:blip r:embed="rId4"/>
+                <a:stretch>
+                  <a:fillRect/>
+                </a:stretch>
+              </a:blipFill>
+            </p:spPr>
+            <p:txBody>
+              <a:bodyPr/>
+              <a:lstStyle/>
+              <a:p>
+                <a:r>
+                  <a:rPr lang="zh-CN" altLang="en-US">
+                    <a:noFill/>
+                  </a:rPr>
+                  <a:t> </a:t>
+                </a:r>
+              </a:p>
+            </p:txBody>
+          </p:sp>
+        </mc:Fallback>
+      </mc:AlternateContent>
+      <p:cxnSp>
+        <p:nvCxnSpPr>
+          <p:cNvPr id="14" name="Straight Connector 31">
+            <a:extLst>
+              <a:ext uri="{FF2B5EF4-FFF2-40B4-BE49-F238E27FC236}">
+                <a16:creationId xmlns:a16="http://schemas.microsoft.com/office/drawing/2014/main" id="{8B9830F2-1F76-420D-BC3F-261717689ED2}"/>
+              </a:ext>
+            </a:extLst>
+          </p:cNvPr>
+          <p:cNvCxnSpPr/>
+          <p:nvPr/>
+        </p:nvCxnSpPr>
+        <p:spPr>
+          <a:xfrm flipH="1" flipV="1">
+            <a:off x="2739608" y="5268834"/>
+            <a:ext cx="84039" cy="1"/>
+          </a:xfrm>
+          <a:prstGeom prst="line">
+            <a:avLst/>
+          </a:prstGeom>
+          <a:ln w="12700">
+            <a:solidFill>
+              <a:schemeClr val="tx1"/>
+            </a:solidFill>
+          </a:ln>
+        </p:spPr>
+        <p:style>
+          <a:lnRef idx="1">
+            <a:schemeClr val="accent1"/>
+          </a:lnRef>
+          <a:fillRef idx="0">
+            <a:schemeClr val="accent1"/>
+          </a:fillRef>
+          <a:effectRef idx="0">
+            <a:schemeClr val="accent1"/>
+          </a:effectRef>
+          <a:fontRef idx="minor">
+            <a:schemeClr val="tx1"/>
+          </a:fontRef>
+        </p:style>
+      </p:cxnSp>
+      <p:cxnSp>
+        <p:nvCxnSpPr>
+          <p:cNvPr id="15" name="Straight Connector 32">
+            <a:extLst>
+              <a:ext uri="{FF2B5EF4-FFF2-40B4-BE49-F238E27FC236}">
+                <a16:creationId xmlns:a16="http://schemas.microsoft.com/office/drawing/2014/main" id="{251141A5-0E42-46A6-83FD-C4B97D11E75B}"/>
+              </a:ext>
+            </a:extLst>
+          </p:cNvPr>
+          <p:cNvCxnSpPr/>
+          <p:nvPr/>
+        </p:nvCxnSpPr>
+        <p:spPr>
+          <a:xfrm flipH="1" flipV="1">
+            <a:off x="2742834" y="4024269"/>
+            <a:ext cx="84039" cy="1"/>
+          </a:xfrm>
+          <a:prstGeom prst="line">
+            <a:avLst/>
+          </a:prstGeom>
+          <a:ln w="12700">
+            <a:solidFill>
+              <a:schemeClr val="tx1"/>
+            </a:solidFill>
+          </a:ln>
+        </p:spPr>
+        <p:style>
+          <a:lnRef idx="1">
+            <a:schemeClr val="accent1"/>
+          </a:lnRef>
+          <a:fillRef idx="0">
+            <a:schemeClr val="accent1"/>
+          </a:fillRef>
+          <a:effectRef idx="0">
+            <a:schemeClr val="accent1"/>
+          </a:effectRef>
+          <a:fontRef idx="minor">
+            <a:schemeClr val="tx1"/>
+          </a:fontRef>
+        </p:style>
+      </p:cxnSp>
+      <p:cxnSp>
+        <p:nvCxnSpPr>
+          <p:cNvPr id="16" name="Straight Connector 33">
+            <a:extLst>
+              <a:ext uri="{FF2B5EF4-FFF2-40B4-BE49-F238E27FC236}">
+                <a16:creationId xmlns:a16="http://schemas.microsoft.com/office/drawing/2014/main" id="{8B7FB1A8-EB2E-4BFC-B118-B0A199A39A95}"/>
+              </a:ext>
+            </a:extLst>
+          </p:cNvPr>
+          <p:cNvCxnSpPr/>
+          <p:nvPr/>
+        </p:nvCxnSpPr>
+        <p:spPr>
+          <a:xfrm flipH="1" flipV="1">
+            <a:off x="2748375" y="4642740"/>
+            <a:ext cx="84039" cy="1"/>
+          </a:xfrm>
+          <a:prstGeom prst="line">
+            <a:avLst/>
+          </a:prstGeom>
+          <a:ln w="12700">
+            <a:solidFill>
+              <a:schemeClr val="tx1"/>
+            </a:solidFill>
+          </a:ln>
+        </p:spPr>
+        <p:style>
+          <a:lnRef idx="1">
+            <a:schemeClr val="accent1"/>
+          </a:lnRef>
+          <a:fillRef idx="0">
+            <a:schemeClr val="accent1"/>
+          </a:fillRef>
+          <a:effectRef idx="0">
+            <a:schemeClr val="accent1"/>
+          </a:effectRef>
+          <a:fontRef idx="minor">
+            <a:schemeClr val="tx1"/>
+          </a:fontRef>
+        </p:style>
+      </p:cxnSp>
+      <p:cxnSp>
+        <p:nvCxnSpPr>
+          <p:cNvPr id="17" name="Straight Connector 34">
+            <a:extLst>
+              <a:ext uri="{FF2B5EF4-FFF2-40B4-BE49-F238E27FC236}">
+                <a16:creationId xmlns:a16="http://schemas.microsoft.com/office/drawing/2014/main" id="{7894F395-5B66-4C5F-9E63-C7DFBDBAB50E}"/>
+              </a:ext>
+            </a:extLst>
+          </p:cNvPr>
+          <p:cNvCxnSpPr/>
+          <p:nvPr/>
+        </p:nvCxnSpPr>
+        <p:spPr>
+          <a:xfrm flipH="1" flipV="1">
+            <a:off x="2745150" y="3401789"/>
+            <a:ext cx="84039" cy="1"/>
+          </a:xfrm>
+          <a:prstGeom prst="line">
+            <a:avLst/>
+          </a:prstGeom>
+          <a:ln w="12700">
+            <a:solidFill>
+              <a:schemeClr val="tx1"/>
+            </a:solidFill>
+          </a:ln>
+        </p:spPr>
+        <p:style>
+          <a:lnRef idx="1">
+            <a:schemeClr val="accent1"/>
+          </a:lnRef>
+          <a:fillRef idx="0">
+            <a:schemeClr val="accent1"/>
+          </a:fillRef>
+          <a:effectRef idx="0">
+            <a:schemeClr val="accent1"/>
+          </a:effectRef>
+          <a:fontRef idx="minor">
+            <a:schemeClr val="tx1"/>
+          </a:fontRef>
+        </p:style>
+      </p:cxnSp>
+      <p:cxnSp>
+        <p:nvCxnSpPr>
+          <p:cNvPr id="18" name="Straight Connector 35">
+            <a:extLst>
+              <a:ext uri="{FF2B5EF4-FFF2-40B4-BE49-F238E27FC236}">
+                <a16:creationId xmlns:a16="http://schemas.microsoft.com/office/drawing/2014/main" id="{028AD594-EEC1-4D02-8943-A6D25963837D}"/>
+              </a:ext>
+            </a:extLst>
+          </p:cNvPr>
+          <p:cNvCxnSpPr/>
+          <p:nvPr/>
+        </p:nvCxnSpPr>
+        <p:spPr>
+          <a:xfrm flipH="1" flipV="1">
+            <a:off x="2739607" y="2822067"/>
+            <a:ext cx="84039" cy="1"/>
+          </a:xfrm>
+          <a:prstGeom prst="line">
+            <a:avLst/>
+          </a:prstGeom>
+          <a:ln w="12700">
+            <a:solidFill>
+              <a:schemeClr val="tx1"/>
+            </a:solidFill>
+          </a:ln>
+        </p:spPr>
+        <p:style>
+          <a:lnRef idx="1">
+            <a:schemeClr val="accent1"/>
+          </a:lnRef>
+          <a:fillRef idx="0">
+            <a:schemeClr val="accent1"/>
+          </a:fillRef>
+          <a:effectRef idx="0">
+            <a:schemeClr val="accent1"/>
+          </a:effectRef>
+          <a:fontRef idx="minor">
+            <a:schemeClr val="tx1"/>
+          </a:fontRef>
+        </p:style>
+      </p:cxnSp>
+      <p:cxnSp>
+        <p:nvCxnSpPr>
+          <p:cNvPr id="19" name="Straight Connector 36">
+            <a:extLst>
+              <a:ext uri="{FF2B5EF4-FFF2-40B4-BE49-F238E27FC236}">
+                <a16:creationId xmlns:a16="http://schemas.microsoft.com/office/drawing/2014/main" id="{51B4E18C-4581-43E8-A215-6246E1208630}"/>
+              </a:ext>
+            </a:extLst>
+          </p:cNvPr>
+          <p:cNvCxnSpPr/>
+          <p:nvPr/>
+        </p:nvCxnSpPr>
+        <p:spPr>
+          <a:xfrm flipH="1" flipV="1">
+            <a:off x="2738449" y="1553693"/>
+            <a:ext cx="84039" cy="1"/>
+          </a:xfrm>
+          <a:prstGeom prst="line">
+            <a:avLst/>
+          </a:prstGeom>
+          <a:ln w="12700">
+            <a:solidFill>
+              <a:schemeClr val="tx1"/>
+            </a:solidFill>
+          </a:ln>
+        </p:spPr>
+        <p:style>
+          <a:lnRef idx="1">
+            <a:schemeClr val="accent1"/>
+          </a:lnRef>
+          <a:fillRef idx="0">
+            <a:schemeClr val="accent1"/>
+          </a:fillRef>
+          <a:effectRef idx="0">
+            <a:schemeClr val="accent1"/>
+          </a:effectRef>
+          <a:fontRef idx="minor">
+            <a:schemeClr val="tx1"/>
+          </a:fontRef>
+        </p:style>
+      </p:cxnSp>
+      <p:cxnSp>
+        <p:nvCxnSpPr>
+          <p:cNvPr id="20" name="Straight Connector 37">
+            <a:extLst>
+              <a:ext uri="{FF2B5EF4-FFF2-40B4-BE49-F238E27FC236}">
+                <a16:creationId xmlns:a16="http://schemas.microsoft.com/office/drawing/2014/main" id="{263E8E97-DECC-45BE-9D18-6B8CD2226513}"/>
+              </a:ext>
+            </a:extLst>
+          </p:cNvPr>
+          <p:cNvCxnSpPr/>
+          <p:nvPr/>
+        </p:nvCxnSpPr>
+        <p:spPr>
+          <a:xfrm flipH="1" flipV="1">
+            <a:off x="2738450" y="2160838"/>
+            <a:ext cx="84039" cy="1"/>
+          </a:xfrm>
+          <a:prstGeom prst="line">
+            <a:avLst/>
+          </a:prstGeom>
+          <a:ln w="12700">
+            <a:solidFill>
+              <a:schemeClr val="tx1"/>
+            </a:solidFill>
+          </a:ln>
+        </p:spPr>
+        <p:style>
+          <a:lnRef idx="1">
+            <a:schemeClr val="accent1"/>
+          </a:lnRef>
+          <a:fillRef idx="0">
+            <a:schemeClr val="accent1"/>
+          </a:fillRef>
+          <a:effectRef idx="0">
+            <a:schemeClr val="accent1"/>
+          </a:effectRef>
+          <a:fontRef idx="minor">
+            <a:schemeClr val="tx1"/>
+          </a:fontRef>
+        </p:style>
+      </p:cxnSp>
+      <p:cxnSp>
+        <p:nvCxnSpPr>
+          <p:cNvPr id="21" name="Straight Connector 38">
+            <a:extLst>
+              <a:ext uri="{FF2B5EF4-FFF2-40B4-BE49-F238E27FC236}">
+                <a16:creationId xmlns:a16="http://schemas.microsoft.com/office/drawing/2014/main" id="{5D829065-EFC4-4DB7-93F2-DFA25FA48942}"/>
+              </a:ext>
+            </a:extLst>
+          </p:cNvPr>
+          <p:cNvCxnSpPr/>
+          <p:nvPr/>
+        </p:nvCxnSpPr>
+        <p:spPr>
+          <a:xfrm flipH="1" flipV="1">
+            <a:off x="2737994" y="943235"/>
+            <a:ext cx="84039" cy="1"/>
+          </a:xfrm>
+          <a:prstGeom prst="line">
+            <a:avLst/>
+          </a:prstGeom>
+          <a:ln w="12700">
+            <a:solidFill>
+              <a:schemeClr val="tx1"/>
+            </a:solidFill>
+          </a:ln>
+        </p:spPr>
+        <p:style>
+          <a:lnRef idx="1">
+            <a:schemeClr val="accent1"/>
+          </a:lnRef>
+          <a:fillRef idx="0">
+            <a:schemeClr val="accent1"/>
+          </a:fillRef>
+          <a:effectRef idx="0">
+            <a:schemeClr val="accent1"/>
+          </a:effectRef>
+          <a:fontRef idx="minor">
+            <a:schemeClr val="tx1"/>
+          </a:fontRef>
+        </p:style>
+      </p:cxnSp>
+      <mc:AlternateContent xmlns:mc="http://schemas.openxmlformats.org/markup-compatibility/2006">
+        <mc:Choice xmlns:a14="http://schemas.microsoft.com/office/drawing/2010/main" Requires="a14">
+          <p:sp>
+            <p:nvSpPr>
+              <p:cNvPr id="22" name="TextBox 40">
+                <a:extLst>
+                  <a:ext uri="{FF2B5EF4-FFF2-40B4-BE49-F238E27FC236}">
+                    <a16:creationId xmlns:a16="http://schemas.microsoft.com/office/drawing/2014/main" id="{47C49365-29FA-4192-92B8-EC51BB7A0B4E}"/>
+                  </a:ext>
+                </a:extLst>
+              </p:cNvPr>
+              <p:cNvSpPr txBox="1"/>
+              <p:nvPr/>
+            </p:nvSpPr>
+            <p:spPr>
+              <a:xfrm>
+                <a:off x="7563056" y="5308055"/>
+                <a:ext cx="440574" cy="369332"/>
+              </a:xfrm>
+              <a:prstGeom prst="rect">
+                <a:avLst/>
+              </a:prstGeom>
+              <a:noFill/>
+            </p:spPr>
+            <p:txBody>
+              <a:bodyPr wrap="square" rtlCol="0">
+                <a:spAutoFit/>
+              </a:bodyPr>
+              <a:lstStyle/>
+              <a:p>
+                <a:pPr/>
+                <a14:m>
+                  <m:oMathPara xmlns:m="http://schemas.openxmlformats.org/officeDocument/2006/math">
+                    <m:oMathParaPr>
+                      <m:jc m:val="centerGroup"/>
+                    </m:oMathParaPr>
+                    <m:oMath xmlns:m="http://schemas.openxmlformats.org/officeDocument/2006/math">
+                      <m:sSub>
+                        <m:sSubPr>
+                          <m:ctrlPr>
+                            <a:rPr lang="en-AU" altLang="zh-CN" i="1" smtClean="0">
+                              <a:latin typeface="Cambria Math" panose="02040503050406030204" pitchFamily="18" charset="0"/>
+                            </a:rPr>
+                          </m:ctrlPr>
+                        </m:sSubPr>
+                        <m:e>
+                          <m:r>
+                            <a:rPr lang="en-US" altLang="zh-CN" b="0" i="1" smtClean="0">
+                              <a:latin typeface="Cambria Math" panose="02040503050406030204" pitchFamily="18" charset="0"/>
+                            </a:rPr>
+                            <m:t>𝑥</m:t>
+                          </m:r>
+                        </m:e>
+                        <m:sub>
+                          <m:r>
+                            <a:rPr lang="en-US" altLang="zh-CN" b="0" i="1" smtClean="0">
+                              <a:latin typeface="Cambria Math" panose="02040503050406030204" pitchFamily="18" charset="0"/>
+                            </a:rPr>
+                            <m:t>𝑟𝑒𝑚𝑎𝑖𝑛</m:t>
+                          </m:r>
+                        </m:sub>
+                      </m:sSub>
+                    </m:oMath>
+                  </m:oMathPara>
+                </a14:m>
+                <a:endParaRPr lang="en-AU" dirty="0"/>
+              </a:p>
+            </p:txBody>
+          </p:sp>
+        </mc:Choice>
+        <mc:Fallback>
+          <p:sp>
+            <p:nvSpPr>
+              <p:cNvPr id="22" name="TextBox 40">
+                <a:extLst>
+                  <a:ext uri="{FF2B5EF4-FFF2-40B4-BE49-F238E27FC236}">
+                    <a16:creationId xmlns:a16="http://schemas.microsoft.com/office/drawing/2014/main" id="{47C49365-29FA-4192-92B8-EC51BB7A0B4E}"/>
+                  </a:ext>
+                </a:extLst>
+              </p:cNvPr>
+              <p:cNvSpPr txBox="1">
+                <a:spLocks noRot="1" noChangeAspect="1" noMove="1" noResize="1" noEditPoints="1" noAdjustHandles="1" noChangeArrowheads="1" noChangeShapeType="1" noTextEdit="1"/>
+              </p:cNvSpPr>
+              <p:nvPr/>
+            </p:nvSpPr>
+            <p:spPr>
+              <a:xfrm>
+                <a:off x="7563056" y="5308055"/>
+                <a:ext cx="440574" cy="369332"/>
+              </a:xfrm>
+              <a:prstGeom prst="rect">
+                <a:avLst/>
+              </a:prstGeom>
+              <a:blipFill>
+                <a:blip r:embed="rId5"/>
+                <a:stretch>
+                  <a:fillRect r="-101389" b="-1667"/>
+                </a:stretch>
+              </a:blipFill>
+            </p:spPr>
+            <p:txBody>
+              <a:bodyPr/>
+              <a:lstStyle/>
+              <a:p>
+                <a:r>
+                  <a:rPr lang="zh-CN" altLang="en-US">
+                    <a:noFill/>
+                  </a:rPr>
+                  <a:t> </a:t>
+                </a:r>
+              </a:p>
+            </p:txBody>
+          </p:sp>
+        </mc:Fallback>
+      </mc:AlternateContent>
+      <p:cxnSp>
+        <p:nvCxnSpPr>
+          <p:cNvPr id="23" name="Straight Connector 41">
+            <a:extLst>
+              <a:ext uri="{FF2B5EF4-FFF2-40B4-BE49-F238E27FC236}">
+                <a16:creationId xmlns:a16="http://schemas.microsoft.com/office/drawing/2014/main" id="{998565D2-6F6E-4FCC-9495-DE1C89FC4232}"/>
+              </a:ext>
+            </a:extLst>
+          </p:cNvPr>
+          <p:cNvCxnSpPr/>
+          <p:nvPr/>
+        </p:nvCxnSpPr>
+        <p:spPr>
+          <a:xfrm flipH="1">
+            <a:off x="9285644" y="5271493"/>
+            <a:ext cx="1" cy="120533"/>
+          </a:xfrm>
+          <a:prstGeom prst="line">
+            <a:avLst/>
+          </a:prstGeom>
+          <a:ln w="12700">
+            <a:solidFill>
+              <a:schemeClr val="tx1"/>
+            </a:solidFill>
+          </a:ln>
+        </p:spPr>
+        <p:style>
+          <a:lnRef idx="1">
+            <a:schemeClr val="accent1"/>
+          </a:lnRef>
+          <a:fillRef idx="0">
+            <a:schemeClr val="accent1"/>
+          </a:fillRef>
+          <a:effectRef idx="0">
+            <a:schemeClr val="accent1"/>
+          </a:effectRef>
+          <a:fontRef idx="minor">
+            <a:schemeClr val="tx1"/>
+          </a:fontRef>
+        </p:style>
+      </p:cxnSp>
+      <p:cxnSp>
+        <p:nvCxnSpPr>
+          <p:cNvPr id="24" name="Straight Connector 48">
+            <a:extLst>
+              <a:ext uri="{FF2B5EF4-FFF2-40B4-BE49-F238E27FC236}">
+                <a16:creationId xmlns:a16="http://schemas.microsoft.com/office/drawing/2014/main" id="{7A7EB5B5-A628-4F5C-8E09-79DB2176878D}"/>
+              </a:ext>
+            </a:extLst>
+          </p:cNvPr>
+          <p:cNvCxnSpPr/>
+          <p:nvPr/>
+        </p:nvCxnSpPr>
+        <p:spPr>
+          <a:xfrm flipH="1" flipV="1">
+            <a:off x="3497672" y="3426579"/>
+            <a:ext cx="4158" cy="1216162"/>
+          </a:xfrm>
+          <a:prstGeom prst="line">
+            <a:avLst/>
+          </a:prstGeom>
+          <a:ln w="19050">
+            <a:solidFill>
+              <a:srgbClr val="0070C0"/>
+            </a:solidFill>
+          </a:ln>
+        </p:spPr>
+        <p:style>
+          <a:lnRef idx="1">
+            <a:schemeClr val="accent1"/>
+          </a:lnRef>
+          <a:fillRef idx="0">
+            <a:schemeClr val="accent1"/>
+          </a:fillRef>
+          <a:effectRef idx="0">
+            <a:schemeClr val="accent1"/>
+          </a:effectRef>
+          <a:fontRef idx="minor">
+            <a:schemeClr val="tx1"/>
+          </a:fontRef>
+        </p:style>
+      </p:cxnSp>
+      <p:cxnSp>
+        <p:nvCxnSpPr>
+          <p:cNvPr id="25" name="Straight Connector 50">
+            <a:extLst>
+              <a:ext uri="{FF2B5EF4-FFF2-40B4-BE49-F238E27FC236}">
+                <a16:creationId xmlns:a16="http://schemas.microsoft.com/office/drawing/2014/main" id="{0D08EE65-A1C4-4525-8C49-5CD15A4ACAF8}"/>
+              </a:ext>
+            </a:extLst>
+          </p:cNvPr>
+          <p:cNvCxnSpPr/>
+          <p:nvPr/>
+        </p:nvCxnSpPr>
+        <p:spPr>
+          <a:xfrm>
+            <a:off x="3427014" y="3419454"/>
+            <a:ext cx="141316" cy="0"/>
+          </a:xfrm>
+          <a:prstGeom prst="line">
+            <a:avLst/>
+          </a:prstGeom>
+          <a:ln w="19050">
+            <a:solidFill>
+              <a:srgbClr val="0070C0"/>
+            </a:solidFill>
+          </a:ln>
+        </p:spPr>
+        <p:style>
+          <a:lnRef idx="1">
+            <a:schemeClr val="accent1"/>
+          </a:lnRef>
+          <a:fillRef idx="0">
+            <a:schemeClr val="accent1"/>
+          </a:fillRef>
+          <a:effectRef idx="0">
+            <a:schemeClr val="accent1"/>
+          </a:effectRef>
+          <a:fontRef idx="minor">
+            <a:schemeClr val="tx1"/>
+          </a:fontRef>
+        </p:style>
+      </p:cxnSp>
+      <p:cxnSp>
+        <p:nvCxnSpPr>
+          <p:cNvPr id="26" name="Straight Connector 51">
+            <a:extLst>
+              <a:ext uri="{FF2B5EF4-FFF2-40B4-BE49-F238E27FC236}">
+                <a16:creationId xmlns:a16="http://schemas.microsoft.com/office/drawing/2014/main" id="{A5D70F04-43F5-46B3-A684-C8D09E5B4BCB}"/>
+              </a:ext>
+            </a:extLst>
+          </p:cNvPr>
+          <p:cNvCxnSpPr/>
+          <p:nvPr/>
+        </p:nvCxnSpPr>
+        <p:spPr>
+          <a:xfrm>
+            <a:off x="3427014" y="4640386"/>
+            <a:ext cx="141316" cy="0"/>
+          </a:xfrm>
+          <a:prstGeom prst="line">
+            <a:avLst/>
+          </a:prstGeom>
+          <a:ln w="19050">
+            <a:solidFill>
+              <a:srgbClr val="0070C0"/>
+            </a:solidFill>
+          </a:ln>
+        </p:spPr>
+        <p:style>
+          <a:lnRef idx="1">
+            <a:schemeClr val="accent1"/>
+          </a:lnRef>
+          <a:fillRef idx="0">
+            <a:schemeClr val="accent1"/>
+          </a:fillRef>
+          <a:effectRef idx="0">
+            <a:schemeClr val="accent1"/>
+          </a:effectRef>
+          <a:fontRef idx="minor">
+            <a:schemeClr val="tx1"/>
+          </a:fontRef>
+        </p:style>
+      </p:cxnSp>
+      <p:cxnSp>
+        <p:nvCxnSpPr>
+          <p:cNvPr id="27" name="Straight Connector 52">
+            <a:extLst>
+              <a:ext uri="{FF2B5EF4-FFF2-40B4-BE49-F238E27FC236}">
+                <a16:creationId xmlns:a16="http://schemas.microsoft.com/office/drawing/2014/main" id="{25EA5CF3-BDF5-4EA0-93A3-B3E3F3989F2C}"/>
+              </a:ext>
+            </a:extLst>
+          </p:cNvPr>
+          <p:cNvCxnSpPr/>
+          <p:nvPr/>
+        </p:nvCxnSpPr>
+        <p:spPr>
+          <a:xfrm flipH="1" flipV="1">
+            <a:off x="3911923" y="4024269"/>
+            <a:ext cx="2772" cy="614466"/>
+          </a:xfrm>
+          <a:prstGeom prst="line">
+            <a:avLst/>
+          </a:prstGeom>
+          <a:ln w="19050">
+            <a:solidFill>
+              <a:srgbClr val="00B050"/>
+            </a:solidFill>
+            <a:prstDash val="lgDash"/>
+          </a:ln>
+        </p:spPr>
+        <p:style>
+          <a:lnRef idx="1">
+            <a:schemeClr val="accent1"/>
+          </a:lnRef>
+          <a:fillRef idx="0">
+            <a:schemeClr val="accent1"/>
+          </a:fillRef>
+          <a:effectRef idx="0">
+            <a:schemeClr val="accent1"/>
+          </a:effectRef>
+          <a:fontRef idx="minor">
+            <a:schemeClr val="tx1"/>
+          </a:fontRef>
+        </p:style>
+      </p:cxnSp>
+      <p:cxnSp>
+        <p:nvCxnSpPr>
+          <p:cNvPr id="28" name="Straight Connector 53">
+            <a:extLst>
+              <a:ext uri="{FF2B5EF4-FFF2-40B4-BE49-F238E27FC236}">
+                <a16:creationId xmlns:a16="http://schemas.microsoft.com/office/drawing/2014/main" id="{7CAA91E7-A4E1-4E9D-ABF0-C64CD076CD0B}"/>
+              </a:ext>
+            </a:extLst>
+          </p:cNvPr>
+          <p:cNvCxnSpPr/>
+          <p:nvPr/>
+        </p:nvCxnSpPr>
+        <p:spPr>
+          <a:xfrm>
+            <a:off x="3839880" y="4024269"/>
+            <a:ext cx="141316" cy="0"/>
+          </a:xfrm>
+          <a:prstGeom prst="line">
+            <a:avLst/>
+          </a:prstGeom>
+          <a:ln w="19050">
+            <a:solidFill>
+              <a:srgbClr val="00B050"/>
+            </a:solidFill>
+            <a:prstDash val="lgDash"/>
+          </a:ln>
+        </p:spPr>
+        <p:style>
+          <a:lnRef idx="1">
+            <a:schemeClr val="accent1"/>
+          </a:lnRef>
+          <a:fillRef idx="0">
+            <a:schemeClr val="accent1"/>
+          </a:fillRef>
+          <a:effectRef idx="0">
+            <a:schemeClr val="accent1"/>
+          </a:effectRef>
+          <a:fontRef idx="minor">
+            <a:schemeClr val="tx1"/>
+          </a:fontRef>
+        </p:style>
+      </p:cxnSp>
+      <p:cxnSp>
+        <p:nvCxnSpPr>
+          <p:cNvPr id="29" name="Straight Connector 54">
+            <a:extLst>
+              <a:ext uri="{FF2B5EF4-FFF2-40B4-BE49-F238E27FC236}">
+                <a16:creationId xmlns:a16="http://schemas.microsoft.com/office/drawing/2014/main" id="{F3FF5B77-607F-4DF4-A533-1C81477BCA00}"/>
+              </a:ext>
+            </a:extLst>
+          </p:cNvPr>
+          <p:cNvCxnSpPr/>
+          <p:nvPr/>
+        </p:nvCxnSpPr>
+        <p:spPr>
+          <a:xfrm>
+            <a:off x="3847499" y="4636380"/>
+            <a:ext cx="141316" cy="0"/>
+          </a:xfrm>
+          <a:prstGeom prst="line">
+            <a:avLst/>
+          </a:prstGeom>
+          <a:ln w="19050">
+            <a:solidFill>
+              <a:srgbClr val="00B050"/>
+            </a:solidFill>
+            <a:prstDash val="lgDash"/>
+          </a:ln>
+        </p:spPr>
+        <p:style>
+          <a:lnRef idx="1">
+            <a:schemeClr val="accent1"/>
+          </a:lnRef>
+          <a:fillRef idx="0">
+            <a:schemeClr val="accent1"/>
+          </a:fillRef>
+          <a:effectRef idx="0">
+            <a:schemeClr val="accent1"/>
+          </a:effectRef>
+          <a:fontRef idx="minor">
+            <a:schemeClr val="tx1"/>
+          </a:fontRef>
+        </p:style>
+      </p:cxnSp>
+      <p:cxnSp>
+        <p:nvCxnSpPr>
+          <p:cNvPr id="30" name="Straight Connector 58">
+            <a:extLst>
+              <a:ext uri="{FF2B5EF4-FFF2-40B4-BE49-F238E27FC236}">
+                <a16:creationId xmlns:a16="http://schemas.microsoft.com/office/drawing/2014/main" id="{57C14340-FB75-443D-8647-F18AF2B6E762}"/>
+              </a:ext>
+            </a:extLst>
+          </p:cNvPr>
+          <p:cNvCxnSpPr/>
+          <p:nvPr/>
+        </p:nvCxnSpPr>
+        <p:spPr>
+          <a:xfrm flipH="1" flipV="1">
+            <a:off x="4884459" y="1562263"/>
+            <a:ext cx="13854" cy="1112643"/>
+          </a:xfrm>
+          <a:prstGeom prst="line">
+            <a:avLst/>
+          </a:prstGeom>
+          <a:ln w="19050">
+            <a:solidFill>
+              <a:schemeClr val="tx1"/>
+            </a:solidFill>
+          </a:ln>
+        </p:spPr>
+        <p:style>
+          <a:lnRef idx="1">
+            <a:schemeClr val="accent1"/>
+          </a:lnRef>
+          <a:fillRef idx="0">
+            <a:schemeClr val="accent1"/>
+          </a:fillRef>
+          <a:effectRef idx="0">
+            <a:schemeClr val="accent1"/>
+          </a:effectRef>
+          <a:fontRef idx="minor">
+            <a:schemeClr val="tx1"/>
+          </a:fontRef>
+        </p:style>
+      </p:cxnSp>
+      <p:cxnSp>
+        <p:nvCxnSpPr>
+          <p:cNvPr id="32" name="Straight Connector 59">
+            <a:extLst>
+              <a:ext uri="{FF2B5EF4-FFF2-40B4-BE49-F238E27FC236}">
+                <a16:creationId xmlns:a16="http://schemas.microsoft.com/office/drawing/2014/main" id="{3149B56B-4051-4276-9B12-285857AA3283}"/>
+              </a:ext>
+            </a:extLst>
+          </p:cNvPr>
+          <p:cNvCxnSpPr/>
+          <p:nvPr/>
+        </p:nvCxnSpPr>
+        <p:spPr>
+          <a:xfrm>
+            <a:off x="4813800" y="1565564"/>
+            <a:ext cx="141316" cy="0"/>
+          </a:xfrm>
+          <a:prstGeom prst="line">
+            <a:avLst/>
+          </a:prstGeom>
+          <a:ln w="19050">
+            <a:solidFill>
+              <a:schemeClr val="tx1"/>
+            </a:solidFill>
+          </a:ln>
+        </p:spPr>
+        <p:style>
+          <a:lnRef idx="1">
+            <a:schemeClr val="accent1"/>
+          </a:lnRef>
+          <a:fillRef idx="0">
+            <a:schemeClr val="accent1"/>
+          </a:fillRef>
+          <a:effectRef idx="0">
+            <a:schemeClr val="accent1"/>
+          </a:effectRef>
+          <a:fontRef idx="minor">
+            <a:schemeClr val="tx1"/>
+          </a:fontRef>
+        </p:style>
+      </p:cxnSp>
+      <p:cxnSp>
+        <p:nvCxnSpPr>
+          <p:cNvPr id="33" name="Straight Connector 60">
+            <a:extLst>
+              <a:ext uri="{FF2B5EF4-FFF2-40B4-BE49-F238E27FC236}">
+                <a16:creationId xmlns:a16="http://schemas.microsoft.com/office/drawing/2014/main" id="{E1EF62A2-11B2-4A97-B17F-4E9A0FEBAD4D}"/>
+              </a:ext>
+            </a:extLst>
+          </p:cNvPr>
+          <p:cNvCxnSpPr/>
+          <p:nvPr/>
+        </p:nvCxnSpPr>
+        <p:spPr>
+          <a:xfrm>
+            <a:off x="4825576" y="2680459"/>
+            <a:ext cx="141316" cy="0"/>
+          </a:xfrm>
+          <a:prstGeom prst="line">
+            <a:avLst/>
+          </a:prstGeom>
+          <a:ln w="19050">
+            <a:solidFill>
+              <a:schemeClr val="tx1"/>
+            </a:solidFill>
+          </a:ln>
+        </p:spPr>
+        <p:style>
+          <a:lnRef idx="1">
+            <a:schemeClr val="accent1"/>
+          </a:lnRef>
+          <a:fillRef idx="0">
+            <a:schemeClr val="accent1"/>
+          </a:fillRef>
+          <a:effectRef idx="0">
+            <a:schemeClr val="accent1"/>
+          </a:effectRef>
+          <a:fontRef idx="minor">
+            <a:schemeClr val="tx1"/>
+          </a:fontRef>
+        </p:style>
+      </p:cxnSp>
+      <p:cxnSp>
+        <p:nvCxnSpPr>
+          <p:cNvPr id="34" name="Straight Connector 61">
+            <a:extLst>
+              <a:ext uri="{FF2B5EF4-FFF2-40B4-BE49-F238E27FC236}">
+                <a16:creationId xmlns:a16="http://schemas.microsoft.com/office/drawing/2014/main" id="{C2ED69C8-BBF1-4D6E-A234-9A199F30F473}"/>
+              </a:ext>
+            </a:extLst>
+          </p:cNvPr>
+          <p:cNvCxnSpPr/>
+          <p:nvPr/>
+        </p:nvCxnSpPr>
+        <p:spPr>
+          <a:xfrm flipH="1" flipV="1">
+            <a:off x="5316716" y="1565284"/>
+            <a:ext cx="8317" cy="614466"/>
+          </a:xfrm>
+          <a:prstGeom prst="line">
+            <a:avLst/>
+          </a:prstGeom>
+          <a:ln w="19050">
+            <a:solidFill>
+              <a:schemeClr val="tx1"/>
+            </a:solidFill>
+            <a:prstDash val="lgDash"/>
+          </a:ln>
+        </p:spPr>
+        <p:style>
+          <a:lnRef idx="1">
+            <a:schemeClr val="accent1"/>
+          </a:lnRef>
+          <a:fillRef idx="0">
+            <a:schemeClr val="accent1"/>
+          </a:fillRef>
+          <a:effectRef idx="0">
+            <a:schemeClr val="accent1"/>
+          </a:effectRef>
+          <a:fontRef idx="minor">
+            <a:schemeClr val="tx1"/>
+          </a:fontRef>
+        </p:style>
+      </p:cxnSp>
+      <p:cxnSp>
+        <p:nvCxnSpPr>
+          <p:cNvPr id="35" name="Straight Connector 62">
+            <a:extLst>
+              <a:ext uri="{FF2B5EF4-FFF2-40B4-BE49-F238E27FC236}">
+                <a16:creationId xmlns:a16="http://schemas.microsoft.com/office/drawing/2014/main" id="{68E3883E-395B-4110-9354-5F0DA832A3A3}"/>
+              </a:ext>
+            </a:extLst>
+          </p:cNvPr>
+          <p:cNvCxnSpPr/>
+          <p:nvPr/>
+        </p:nvCxnSpPr>
+        <p:spPr>
+          <a:xfrm>
+            <a:off x="5257836" y="1565284"/>
+            <a:ext cx="141316" cy="0"/>
+          </a:xfrm>
+          <a:prstGeom prst="line">
+            <a:avLst/>
+          </a:prstGeom>
+          <a:ln w="19050">
+            <a:solidFill>
+              <a:schemeClr val="tx1"/>
+            </a:solidFill>
+            <a:prstDash val="lgDash"/>
+          </a:ln>
+        </p:spPr>
+        <p:style>
+          <a:lnRef idx="1">
+            <a:schemeClr val="accent1"/>
+          </a:lnRef>
+          <a:fillRef idx="0">
+            <a:schemeClr val="accent1"/>
+          </a:fillRef>
+          <a:effectRef idx="0">
+            <a:schemeClr val="accent1"/>
+          </a:effectRef>
+          <a:fontRef idx="minor">
+            <a:schemeClr val="tx1"/>
+          </a:fontRef>
+        </p:style>
+      </p:cxnSp>
+      <p:cxnSp>
+        <p:nvCxnSpPr>
+          <p:cNvPr id="36" name="Straight Connector 63">
+            <a:extLst>
+              <a:ext uri="{FF2B5EF4-FFF2-40B4-BE49-F238E27FC236}">
+                <a16:creationId xmlns:a16="http://schemas.microsoft.com/office/drawing/2014/main" id="{71FADBF3-7AFB-48A7-AC87-5E57E08ABDC4}"/>
+              </a:ext>
+            </a:extLst>
+          </p:cNvPr>
+          <p:cNvCxnSpPr/>
+          <p:nvPr/>
+        </p:nvCxnSpPr>
+        <p:spPr>
+          <a:xfrm>
+            <a:off x="5257836" y="2177395"/>
+            <a:ext cx="141316" cy="0"/>
+          </a:xfrm>
+          <a:prstGeom prst="line">
+            <a:avLst/>
+          </a:prstGeom>
+          <a:ln w="19050">
+            <a:solidFill>
+              <a:schemeClr val="tx1"/>
+            </a:solidFill>
+            <a:prstDash val="lgDash"/>
+          </a:ln>
+        </p:spPr>
+        <p:style>
+          <a:lnRef idx="1">
+            <a:schemeClr val="accent1"/>
+          </a:lnRef>
+          <a:fillRef idx="0">
+            <a:schemeClr val="accent1"/>
+          </a:fillRef>
+          <a:effectRef idx="0">
+            <a:schemeClr val="accent1"/>
+          </a:effectRef>
+          <a:fontRef idx="minor">
+            <a:schemeClr val="tx1"/>
+          </a:fontRef>
+        </p:style>
+      </p:cxnSp>
+      <p:cxnSp>
+        <p:nvCxnSpPr>
+          <p:cNvPr id="37" name="Straight Connector 74">
+            <a:extLst>
+              <a:ext uri="{FF2B5EF4-FFF2-40B4-BE49-F238E27FC236}">
+                <a16:creationId xmlns:a16="http://schemas.microsoft.com/office/drawing/2014/main" id="{125C517E-330B-4333-8F6C-703BA346CFC4}"/>
+              </a:ext>
+            </a:extLst>
+          </p:cNvPr>
+          <p:cNvCxnSpPr/>
+          <p:nvPr/>
+        </p:nvCxnSpPr>
+        <p:spPr>
+          <a:xfrm flipH="1" flipV="1">
+            <a:off x="6272632" y="2828889"/>
+            <a:ext cx="1386" cy="1195381"/>
+          </a:xfrm>
+          <a:prstGeom prst="line">
+            <a:avLst/>
+          </a:prstGeom>
+          <a:ln w="19050">
+            <a:solidFill>
+              <a:srgbClr val="0070C0"/>
+            </a:solidFill>
+          </a:ln>
+        </p:spPr>
+        <p:style>
+          <a:lnRef idx="1">
+            <a:schemeClr val="accent1"/>
+          </a:lnRef>
+          <a:fillRef idx="0">
+            <a:schemeClr val="accent1"/>
+          </a:fillRef>
+          <a:effectRef idx="0">
+            <a:schemeClr val="accent1"/>
+          </a:effectRef>
+          <a:fontRef idx="minor">
+            <a:schemeClr val="tx1"/>
+          </a:fontRef>
+        </p:style>
+      </p:cxnSp>
+      <p:cxnSp>
+        <p:nvCxnSpPr>
+          <p:cNvPr id="38" name="Straight Connector 75">
+            <a:extLst>
+              <a:ext uri="{FF2B5EF4-FFF2-40B4-BE49-F238E27FC236}">
+                <a16:creationId xmlns:a16="http://schemas.microsoft.com/office/drawing/2014/main" id="{552730EB-1E38-480A-B227-435422152932}"/>
+              </a:ext>
+            </a:extLst>
+          </p:cNvPr>
+          <p:cNvCxnSpPr/>
+          <p:nvPr/>
+        </p:nvCxnSpPr>
+        <p:spPr>
+          <a:xfrm>
+            <a:off x="6197125" y="2826043"/>
+            <a:ext cx="141316" cy="0"/>
+          </a:xfrm>
+          <a:prstGeom prst="line">
+            <a:avLst/>
+          </a:prstGeom>
+          <a:ln w="19050">
+            <a:solidFill>
+              <a:srgbClr val="0070C0"/>
+            </a:solidFill>
+          </a:ln>
+        </p:spPr>
+        <p:style>
+          <a:lnRef idx="1">
+            <a:schemeClr val="accent1"/>
+          </a:lnRef>
+          <a:fillRef idx="0">
+            <a:schemeClr val="accent1"/>
+          </a:fillRef>
+          <a:effectRef idx="0">
+            <a:schemeClr val="accent1"/>
+          </a:effectRef>
+          <a:fontRef idx="minor">
+            <a:schemeClr val="tx1"/>
+          </a:fontRef>
+        </p:style>
+      </p:cxnSp>
+      <p:cxnSp>
+        <p:nvCxnSpPr>
+          <p:cNvPr id="39" name="Straight Connector 76">
+            <a:extLst>
+              <a:ext uri="{FF2B5EF4-FFF2-40B4-BE49-F238E27FC236}">
+                <a16:creationId xmlns:a16="http://schemas.microsoft.com/office/drawing/2014/main" id="{8AA4647E-B57D-4852-8857-81109F030D22}"/>
+              </a:ext>
+            </a:extLst>
+          </p:cNvPr>
+          <p:cNvCxnSpPr/>
+          <p:nvPr/>
+        </p:nvCxnSpPr>
+        <p:spPr>
+          <a:xfrm>
+            <a:off x="6201974" y="4032381"/>
+            <a:ext cx="141316" cy="0"/>
+          </a:xfrm>
+          <a:prstGeom prst="line">
+            <a:avLst/>
+          </a:prstGeom>
+          <a:ln w="19050">
+            <a:solidFill>
+              <a:srgbClr val="0070C0"/>
+            </a:solidFill>
+          </a:ln>
+        </p:spPr>
+        <p:style>
+          <a:lnRef idx="1">
+            <a:schemeClr val="accent1"/>
+          </a:lnRef>
+          <a:fillRef idx="0">
+            <a:schemeClr val="accent1"/>
+          </a:fillRef>
+          <a:effectRef idx="0">
+            <a:schemeClr val="accent1"/>
+          </a:effectRef>
+          <a:fontRef idx="minor">
+            <a:schemeClr val="tx1"/>
+          </a:fontRef>
+        </p:style>
+      </p:cxnSp>
+      <p:cxnSp>
+        <p:nvCxnSpPr>
+          <p:cNvPr id="40" name="Straight Connector 77">
+            <a:extLst>
+              <a:ext uri="{FF2B5EF4-FFF2-40B4-BE49-F238E27FC236}">
+                <a16:creationId xmlns:a16="http://schemas.microsoft.com/office/drawing/2014/main" id="{0FAF7612-29C8-4DDD-AD4F-0A8AC77A31D1}"/>
+              </a:ext>
+            </a:extLst>
+          </p:cNvPr>
+          <p:cNvCxnSpPr/>
+          <p:nvPr/>
+        </p:nvCxnSpPr>
+        <p:spPr>
+          <a:xfrm flipH="1" flipV="1">
+            <a:off x="6679954" y="2828889"/>
+            <a:ext cx="8317" cy="614466"/>
+          </a:xfrm>
+          <a:prstGeom prst="line">
+            <a:avLst/>
+          </a:prstGeom>
+          <a:ln w="19050">
+            <a:solidFill>
+              <a:srgbClr val="0070C0"/>
+            </a:solidFill>
+            <a:prstDash val="lgDash"/>
+          </a:ln>
+        </p:spPr>
+        <p:style>
+          <a:lnRef idx="1">
+            <a:schemeClr val="accent1"/>
+          </a:lnRef>
+          <a:fillRef idx="0">
+            <a:schemeClr val="accent1"/>
+          </a:fillRef>
+          <a:effectRef idx="0">
+            <a:schemeClr val="accent1"/>
+          </a:effectRef>
+          <a:fontRef idx="minor">
+            <a:schemeClr val="tx1"/>
+          </a:fontRef>
+        </p:style>
+      </p:cxnSp>
+      <p:cxnSp>
+        <p:nvCxnSpPr>
+          <p:cNvPr id="41" name="Straight Connector 78">
+            <a:extLst>
+              <a:ext uri="{FF2B5EF4-FFF2-40B4-BE49-F238E27FC236}">
+                <a16:creationId xmlns:a16="http://schemas.microsoft.com/office/drawing/2014/main" id="{82C957D7-00EA-4938-9E63-D83975EB9BD5}"/>
+              </a:ext>
+            </a:extLst>
+          </p:cNvPr>
+          <p:cNvCxnSpPr/>
+          <p:nvPr/>
+        </p:nvCxnSpPr>
+        <p:spPr>
+          <a:xfrm>
+            <a:off x="6606930" y="2828889"/>
+            <a:ext cx="141316" cy="0"/>
+          </a:xfrm>
+          <a:prstGeom prst="line">
+            <a:avLst/>
+          </a:prstGeom>
+          <a:ln w="19050">
+            <a:solidFill>
+              <a:srgbClr val="0070C0"/>
+            </a:solidFill>
+            <a:prstDash val="lgDash"/>
+          </a:ln>
+        </p:spPr>
+        <p:style>
+          <a:lnRef idx="1">
+            <a:schemeClr val="accent1"/>
+          </a:lnRef>
+          <a:fillRef idx="0">
+            <a:schemeClr val="accent1"/>
+          </a:fillRef>
+          <a:effectRef idx="0">
+            <a:schemeClr val="accent1"/>
+          </a:effectRef>
+          <a:fontRef idx="minor">
+            <a:schemeClr val="tx1"/>
+          </a:fontRef>
+        </p:style>
+      </p:cxnSp>
+      <p:cxnSp>
+        <p:nvCxnSpPr>
+          <p:cNvPr id="42" name="Straight Connector 79">
+            <a:extLst>
+              <a:ext uri="{FF2B5EF4-FFF2-40B4-BE49-F238E27FC236}">
+                <a16:creationId xmlns:a16="http://schemas.microsoft.com/office/drawing/2014/main" id="{91B01484-815D-4979-9C6C-73E8BFD8C7A2}"/>
+              </a:ext>
+            </a:extLst>
+          </p:cNvPr>
+          <p:cNvCxnSpPr/>
+          <p:nvPr/>
+        </p:nvCxnSpPr>
+        <p:spPr>
+          <a:xfrm>
+            <a:off x="6621074" y="3441000"/>
+            <a:ext cx="141316" cy="0"/>
+          </a:xfrm>
+          <a:prstGeom prst="line">
+            <a:avLst/>
+          </a:prstGeom>
+          <a:ln w="19050">
+            <a:solidFill>
+              <a:srgbClr val="0070C0"/>
+            </a:solidFill>
+            <a:prstDash val="lgDash"/>
+          </a:ln>
+        </p:spPr>
+        <p:style>
+          <a:lnRef idx="1">
+            <a:schemeClr val="accent1"/>
+          </a:lnRef>
+          <a:fillRef idx="0">
+            <a:schemeClr val="accent1"/>
+          </a:fillRef>
+          <a:effectRef idx="0">
+            <a:schemeClr val="accent1"/>
+          </a:effectRef>
+          <a:fontRef idx="minor">
+            <a:schemeClr val="tx1"/>
+          </a:fontRef>
+        </p:style>
+      </p:cxnSp>
+      <p:sp>
+        <p:nvSpPr>
+          <p:cNvPr id="43" name="Rectangle 81">
+            <a:extLst>
+              <a:ext uri="{FF2B5EF4-FFF2-40B4-BE49-F238E27FC236}">
+                <a16:creationId xmlns:a16="http://schemas.microsoft.com/office/drawing/2014/main" id="{66B8BFFF-D458-446F-858D-5F33D25E4BF0}"/>
+              </a:ext>
+            </a:extLst>
+          </p:cNvPr>
+          <p:cNvSpPr/>
+          <p:nvPr/>
+        </p:nvSpPr>
+        <p:spPr>
+          <a:xfrm>
+            <a:off x="7185491" y="1160247"/>
+            <a:ext cx="1886990" cy="632036"/>
+          </a:xfrm>
+          <a:prstGeom prst="rect">
+            <a:avLst/>
+          </a:prstGeom>
+          <a:noFill/>
+          <a:ln w="9525">
+            <a:solidFill>
+              <a:schemeClr val="bg1">
+                <a:lumMod val="75000"/>
+              </a:schemeClr>
+            </a:solidFill>
+          </a:ln>
+        </p:spPr>
+        <p:style>
+          <a:lnRef idx="2">
+            <a:schemeClr val="accent1">
+              <a:shade val="50000"/>
+            </a:schemeClr>
+          </a:lnRef>
+          <a:fillRef idx="1">
+            <a:schemeClr val="accent1"/>
+          </a:fillRef>
+          <a:effectRef idx="0">
+            <a:schemeClr val="accent1"/>
+          </a:effectRef>
+          <a:fontRef idx="minor">
+            <a:schemeClr val="lt1"/>
+          </a:fontRef>
+        </p:style>
+        <p:txBody>
+          <a:bodyPr rtlCol="0" anchor="ctr"/>
+          <a:lstStyle/>
+          <a:p>
+            <a:pPr algn="ctr"/>
+            <a:endParaRPr lang="en-AU"/>
+          </a:p>
+        </p:txBody>
+      </p:sp>
+      <p:cxnSp>
+        <p:nvCxnSpPr>
+          <p:cNvPr id="44" name="Straight Connector 90">
+            <a:extLst>
+              <a:ext uri="{FF2B5EF4-FFF2-40B4-BE49-F238E27FC236}">
+                <a16:creationId xmlns:a16="http://schemas.microsoft.com/office/drawing/2014/main" id="{AD98CBEE-BE7C-447B-A302-93E36E2B7A56}"/>
+              </a:ext>
+            </a:extLst>
+          </p:cNvPr>
+          <p:cNvCxnSpPr/>
+          <p:nvPr/>
+        </p:nvCxnSpPr>
+        <p:spPr>
+          <a:xfrm flipV="1">
+            <a:off x="7356565" y="1333118"/>
+            <a:ext cx="255801" cy="1659"/>
+          </a:xfrm>
+          <a:prstGeom prst="line">
+            <a:avLst/>
+          </a:prstGeom>
+          <a:ln w="12700">
+            <a:solidFill>
+              <a:schemeClr val="tx1"/>
+            </a:solidFill>
+          </a:ln>
+        </p:spPr>
+        <p:style>
+          <a:lnRef idx="1">
+            <a:schemeClr val="accent1"/>
+          </a:lnRef>
+          <a:fillRef idx="0">
+            <a:schemeClr val="accent1"/>
+          </a:fillRef>
+          <a:effectRef idx="0">
+            <a:schemeClr val="accent1"/>
+          </a:effectRef>
+          <a:fontRef idx="minor">
+            <a:schemeClr val="tx1"/>
+          </a:fontRef>
+        </p:style>
+      </p:cxnSp>
+      <p:cxnSp>
+        <p:nvCxnSpPr>
+          <p:cNvPr id="45" name="Straight Connector 92">
+            <a:extLst>
+              <a:ext uri="{FF2B5EF4-FFF2-40B4-BE49-F238E27FC236}">
+                <a16:creationId xmlns:a16="http://schemas.microsoft.com/office/drawing/2014/main" id="{7FE3072A-EDC4-45EF-87F3-E57CA117AAA4}"/>
+              </a:ext>
+            </a:extLst>
+          </p:cNvPr>
+          <p:cNvCxnSpPr/>
+          <p:nvPr/>
+        </p:nvCxnSpPr>
+        <p:spPr>
+          <a:xfrm flipH="1" flipV="1">
+            <a:off x="7354752" y="1289124"/>
+            <a:ext cx="1150" cy="87989"/>
+          </a:xfrm>
+          <a:prstGeom prst="line">
+            <a:avLst/>
+          </a:prstGeom>
+          <a:ln w="19050">
+            <a:solidFill>
+              <a:schemeClr val="tx1"/>
+            </a:solidFill>
+          </a:ln>
+        </p:spPr>
+        <p:style>
+          <a:lnRef idx="1">
+            <a:schemeClr val="accent1"/>
+          </a:lnRef>
+          <a:fillRef idx="0">
+            <a:schemeClr val="accent1"/>
+          </a:fillRef>
+          <a:effectRef idx="0">
+            <a:schemeClr val="accent1"/>
+          </a:effectRef>
+          <a:fontRef idx="minor">
+            <a:schemeClr val="tx1"/>
+          </a:fontRef>
+        </p:style>
+      </p:cxnSp>
+      <p:cxnSp>
+        <p:nvCxnSpPr>
+          <p:cNvPr id="46" name="Straight Connector 109">
+            <a:extLst>
+              <a:ext uri="{FF2B5EF4-FFF2-40B4-BE49-F238E27FC236}">
+                <a16:creationId xmlns:a16="http://schemas.microsoft.com/office/drawing/2014/main" id="{EB3E471E-2346-4D5B-8293-E043DC03A687}"/>
+              </a:ext>
+            </a:extLst>
+          </p:cNvPr>
+          <p:cNvCxnSpPr/>
+          <p:nvPr/>
+        </p:nvCxnSpPr>
+        <p:spPr>
+          <a:xfrm flipH="1" flipV="1">
+            <a:off x="7622828" y="1291498"/>
+            <a:ext cx="1150" cy="87989"/>
+          </a:xfrm>
+          <a:prstGeom prst="line">
+            <a:avLst/>
+          </a:prstGeom>
+          <a:ln w="19050">
+            <a:solidFill>
+              <a:schemeClr val="tx1"/>
+            </a:solidFill>
+          </a:ln>
+        </p:spPr>
+        <p:style>
+          <a:lnRef idx="1">
+            <a:schemeClr val="accent1"/>
+          </a:lnRef>
+          <a:fillRef idx="0">
+            <a:schemeClr val="accent1"/>
+          </a:fillRef>
+          <a:effectRef idx="0">
+            <a:schemeClr val="accent1"/>
+          </a:effectRef>
+          <a:fontRef idx="minor">
+            <a:schemeClr val="tx1"/>
+          </a:fontRef>
+        </p:style>
+      </p:cxnSp>
+      <p:sp>
+        <p:nvSpPr>
+          <p:cNvPr id="47" name="TextBox 113">
+            <a:extLst>
+              <a:ext uri="{FF2B5EF4-FFF2-40B4-BE49-F238E27FC236}">
+                <a16:creationId xmlns:a16="http://schemas.microsoft.com/office/drawing/2014/main" id="{E1A4271A-5D33-490B-A1BD-CFDE172B0132}"/>
+              </a:ext>
+            </a:extLst>
+          </p:cNvPr>
+          <p:cNvSpPr txBox="1"/>
+          <p:nvPr/>
+        </p:nvSpPr>
+        <p:spPr>
+          <a:xfrm>
+            <a:off x="7759762" y="1185536"/>
+            <a:ext cx="1399725" cy="307777"/>
+          </a:xfrm>
+          <a:prstGeom prst="rect">
+            <a:avLst/>
+          </a:prstGeom>
+          <a:noFill/>
+        </p:spPr>
+        <p:txBody>
+          <a:bodyPr wrap="square" rtlCol="0">
+            <a:spAutoFit/>
+          </a:bodyPr>
+          <a:lstStyle/>
+          <a:p>
+            <a:r>
+              <a:rPr lang="en-US" sz="1400" dirty="0"/>
+              <a:t>Sample size N1</a:t>
+            </a:r>
+            <a:endParaRPr lang="en-AU" sz="1400" dirty="0"/>
+          </a:p>
+        </p:txBody>
+      </p:sp>
+      <p:cxnSp>
+        <p:nvCxnSpPr>
+          <p:cNvPr id="48" name="Straight Connector 114">
+            <a:extLst>
+              <a:ext uri="{FF2B5EF4-FFF2-40B4-BE49-F238E27FC236}">
+                <a16:creationId xmlns:a16="http://schemas.microsoft.com/office/drawing/2014/main" id="{79434B32-0C85-47BC-8929-15DE1943A130}"/>
+              </a:ext>
+            </a:extLst>
+          </p:cNvPr>
+          <p:cNvCxnSpPr/>
+          <p:nvPr/>
+        </p:nvCxnSpPr>
+        <p:spPr>
+          <a:xfrm flipV="1">
+            <a:off x="7356565" y="1646015"/>
+            <a:ext cx="255801" cy="1659"/>
+          </a:xfrm>
+          <a:prstGeom prst="line">
+            <a:avLst/>
+          </a:prstGeom>
+          <a:ln w="12700">
+            <a:solidFill>
+              <a:schemeClr val="tx1"/>
+            </a:solidFill>
+            <a:prstDash val="lgDash"/>
+          </a:ln>
+        </p:spPr>
+        <p:style>
+          <a:lnRef idx="1">
+            <a:schemeClr val="accent1"/>
+          </a:lnRef>
+          <a:fillRef idx="0">
+            <a:schemeClr val="accent1"/>
+          </a:fillRef>
+          <a:effectRef idx="0">
+            <a:schemeClr val="accent1"/>
+          </a:effectRef>
+          <a:fontRef idx="minor">
+            <a:schemeClr val="tx1"/>
+          </a:fontRef>
+        </p:style>
+      </p:cxnSp>
+      <p:cxnSp>
+        <p:nvCxnSpPr>
+          <p:cNvPr id="49" name="Straight Connector 115">
+            <a:extLst>
+              <a:ext uri="{FF2B5EF4-FFF2-40B4-BE49-F238E27FC236}">
+                <a16:creationId xmlns:a16="http://schemas.microsoft.com/office/drawing/2014/main" id="{5B0ADC88-CEEB-4D3B-95E9-4330D956624C}"/>
+              </a:ext>
+            </a:extLst>
+          </p:cNvPr>
+          <p:cNvCxnSpPr/>
+          <p:nvPr/>
+        </p:nvCxnSpPr>
+        <p:spPr>
+          <a:xfrm flipH="1" flipV="1">
+            <a:off x="7354752" y="1594401"/>
+            <a:ext cx="1150" cy="87989"/>
+          </a:xfrm>
+          <a:prstGeom prst="line">
+            <a:avLst/>
+          </a:prstGeom>
+          <a:ln w="19050">
+            <a:solidFill>
+              <a:schemeClr val="tx1"/>
+            </a:solidFill>
+          </a:ln>
+        </p:spPr>
+        <p:style>
+          <a:lnRef idx="1">
+            <a:schemeClr val="accent1"/>
+          </a:lnRef>
+          <a:fillRef idx="0">
+            <a:schemeClr val="accent1"/>
+          </a:fillRef>
+          <a:effectRef idx="0">
+            <a:schemeClr val="accent1"/>
+          </a:effectRef>
+          <a:fontRef idx="minor">
+            <a:schemeClr val="tx1"/>
+          </a:fontRef>
+        </p:style>
+      </p:cxnSp>
+      <p:cxnSp>
+        <p:nvCxnSpPr>
+          <p:cNvPr id="50" name="Straight Connector 116">
+            <a:extLst>
+              <a:ext uri="{FF2B5EF4-FFF2-40B4-BE49-F238E27FC236}">
+                <a16:creationId xmlns:a16="http://schemas.microsoft.com/office/drawing/2014/main" id="{75044FB5-9675-47E1-B4CB-502FE5BA8DDB}"/>
+              </a:ext>
+            </a:extLst>
+          </p:cNvPr>
+          <p:cNvCxnSpPr/>
+          <p:nvPr/>
+        </p:nvCxnSpPr>
+        <p:spPr>
+          <a:xfrm flipH="1" flipV="1">
+            <a:off x="7622828" y="1596082"/>
+            <a:ext cx="1150" cy="87989"/>
+          </a:xfrm>
+          <a:prstGeom prst="line">
+            <a:avLst/>
+          </a:prstGeom>
+          <a:ln w="19050">
+            <a:solidFill>
+              <a:schemeClr val="tx1"/>
+            </a:solidFill>
+          </a:ln>
+        </p:spPr>
+        <p:style>
+          <a:lnRef idx="1">
+            <a:schemeClr val="accent1"/>
+          </a:lnRef>
+          <a:fillRef idx="0">
+            <a:schemeClr val="accent1"/>
+          </a:fillRef>
+          <a:effectRef idx="0">
+            <a:schemeClr val="accent1"/>
+          </a:effectRef>
+          <a:fontRef idx="minor">
+            <a:schemeClr val="tx1"/>
+          </a:fontRef>
+        </p:style>
+      </p:cxnSp>
+      <p:sp>
+        <p:nvSpPr>
+          <p:cNvPr id="51" name="TextBox 117">
+            <a:extLst>
+              <a:ext uri="{FF2B5EF4-FFF2-40B4-BE49-F238E27FC236}">
+                <a16:creationId xmlns:a16="http://schemas.microsoft.com/office/drawing/2014/main" id="{A8B39BAE-34FA-4E19-B672-95A11F7FB6B2}"/>
+              </a:ext>
+            </a:extLst>
+          </p:cNvPr>
+          <p:cNvSpPr txBox="1"/>
+          <p:nvPr/>
+        </p:nvSpPr>
+        <p:spPr>
+          <a:xfrm>
+            <a:off x="7761857" y="1484506"/>
+            <a:ext cx="1389595" cy="307777"/>
+          </a:xfrm>
+          <a:prstGeom prst="rect">
+            <a:avLst/>
+          </a:prstGeom>
+          <a:noFill/>
+        </p:spPr>
+        <p:txBody>
+          <a:bodyPr wrap="square" rtlCol="0">
+            <a:spAutoFit/>
+          </a:bodyPr>
+          <a:lstStyle/>
+          <a:p>
+            <a:r>
+              <a:rPr lang="en-US" sz="1400" dirty="0"/>
+              <a:t>Sample size N2</a:t>
+            </a:r>
+            <a:endParaRPr lang="en-AU" sz="1400" dirty="0"/>
+          </a:p>
+        </p:txBody>
+      </p:sp>
+      <p:sp>
+        <p:nvSpPr>
+          <p:cNvPr id="52" name="TextBox 118">
+            <a:extLst>
+              <a:ext uri="{FF2B5EF4-FFF2-40B4-BE49-F238E27FC236}">
+                <a16:creationId xmlns:a16="http://schemas.microsoft.com/office/drawing/2014/main" id="{0455044B-1098-4C6C-82AB-FA4762690EA3}"/>
+              </a:ext>
+            </a:extLst>
+          </p:cNvPr>
+          <p:cNvSpPr txBox="1"/>
+          <p:nvPr/>
+        </p:nvSpPr>
+        <p:spPr>
+          <a:xfrm>
+            <a:off x="2347963" y="4451714"/>
+            <a:ext cx="315428" cy="369332"/>
+          </a:xfrm>
+          <a:prstGeom prst="rect">
+            <a:avLst/>
+          </a:prstGeom>
+          <a:noFill/>
+        </p:spPr>
+        <p:txBody>
+          <a:bodyPr wrap="square" rtlCol="0">
+            <a:spAutoFit/>
+          </a:bodyPr>
+          <a:lstStyle/>
+          <a:p>
+            <a:r>
+              <a:rPr lang="en-US" dirty="0"/>
+              <a:t>1</a:t>
+            </a:r>
+            <a:endParaRPr lang="en-AU" dirty="0"/>
+          </a:p>
+        </p:txBody>
+      </p:sp>
+      <p:sp>
+        <p:nvSpPr>
+          <p:cNvPr id="53" name="TextBox 120">
+            <a:extLst>
+              <a:ext uri="{FF2B5EF4-FFF2-40B4-BE49-F238E27FC236}">
+                <a16:creationId xmlns:a16="http://schemas.microsoft.com/office/drawing/2014/main" id="{9A500536-0593-4567-8702-1A8FC94975CF}"/>
+              </a:ext>
+            </a:extLst>
+          </p:cNvPr>
+          <p:cNvSpPr txBox="1"/>
+          <p:nvPr/>
+        </p:nvSpPr>
+        <p:spPr>
+          <a:xfrm>
+            <a:off x="2354890" y="3843709"/>
+            <a:ext cx="315428" cy="369332"/>
+          </a:xfrm>
+          <a:prstGeom prst="rect">
+            <a:avLst/>
+          </a:prstGeom>
+          <a:noFill/>
+        </p:spPr>
+        <p:txBody>
+          <a:bodyPr wrap="square" rtlCol="0">
+            <a:spAutoFit/>
+          </a:bodyPr>
+          <a:lstStyle/>
+          <a:p>
+            <a:r>
+              <a:rPr lang="en-US" dirty="0"/>
+              <a:t>2</a:t>
+            </a:r>
+            <a:endParaRPr lang="en-AU" dirty="0"/>
+          </a:p>
+        </p:txBody>
+      </p:sp>
+      <p:sp>
+        <p:nvSpPr>
+          <p:cNvPr id="54" name="TextBox 121">
+            <a:extLst>
+              <a:ext uri="{FF2B5EF4-FFF2-40B4-BE49-F238E27FC236}">
+                <a16:creationId xmlns:a16="http://schemas.microsoft.com/office/drawing/2014/main" id="{AB60C1E5-9779-4169-AD78-A54B0C5A4DA9}"/>
+              </a:ext>
+            </a:extLst>
+          </p:cNvPr>
+          <p:cNvSpPr txBox="1"/>
+          <p:nvPr/>
+        </p:nvSpPr>
+        <p:spPr>
+          <a:xfrm>
+            <a:off x="2363222" y="3235704"/>
+            <a:ext cx="315428" cy="369332"/>
+          </a:xfrm>
+          <a:prstGeom prst="rect">
+            <a:avLst/>
+          </a:prstGeom>
+          <a:noFill/>
+        </p:spPr>
+        <p:txBody>
+          <a:bodyPr wrap="square" rtlCol="0">
+            <a:spAutoFit/>
+          </a:bodyPr>
+          <a:lstStyle/>
+          <a:p>
+            <a:r>
+              <a:rPr lang="en-US" dirty="0"/>
+              <a:t>3</a:t>
+            </a:r>
+            <a:endParaRPr lang="en-AU" dirty="0"/>
+          </a:p>
+        </p:txBody>
+      </p:sp>
+      <p:sp>
+        <p:nvSpPr>
+          <p:cNvPr id="55" name="TextBox 122">
+            <a:extLst>
+              <a:ext uri="{FF2B5EF4-FFF2-40B4-BE49-F238E27FC236}">
+                <a16:creationId xmlns:a16="http://schemas.microsoft.com/office/drawing/2014/main" id="{4C964CE2-944B-49C5-952B-E212D9DE0A1D}"/>
+              </a:ext>
+            </a:extLst>
+          </p:cNvPr>
+          <p:cNvSpPr txBox="1"/>
+          <p:nvPr/>
+        </p:nvSpPr>
+        <p:spPr>
+          <a:xfrm>
+            <a:off x="2347963" y="2620561"/>
+            <a:ext cx="315428" cy="369332"/>
+          </a:xfrm>
+          <a:prstGeom prst="rect">
+            <a:avLst/>
+          </a:prstGeom>
+          <a:noFill/>
+        </p:spPr>
+        <p:txBody>
+          <a:bodyPr wrap="square" rtlCol="0">
+            <a:spAutoFit/>
+          </a:bodyPr>
+          <a:lstStyle/>
+          <a:p>
+            <a:r>
+              <a:rPr lang="en-US" dirty="0"/>
+              <a:t>4</a:t>
+            </a:r>
+            <a:endParaRPr lang="en-AU" dirty="0"/>
+          </a:p>
+        </p:txBody>
+      </p:sp>
+      <p:sp>
+        <p:nvSpPr>
+          <p:cNvPr id="56" name="TextBox 123">
+            <a:extLst>
+              <a:ext uri="{FF2B5EF4-FFF2-40B4-BE49-F238E27FC236}">
+                <a16:creationId xmlns:a16="http://schemas.microsoft.com/office/drawing/2014/main" id="{7134A509-AF66-4AE4-A171-D29880C430FF}"/>
+              </a:ext>
+            </a:extLst>
+          </p:cNvPr>
+          <p:cNvSpPr txBox="1"/>
+          <p:nvPr/>
+        </p:nvSpPr>
+        <p:spPr>
+          <a:xfrm>
+            <a:off x="2353040" y="2001849"/>
+            <a:ext cx="315428" cy="369332"/>
+          </a:xfrm>
+          <a:prstGeom prst="rect">
+            <a:avLst/>
+          </a:prstGeom>
+          <a:noFill/>
+        </p:spPr>
+        <p:txBody>
+          <a:bodyPr wrap="square" rtlCol="0">
+            <a:spAutoFit/>
+          </a:bodyPr>
+          <a:lstStyle/>
+          <a:p>
+            <a:r>
+              <a:rPr lang="en-US" dirty="0"/>
+              <a:t>5</a:t>
+            </a:r>
+            <a:endParaRPr lang="en-AU" dirty="0"/>
+          </a:p>
+        </p:txBody>
+      </p:sp>
+      <p:sp>
+        <p:nvSpPr>
+          <p:cNvPr id="57" name="TextBox 124">
+            <a:extLst>
+              <a:ext uri="{FF2B5EF4-FFF2-40B4-BE49-F238E27FC236}">
+                <a16:creationId xmlns:a16="http://schemas.microsoft.com/office/drawing/2014/main" id="{25F67F0D-7157-44D5-9C27-987EB1ABFE4F}"/>
+              </a:ext>
+            </a:extLst>
+          </p:cNvPr>
+          <p:cNvSpPr txBox="1"/>
+          <p:nvPr/>
+        </p:nvSpPr>
+        <p:spPr>
+          <a:xfrm>
+            <a:off x="2347754" y="1369027"/>
+            <a:ext cx="315428" cy="369332"/>
+          </a:xfrm>
+          <a:prstGeom prst="rect">
+            <a:avLst/>
+          </a:prstGeom>
+          <a:noFill/>
+        </p:spPr>
+        <p:txBody>
+          <a:bodyPr wrap="square" rtlCol="0">
+            <a:spAutoFit/>
+          </a:bodyPr>
+          <a:lstStyle/>
+          <a:p>
+            <a:r>
+              <a:rPr lang="en-US" dirty="0"/>
+              <a:t>6</a:t>
+            </a:r>
+            <a:endParaRPr lang="en-AU" dirty="0"/>
+          </a:p>
+        </p:txBody>
+      </p:sp>
+      <p:sp>
+        <p:nvSpPr>
+          <p:cNvPr id="58" name="TextBox 127">
+            <a:extLst>
+              <a:ext uri="{FF2B5EF4-FFF2-40B4-BE49-F238E27FC236}">
+                <a16:creationId xmlns:a16="http://schemas.microsoft.com/office/drawing/2014/main" id="{F6E20E73-21F1-4F25-9303-33B0A52FB290}"/>
+              </a:ext>
+            </a:extLst>
+          </p:cNvPr>
+          <p:cNvSpPr txBox="1"/>
+          <p:nvPr/>
+        </p:nvSpPr>
+        <p:spPr>
+          <a:xfrm>
+            <a:off x="2353040" y="790915"/>
+            <a:ext cx="315428" cy="369332"/>
+          </a:xfrm>
+          <a:prstGeom prst="rect">
+            <a:avLst/>
+          </a:prstGeom>
+          <a:noFill/>
+        </p:spPr>
+        <p:txBody>
+          <a:bodyPr wrap="square" rtlCol="0">
+            <a:spAutoFit/>
+          </a:bodyPr>
+          <a:lstStyle/>
+          <a:p>
+            <a:r>
+              <a:rPr lang="en-US" dirty="0"/>
+              <a:t>7</a:t>
+            </a:r>
+            <a:endParaRPr lang="en-AU" dirty="0"/>
+          </a:p>
+        </p:txBody>
+      </p:sp>
+      <p:sp>
+        <p:nvSpPr>
+          <p:cNvPr id="59" name="TextBox 137">
+            <a:extLst>
+              <a:ext uri="{FF2B5EF4-FFF2-40B4-BE49-F238E27FC236}">
+                <a16:creationId xmlns:a16="http://schemas.microsoft.com/office/drawing/2014/main" id="{4519DA1A-AFCD-4103-A784-27CD033244C7}"/>
+              </a:ext>
+            </a:extLst>
+          </p:cNvPr>
+          <p:cNvSpPr txBox="1"/>
+          <p:nvPr/>
+        </p:nvSpPr>
+        <p:spPr>
+          <a:xfrm>
+            <a:off x="5316716" y="5684056"/>
+            <a:ext cx="1012766" cy="366459"/>
+          </a:xfrm>
+          <a:prstGeom prst="rect">
+            <a:avLst/>
+          </a:prstGeom>
+          <a:noFill/>
+        </p:spPr>
+        <p:txBody>
+          <a:bodyPr wrap="square" rtlCol="0">
+            <a:spAutoFit/>
+          </a:bodyPr>
+          <a:lstStyle/>
+          <a:p>
+            <a:r>
+              <a:rPr lang="en-US" dirty="0"/>
+              <a:t>Factors</a:t>
+            </a:r>
+            <a:endParaRPr lang="en-AU" dirty="0"/>
+          </a:p>
+        </p:txBody>
+      </p:sp>
+      <p:sp>
+        <p:nvSpPr>
+          <p:cNvPr id="60" name="TextBox 138">
+            <a:extLst>
+              <a:ext uri="{FF2B5EF4-FFF2-40B4-BE49-F238E27FC236}">
+                <a16:creationId xmlns:a16="http://schemas.microsoft.com/office/drawing/2014/main" id="{22B03550-4842-4CF4-89CD-8689BB6BC0D9}"/>
+              </a:ext>
+            </a:extLst>
+          </p:cNvPr>
+          <p:cNvSpPr txBox="1"/>
+          <p:nvPr/>
+        </p:nvSpPr>
+        <p:spPr>
+          <a:xfrm rot="10800000">
+            <a:off x="1888553" y="2088544"/>
+            <a:ext cx="461665" cy="1965161"/>
+          </a:xfrm>
+          <a:prstGeom prst="rect">
+            <a:avLst/>
+          </a:prstGeom>
+          <a:noFill/>
+        </p:spPr>
+        <p:txBody>
+          <a:bodyPr vert="eaVert" wrap="square" rtlCol="0">
+            <a:spAutoFit/>
+          </a:bodyPr>
+          <a:lstStyle/>
+          <a:p>
+            <a:r>
+              <a:rPr lang="en-US" dirty="0"/>
+              <a:t>Sensitivity rankings</a:t>
+            </a:r>
+            <a:endParaRPr lang="en-AU" dirty="0"/>
+          </a:p>
+        </p:txBody>
+      </p:sp>
+      <p:sp>
+        <p:nvSpPr>
+          <p:cNvPr id="61" name="TextBox 139">
+            <a:extLst>
+              <a:ext uri="{FF2B5EF4-FFF2-40B4-BE49-F238E27FC236}">
+                <a16:creationId xmlns:a16="http://schemas.microsoft.com/office/drawing/2014/main" id="{D0D2A09E-BAAF-4370-B968-5BFB99986E22}"/>
+              </a:ext>
+            </a:extLst>
+          </p:cNvPr>
+          <p:cNvSpPr txBox="1"/>
+          <p:nvPr/>
+        </p:nvSpPr>
+        <p:spPr>
+          <a:xfrm>
+            <a:off x="2347754" y="5034389"/>
+            <a:ext cx="315428" cy="369332"/>
+          </a:xfrm>
+          <a:prstGeom prst="rect">
+            <a:avLst/>
+          </a:prstGeom>
+          <a:noFill/>
+        </p:spPr>
+        <p:txBody>
+          <a:bodyPr wrap="square" rtlCol="0">
+            <a:spAutoFit/>
+          </a:bodyPr>
+          <a:lstStyle/>
+          <a:p>
+            <a:r>
+              <a:rPr lang="en-US" dirty="0"/>
+              <a:t>0</a:t>
+            </a:r>
+            <a:endParaRPr lang="en-AU" dirty="0"/>
+          </a:p>
+        </p:txBody>
+      </p:sp>
+      <p:sp>
+        <p:nvSpPr>
+          <p:cNvPr id="62" name="文本框 61">
+            <a:extLst>
+              <a:ext uri="{FF2B5EF4-FFF2-40B4-BE49-F238E27FC236}">
+                <a16:creationId xmlns:a16="http://schemas.microsoft.com/office/drawing/2014/main" id="{EFA8B138-9833-4DD2-8C62-D0938432CAFB}"/>
+              </a:ext>
+            </a:extLst>
+          </p:cNvPr>
+          <p:cNvSpPr txBox="1"/>
+          <p:nvPr/>
+        </p:nvSpPr>
+        <p:spPr>
+          <a:xfrm>
+            <a:off x="7771187" y="5149546"/>
+            <a:ext cx="388734" cy="369332"/>
+          </a:xfrm>
+          <a:prstGeom prst="rect">
+            <a:avLst/>
+          </a:prstGeom>
+          <a:noFill/>
+        </p:spPr>
+        <p:txBody>
+          <a:bodyPr wrap="square" rtlCol="0">
+            <a:spAutoFit/>
+          </a:bodyPr>
+          <a:lstStyle/>
+          <a:p>
+            <a:r>
+              <a:rPr lang="en-US" altLang="zh-CN" dirty="0"/>
+              <a:t>…</a:t>
+            </a:r>
+            <a:endParaRPr lang="zh-CN" altLang="en-US" dirty="0"/>
+          </a:p>
+        </p:txBody>
+      </p:sp>
+    </p:spTree>
+    <p:extLst>
+      <p:ext uri="{BB962C8B-B14F-4D97-AF65-F5344CB8AC3E}">
+        <p14:creationId xmlns:p14="http://schemas.microsoft.com/office/powerpoint/2010/main" val="541443384"/>
+      </p:ext>
+    </p:extLst>
+  </p:cSld>
+  <p:clrMapOvr>
+    <a:masterClrMapping/>
+  </p:clrMapOvr>
+</p:sld>
+</file>
+
+<file path=ppt/slides/slide4.xml><?xml version="1.0" encoding="utf-8"?>
 <p:sld xmlns:a="http://schemas.openxmlformats.org/drawingml/2006/main" xmlns:r="http://schemas.openxmlformats.org/officeDocument/2006/relationships" xmlns:p="http://schemas.openxmlformats.org/presentationml/2006/main">
   <p:cSld>
     <p:spTree>
@@ -6235,7 +8786,7 @@
 </p:sld>
 </file>
 
-<file path=ppt/slides/slide4.xml><?xml version="1.0" encoding="utf-8"?>
+<file path=ppt/slides/slide5.xml><?xml version="1.0" encoding="utf-8"?>
 <p:sld xmlns:a="http://schemas.openxmlformats.org/drawingml/2006/main" xmlns:r="http://schemas.openxmlformats.org/officeDocument/2006/relationships" xmlns:p="http://schemas.openxmlformats.org/presentationml/2006/main">
   <p:cSld>
     <p:spTree>
@@ -6557,7 +9108,7 @@
 </p:sld>
 </file>
 
-<file path=ppt/slides/slide5.xml><?xml version="1.0" encoding="utf-8"?>
+<file path=ppt/slides/slide6.xml><?xml version="1.0" encoding="utf-8"?>
 <p:sld xmlns:a="http://schemas.openxmlformats.org/drawingml/2006/main" xmlns:r="http://schemas.openxmlformats.org/officeDocument/2006/relationships" xmlns:p="http://schemas.openxmlformats.org/presentationml/2006/main">
   <p:cSld>
     <p:spTree>
@@ -6576,10 +9127,10 @@
       </p:grpSpPr>
       <p:pic>
         <p:nvPicPr>
-          <p:cNvPr id="15" name="图片 14">
+          <p:cNvPr id="8" name="图片 7">
             <a:extLst>
               <a:ext uri="{FF2B5EF4-FFF2-40B4-BE49-F238E27FC236}">
-                <a16:creationId xmlns:a16="http://schemas.microsoft.com/office/drawing/2014/main" id="{92476842-D424-4442-B4EC-A2B0FE3BE58E}"/>
+                <a16:creationId xmlns:a16="http://schemas.microsoft.com/office/drawing/2014/main" id="{8ADE2E22-7C9C-440F-9FED-1C70018C50E5}"/>
               </a:ext>
             </a:extLst>
           </p:cNvPr>
@@ -6602,8 +9153,8 @@
         </p:blipFill>
         <p:spPr>
           <a:xfrm>
-            <a:off x="3145739" y="1119813"/>
-            <a:ext cx="4974397" cy="4408533"/>
+            <a:off x="3440674" y="1493258"/>
+            <a:ext cx="5310652" cy="5012386"/>
           </a:xfrm>
           <a:prstGeom prst="rect">
             <a:avLst/>
@@ -6624,7 +9175,7 @@
         </p:nvSpPr>
         <p:spPr>
           <a:xfrm>
-            <a:off x="3824648" y="3833769"/>
+            <a:off x="4169916" y="4404220"/>
             <a:ext cx="1066134" cy="261610"/>
           </a:xfrm>
           <a:prstGeom prst="rect">
@@ -6662,104 +9213,236 @@
           </a:p>
         </p:txBody>
       </p:sp>
-      <p:sp>
-        <p:nvSpPr>
-          <p:cNvPr id="16" name="文本框 15">
+      <p:graphicFrame>
+        <p:nvGraphicFramePr>
+          <p:cNvPr id="31" name="表格 30">
             <a:extLst>
               <a:ext uri="{FF2B5EF4-FFF2-40B4-BE49-F238E27FC236}">
-                <a16:creationId xmlns:a16="http://schemas.microsoft.com/office/drawing/2014/main" id="{01F91E70-BC0B-44EE-ABE4-4574532F63CB}"/>
+                <a16:creationId xmlns:a16="http://schemas.microsoft.com/office/drawing/2014/main" id="{766A21C6-6EBF-4BC0-A76B-93972D97EACC}"/>
               </a:ext>
             </a:extLst>
           </p:cNvPr>
-          <p:cNvSpPr txBox="1"/>
-          <p:nvPr/>
-        </p:nvSpPr>
-        <p:spPr>
-          <a:xfrm>
-            <a:off x="6096000" y="2715936"/>
-            <a:ext cx="1871477" cy="430887"/>
-          </a:xfrm>
-          <a:prstGeom prst="rect">
-            <a:avLst/>
-          </a:prstGeom>
-          <a:noFill/>
-        </p:spPr>
-        <p:txBody>
-          <a:bodyPr wrap="square" rtlCol="0">
-            <a:spAutoFit/>
-          </a:bodyPr>
-          <a:lstStyle/>
-          <a:p>
-            <a:r>
-              <a:rPr lang="en-US" altLang="zh-CN" sz="1100" dirty="0">
-                <a:solidFill>
-                  <a:schemeClr val="bg2">
-                    <a:lumMod val="25000"/>
-                  </a:schemeClr>
-                </a:solidFill>
-                <a:latin typeface="Arial" panose="020B0604020202020204" pitchFamily="34" charset="0"/>
-                <a:cs typeface="Arial" panose="020B0604020202020204" pitchFamily="34" charset="0"/>
-              </a:rPr>
-              <a:t>acceptable level for percentage uncertainty</a:t>
-            </a:r>
-            <a:endParaRPr lang="zh-CN" altLang="en-US" sz="1100" dirty="0">
-              <a:solidFill>
-                <a:schemeClr val="bg2">
-                  <a:lumMod val="25000"/>
-                </a:schemeClr>
-              </a:solidFill>
-              <a:latin typeface="Arial" panose="020B0604020202020204" pitchFamily="34" charset="0"/>
-              <a:cs typeface="Arial" panose="020B0604020202020204" pitchFamily="34" charset="0"/>
-            </a:endParaRPr>
-          </a:p>
-        </p:txBody>
-      </p:sp>
-      <p:cxnSp>
-        <p:nvCxnSpPr>
-          <p:cNvPr id="18" name="直接箭头连接符 17">
-            <a:extLst>
-              <a:ext uri="{FF2B5EF4-FFF2-40B4-BE49-F238E27FC236}">
-                <a16:creationId xmlns:a16="http://schemas.microsoft.com/office/drawing/2014/main" id="{122BD774-68FC-424B-ABA1-1067E081EA5C}"/>
-              </a:ext>
-            </a:extLst>
-          </p:cNvPr>
-          <p:cNvCxnSpPr>
-            <a:cxnSpLocks/>
-          </p:cNvCxnSpPr>
-          <p:nvPr/>
-        </p:nvCxnSpPr>
-        <p:spPr>
-          <a:xfrm>
-            <a:off x="7239699" y="3146823"/>
-            <a:ext cx="343949" cy="477221"/>
-          </a:xfrm>
-          <a:prstGeom prst="straightConnector1">
-            <a:avLst/>
-          </a:prstGeom>
-          <a:ln>
-            <a:solidFill>
-              <a:schemeClr val="bg2">
-                <a:lumMod val="50000"/>
-              </a:schemeClr>
-            </a:solidFill>
-            <a:tailEnd type="triangle"/>
-          </a:ln>
-        </p:spPr>
-        <p:style>
-          <a:lnRef idx="2">
-            <a:schemeClr val="dk1"/>
-          </a:lnRef>
-          <a:fillRef idx="0">
-            <a:schemeClr val="dk1"/>
-          </a:fillRef>
-          <a:effectRef idx="1">
-            <a:schemeClr val="dk1"/>
-          </a:effectRef>
-          <a:fontRef idx="minor">
-            <a:schemeClr val="tx1"/>
-          </a:fontRef>
-        </p:style>
-      </p:cxnSp>
+          <p:cNvGraphicFramePr>
+            <a:graphicFrameLocks noGrp="1"/>
+          </p:cNvGraphicFramePr>
+          <p:nvPr>
+            <p:extLst>
+              <p:ext uri="{D42A27DB-BD31-4B8C-83A1-F6EECF244321}">
+                <p14:modId xmlns:p14="http://schemas.microsoft.com/office/powerpoint/2010/main" val="1880873614"/>
+              </p:ext>
+            </p:extLst>
+          </p:nvPr>
+        </p:nvGraphicFramePr>
+        <p:xfrm>
+          <a:off x="8726363" y="2114025"/>
+          <a:ext cx="1709746" cy="2892244"/>
+        </p:xfrm>
+        <a:graphic>
+          <a:graphicData uri="http://schemas.openxmlformats.org/drawingml/2006/table">
+            <a:tbl>
+              <a:tblPr firstRow="1" bandRow="1">
+                <a:tableStyleId>{5C22544A-7EE6-4342-B048-85BDC9FD1C3A}</a:tableStyleId>
+              </a:tblPr>
+              <a:tblGrid>
+                <a:gridCol w="1189628">
+                  <a:extLst>
+                    <a:ext uri="{9D8B030D-6E8A-4147-A177-3AD203B41FA5}">
+                      <a16:colId xmlns:a16="http://schemas.microsoft.com/office/drawing/2014/main" val="831171953"/>
+                    </a:ext>
+                  </a:extLst>
+                </a:gridCol>
+                <a:gridCol w="520118">
+                  <a:extLst>
+                    <a:ext uri="{9D8B030D-6E8A-4147-A177-3AD203B41FA5}">
+                      <a16:colId xmlns:a16="http://schemas.microsoft.com/office/drawing/2014/main" val="1670199464"/>
+                    </a:ext>
+                  </a:extLst>
+                </a:gridCol>
+              </a:tblGrid>
+              <a:tr h="577442">
+                <a:tc gridSpan="2">
+                  <a:txBody>
+                    <a:bodyPr/>
+                    <a:lstStyle/>
+                    <a:p>
+                      <a:pPr algn="ctr"/>
+                      <a:r>
+                        <a:rPr lang="en-US" altLang="zh-CN" sz="1600" dirty="0"/>
+                        <a:t>Model runs needed</a:t>
+                      </a:r>
+                      <a:endParaRPr lang="zh-CN" altLang="en-US" sz="1600" dirty="0"/>
+                    </a:p>
+                  </a:txBody>
+                  <a:tcPr/>
+                </a:tc>
+                <a:tc hMerge="1">
+                  <a:txBody>
+                    <a:bodyPr/>
+                    <a:lstStyle/>
+                    <a:p>
+                      <a:endParaRPr lang="zh-CN" altLang="en-US" dirty="0"/>
+                    </a:p>
+                  </a:txBody>
+                  <a:tcPr/>
+                </a:tc>
+                <a:extLst>
+                  <a:ext uri="{0D108BD9-81ED-4DB2-BD59-A6C34878D82A}">
+                    <a16:rowId xmlns:a16="http://schemas.microsoft.com/office/drawing/2014/main" val="3269263345"/>
+                  </a:ext>
+                </a:extLst>
+              </a:tr>
+              <a:tr h="577442">
+                <a:tc>
+                  <a:txBody>
+                    <a:bodyPr/>
+                    <a:lstStyle/>
+                    <a:p>
+                      <a:pPr algn="ctr"/>
+                      <a:r>
+                        <a:rPr lang="en-US" altLang="zh-CN" sz="1600" dirty="0"/>
+                        <a:t>The true values</a:t>
+                      </a:r>
+                      <a:endParaRPr lang="zh-CN" altLang="en-US" sz="1600" dirty="0"/>
+                    </a:p>
+                  </a:txBody>
+                  <a:tcPr/>
+                </a:tc>
+                <a:tc>
+                  <a:txBody>
+                    <a:bodyPr/>
+                    <a:lstStyle/>
+                    <a:p>
+                      <a:pPr algn="ctr"/>
+                      <a:r>
+                        <a:rPr lang="en-US" altLang="zh-CN" sz="1600" dirty="0"/>
+                        <a:t>552</a:t>
+                      </a:r>
+                      <a:endParaRPr lang="zh-CN" altLang="en-US" sz="1600" dirty="0"/>
+                    </a:p>
+                  </a:txBody>
+                  <a:tcPr/>
+                </a:tc>
+                <a:extLst>
+                  <a:ext uri="{0D108BD9-81ED-4DB2-BD59-A6C34878D82A}">
+                    <a16:rowId xmlns:a16="http://schemas.microsoft.com/office/drawing/2014/main" val="2295223730"/>
+                  </a:ext>
+                </a:extLst>
+              </a:tr>
+              <a:tr h="577442">
+                <a:tc>
+                  <a:txBody>
+                    <a:bodyPr/>
+                    <a:lstStyle/>
+                    <a:p>
+                      <a:pPr algn="ctr"/>
+                      <a:r>
+                        <a:rPr lang="en-US" altLang="zh-CN" sz="1600" dirty="0"/>
+                        <a:t>Dummy-22</a:t>
+                      </a:r>
+                      <a:endParaRPr lang="zh-CN" altLang="en-US" sz="1600" dirty="0"/>
+                    </a:p>
+                  </a:txBody>
+                  <a:tcPr/>
+                </a:tc>
+                <a:tc>
+                  <a:txBody>
+                    <a:bodyPr/>
+                    <a:lstStyle/>
+                    <a:p>
+                      <a:pPr algn="ctr"/>
+                      <a:r>
+                        <a:rPr lang="en-US" altLang="zh-CN" sz="1600" dirty="0"/>
+                        <a:t>552</a:t>
+                      </a:r>
+                      <a:endParaRPr lang="zh-CN" altLang="en-US" sz="1600" dirty="0"/>
+                    </a:p>
+                  </a:txBody>
+                  <a:tcPr/>
+                </a:tc>
+                <a:extLst>
+                  <a:ext uri="{0D108BD9-81ED-4DB2-BD59-A6C34878D82A}">
+                    <a16:rowId xmlns:a16="http://schemas.microsoft.com/office/drawing/2014/main" val="1634143030"/>
+                  </a:ext>
+                </a:extLst>
+              </a:tr>
+              <a:tr h="577442">
+                <a:tc>
+                  <a:txBody>
+                    <a:bodyPr/>
+                    <a:lstStyle/>
+                    <a:p>
+                      <a:pPr algn="ctr"/>
+                      <a:r>
+                        <a:rPr lang="en-US" altLang="zh-CN" sz="1600" dirty="0"/>
+                        <a:t>Threshold-22</a:t>
+                      </a:r>
+                      <a:endParaRPr lang="zh-CN" altLang="en-US" sz="1600" dirty="0"/>
+                    </a:p>
+                  </a:txBody>
+                  <a:tcPr/>
+                </a:tc>
+                <a:tc>
+                  <a:txBody>
+                    <a:bodyPr/>
+                    <a:lstStyle/>
+                    <a:p>
+                      <a:pPr algn="ctr"/>
+                      <a:r>
+                        <a:rPr lang="en-US" altLang="zh-CN" sz="1600" dirty="0"/>
+                        <a:t>552</a:t>
+                      </a:r>
+                      <a:endParaRPr lang="zh-CN" altLang="en-US" sz="1600" dirty="0"/>
+                    </a:p>
+                  </a:txBody>
+                  <a:tcPr/>
+                </a:tc>
+                <a:extLst>
+                  <a:ext uri="{0D108BD9-81ED-4DB2-BD59-A6C34878D82A}">
+                    <a16:rowId xmlns:a16="http://schemas.microsoft.com/office/drawing/2014/main" val="2690295626"/>
+                  </a:ext>
+                </a:extLst>
+              </a:tr>
+              <a:tr h="577442">
+                <a:tc>
+                  <a:txBody>
+                    <a:bodyPr/>
+                    <a:lstStyle/>
+                    <a:p>
+                      <a:pPr algn="ctr"/>
+                      <a:r>
+                        <a:rPr lang="en-US" altLang="zh-CN" sz="1600" dirty="0"/>
+                        <a:t>Framework</a:t>
+                      </a:r>
+                      <a:endParaRPr lang="zh-CN" altLang="en-US" sz="1600" dirty="0"/>
+                    </a:p>
+                  </a:txBody>
+                  <a:tcPr/>
+                </a:tc>
+                <a:tc>
+                  <a:txBody>
+                    <a:bodyPr/>
+                    <a:lstStyle/>
+                    <a:p>
+                      <a:pPr algn="ctr"/>
+                      <a:r>
+                        <a:rPr lang="en-US" altLang="zh-CN" sz="1600" dirty="0"/>
+                        <a:t>156</a:t>
+                      </a:r>
+                      <a:endParaRPr lang="zh-CN" altLang="en-US" sz="1600" dirty="0"/>
+                    </a:p>
+                  </a:txBody>
+                  <a:tcPr/>
+                </a:tc>
+                <a:extLst>
+                  <a:ext uri="{0D108BD9-81ED-4DB2-BD59-A6C34878D82A}">
+                    <a16:rowId xmlns:a16="http://schemas.microsoft.com/office/drawing/2014/main" val="997600769"/>
+                  </a:ext>
+                </a:extLst>
+              </a:tr>
+            </a:tbl>
+          </a:graphicData>
+        </a:graphic>
+      </p:graphicFrame>
     </p:spTree>
     <p:extLst>
       <p:ext uri="{BB962C8B-B14F-4D97-AF65-F5344CB8AC3E}">

--- a/output/paper0915/figure/Figures.pptx
+++ b/output/paper0915/figure/Figures.pptx
@@ -11,6 +11,7 @@
     <p:sldId id="256" r:id="rId5"/>
     <p:sldId id="259" r:id="rId6"/>
     <p:sldId id="262" r:id="rId7"/>
+    <p:sldId id="264" r:id="rId8"/>
   </p:sldIdLst>
   <p:sldSz cx="12192000" cy="6858000"/>
   <p:notesSz cx="6858000" cy="9144000"/>
@@ -246,7 +247,7 @@
           <a:p>
             <a:fld id="{35C5FA2C-692F-48D1-A2F8-67B0244C0896}" type="datetimeFigureOut">
               <a:rPr lang="zh-CN" altLang="en-US" smtClean="0"/>
-              <a:t>2020/12/13</a:t>
+              <a:t>2020/12/14</a:t>
             </a:fld>
             <a:endParaRPr lang="zh-CN" altLang="en-US"/>
           </a:p>
@@ -414,7 +415,7 @@
           <a:p>
             <a:fld id="{35C5FA2C-692F-48D1-A2F8-67B0244C0896}" type="datetimeFigureOut">
               <a:rPr lang="zh-CN" altLang="en-US" smtClean="0"/>
-              <a:t>2020/12/13</a:t>
+              <a:t>2020/12/14</a:t>
             </a:fld>
             <a:endParaRPr lang="zh-CN" altLang="en-US"/>
           </a:p>
@@ -592,7 +593,7 @@
           <a:p>
             <a:fld id="{35C5FA2C-692F-48D1-A2F8-67B0244C0896}" type="datetimeFigureOut">
               <a:rPr lang="zh-CN" altLang="en-US" smtClean="0"/>
-              <a:t>2020/12/13</a:t>
+              <a:t>2020/12/14</a:t>
             </a:fld>
             <a:endParaRPr lang="zh-CN" altLang="en-US"/>
           </a:p>
@@ -760,7 +761,7 @@
           <a:p>
             <a:fld id="{35C5FA2C-692F-48D1-A2F8-67B0244C0896}" type="datetimeFigureOut">
               <a:rPr lang="zh-CN" altLang="en-US" smtClean="0"/>
-              <a:t>2020/12/13</a:t>
+              <a:t>2020/12/14</a:t>
             </a:fld>
             <a:endParaRPr lang="zh-CN" altLang="en-US"/>
           </a:p>
@@ -1005,7 +1006,7 @@
           <a:p>
             <a:fld id="{35C5FA2C-692F-48D1-A2F8-67B0244C0896}" type="datetimeFigureOut">
               <a:rPr lang="zh-CN" altLang="en-US" smtClean="0"/>
-              <a:t>2020/12/13</a:t>
+              <a:t>2020/12/14</a:t>
             </a:fld>
             <a:endParaRPr lang="zh-CN" altLang="en-US"/>
           </a:p>
@@ -1234,7 +1235,7 @@
           <a:p>
             <a:fld id="{35C5FA2C-692F-48D1-A2F8-67B0244C0896}" type="datetimeFigureOut">
               <a:rPr lang="zh-CN" altLang="en-US" smtClean="0"/>
-              <a:t>2020/12/13</a:t>
+              <a:t>2020/12/14</a:t>
             </a:fld>
             <a:endParaRPr lang="zh-CN" altLang="en-US"/>
           </a:p>
@@ -1598,7 +1599,7 @@
           <a:p>
             <a:fld id="{35C5FA2C-692F-48D1-A2F8-67B0244C0896}" type="datetimeFigureOut">
               <a:rPr lang="zh-CN" altLang="en-US" smtClean="0"/>
-              <a:t>2020/12/13</a:t>
+              <a:t>2020/12/14</a:t>
             </a:fld>
             <a:endParaRPr lang="zh-CN" altLang="en-US"/>
           </a:p>
@@ -1715,7 +1716,7 @@
           <a:p>
             <a:fld id="{35C5FA2C-692F-48D1-A2F8-67B0244C0896}" type="datetimeFigureOut">
               <a:rPr lang="zh-CN" altLang="en-US" smtClean="0"/>
-              <a:t>2020/12/13</a:t>
+              <a:t>2020/12/14</a:t>
             </a:fld>
             <a:endParaRPr lang="zh-CN" altLang="en-US"/>
           </a:p>
@@ -1810,7 +1811,7 @@
           <a:p>
             <a:fld id="{35C5FA2C-692F-48D1-A2F8-67B0244C0896}" type="datetimeFigureOut">
               <a:rPr lang="zh-CN" altLang="en-US" smtClean="0"/>
-              <a:t>2020/12/13</a:t>
+              <a:t>2020/12/14</a:t>
             </a:fld>
             <a:endParaRPr lang="zh-CN" altLang="en-US"/>
           </a:p>
@@ -2085,7 +2086,7 @@
           <a:p>
             <a:fld id="{35C5FA2C-692F-48D1-A2F8-67B0244C0896}" type="datetimeFigureOut">
               <a:rPr lang="zh-CN" altLang="en-US" smtClean="0"/>
-              <a:t>2020/12/13</a:t>
+              <a:t>2020/12/14</a:t>
             </a:fld>
             <a:endParaRPr lang="zh-CN" altLang="en-US"/>
           </a:p>
@@ -2337,7 +2338,7 @@
           <a:p>
             <a:fld id="{35C5FA2C-692F-48D1-A2F8-67B0244C0896}" type="datetimeFigureOut">
               <a:rPr lang="zh-CN" altLang="en-US" smtClean="0"/>
-              <a:t>2020/12/13</a:t>
+              <a:t>2020/12/14</a:t>
             </a:fld>
             <a:endParaRPr lang="zh-CN" altLang="en-US"/>
           </a:p>
@@ -2548,7 +2549,7 @@
           <a:p>
             <a:fld id="{35C5FA2C-692F-48D1-A2F8-67B0244C0896}" type="datetimeFigureOut">
               <a:rPr lang="zh-CN" altLang="en-US" smtClean="0"/>
-              <a:t>2020/12/13</a:t>
+              <a:t>2020/12/14</a:t>
             </a:fld>
             <a:endParaRPr lang="zh-CN" altLang="en-US"/>
           </a:p>
@@ -5049,8 +5050,8 @@
           </a:p>
         </p:txBody>
       </p:sp>
-      <mc:AlternateContent xmlns:mc="http://schemas.openxmlformats.org/markup-compatibility/2006">
-        <mc:Choice xmlns:a14="http://schemas.microsoft.com/office/drawing/2010/main" Requires="a14">
+      <mc:AlternateContent xmlns:mc="http://schemas.openxmlformats.org/markup-compatibility/2006" xmlns:a14="http://schemas.microsoft.com/office/drawing/2010/main">
+        <mc:Choice Requires="a14">
           <p:sp>
             <p:nvSpPr>
               <p:cNvPr id="7" name="TextBox 3">
@@ -5119,7 +5120,7 @@
             </p:txBody>
           </p:sp>
         </mc:Choice>
-        <mc:Fallback>
+        <mc:Fallback xmlns="">
           <p:sp>
             <p:nvSpPr>
               <p:cNvPr id="7" name="TextBox 3">
@@ -5287,8 +5288,8 @@
           </a:fontRef>
         </p:style>
       </p:cxnSp>
-      <mc:AlternateContent xmlns:mc="http://schemas.openxmlformats.org/markup-compatibility/2006">
-        <mc:Choice xmlns:a14="http://schemas.microsoft.com/office/drawing/2010/main" Requires="a14">
+      <mc:AlternateContent xmlns:mc="http://schemas.openxmlformats.org/markup-compatibility/2006" xmlns:a14="http://schemas.microsoft.com/office/drawing/2010/main">
+        <mc:Choice Requires="a14">
           <p:sp>
             <p:nvSpPr>
               <p:cNvPr id="12" name="TextBox 29">
@@ -5357,7 +5358,7 @@
             </p:txBody>
           </p:sp>
         </mc:Choice>
-        <mc:Fallback>
+        <mc:Fallback xmlns="">
           <p:sp>
             <p:nvSpPr>
               <p:cNvPr id="12" name="TextBox 29">
@@ -5402,8 +5403,8 @@
           </p:sp>
         </mc:Fallback>
       </mc:AlternateContent>
-      <mc:AlternateContent xmlns:mc="http://schemas.openxmlformats.org/markup-compatibility/2006">
-        <mc:Choice xmlns:a14="http://schemas.microsoft.com/office/drawing/2010/main" Requires="a14">
+      <mc:AlternateContent xmlns:mc="http://schemas.openxmlformats.org/markup-compatibility/2006" xmlns:a14="http://schemas.microsoft.com/office/drawing/2010/main">
+        <mc:Choice Requires="a14">
           <p:sp>
             <p:nvSpPr>
               <p:cNvPr id="13" name="TextBox 30">
@@ -5472,7 +5473,7 @@
             </p:txBody>
           </p:sp>
         </mc:Choice>
-        <mc:Fallback>
+        <mc:Fallback xmlns="">
           <p:sp>
             <p:nvSpPr>
               <p:cNvPr id="13" name="TextBox 30">
@@ -5845,8 +5846,8 @@
           </a:fontRef>
         </p:style>
       </p:cxnSp>
-      <mc:AlternateContent xmlns:mc="http://schemas.openxmlformats.org/markup-compatibility/2006">
-        <mc:Choice xmlns:a14="http://schemas.microsoft.com/office/drawing/2010/main" Requires="a14">
+      <mc:AlternateContent xmlns:mc="http://schemas.openxmlformats.org/markup-compatibility/2006" xmlns:a14="http://schemas.microsoft.com/office/drawing/2010/main">
+        <mc:Choice Requires="a14">
           <p:sp>
             <p:nvSpPr>
               <p:cNvPr id="22" name="TextBox 40">
@@ -5915,7 +5916,7 @@
             </p:txBody>
           </p:sp>
         </mc:Choice>
-        <mc:Fallback>
+        <mc:Fallback xmlns="">
           <p:sp>
             <p:nvSpPr>
               <p:cNvPr id="22" name="TextBox 40">
@@ -9456,6 +9457,474 @@
 </p:sld>
 </file>
 
+<file path=ppt/slides/slide7.xml><?xml version="1.0" encoding="utf-8"?>
+<p:sld xmlns:a="http://schemas.openxmlformats.org/drawingml/2006/main" xmlns:r="http://schemas.openxmlformats.org/officeDocument/2006/relationships" xmlns:p="http://schemas.openxmlformats.org/presentationml/2006/main">
+  <p:cSld>
+    <p:spTree>
+      <p:nvGrpSpPr>
+        <p:cNvPr id="1" name=""/>
+        <p:cNvGrpSpPr/>
+        <p:nvPr/>
+      </p:nvGrpSpPr>
+      <p:grpSpPr>
+        <a:xfrm>
+          <a:off x="0" y="0"/>
+          <a:ext cx="0" cy="0"/>
+          <a:chOff x="0" y="0"/>
+          <a:chExt cx="0" cy="0"/>
+        </a:xfrm>
+      </p:grpSpPr>
+      <p:grpSp>
+        <p:nvGrpSpPr>
+          <p:cNvPr id="15" name="组合 14">
+            <a:extLst>
+              <a:ext uri="{FF2B5EF4-FFF2-40B4-BE49-F238E27FC236}">
+                <a16:creationId xmlns:a16="http://schemas.microsoft.com/office/drawing/2014/main" id="{31524AA8-6E6C-4B31-B904-52C0F03ED427}"/>
+              </a:ext>
+            </a:extLst>
+          </p:cNvPr>
+          <p:cNvGrpSpPr/>
+          <p:nvPr/>
+        </p:nvGrpSpPr>
+        <p:grpSpPr>
+          <a:xfrm>
+            <a:off x="6065203" y="3665220"/>
+            <a:ext cx="1098958" cy="1467623"/>
+            <a:chOff x="5546521" y="962637"/>
+            <a:chExt cx="1098958" cy="1619075"/>
+          </a:xfrm>
+        </p:grpSpPr>
+        <p:pic>
+          <p:nvPicPr>
+            <p:cNvPr id="3" name="图片 2">
+              <a:extLst>
+                <a:ext uri="{FF2B5EF4-FFF2-40B4-BE49-F238E27FC236}">
+                  <a16:creationId xmlns:a16="http://schemas.microsoft.com/office/drawing/2014/main" id="{7FF24FA6-02FC-4BF6-9CA6-9F2684530128}"/>
+                </a:ext>
+              </a:extLst>
+            </p:cNvPr>
+            <p:cNvPicPr>
+              <a:picLocks noChangeAspect="1"/>
+            </p:cNvPicPr>
+            <p:nvPr/>
+          </p:nvPicPr>
+          <p:blipFill rotWithShape="1">
+            <a:blip r:embed="rId2" cstate="print">
+              <a:extLst>
+                <a:ext uri="{28A0092B-C50C-407E-A947-70E740481C1C}">
+                  <a14:useLocalDpi xmlns:a14="http://schemas.microsoft.com/office/drawing/2010/main" val="0"/>
+                </a:ext>
+              </a:extLst>
+            </a:blip>
+            <a:srcRect l="33601" t="41223" r="43706" b="35168"/>
+            <a:stretch/>
+          </p:blipFill>
+          <p:spPr>
+            <a:xfrm>
+              <a:off x="5546521" y="962637"/>
+              <a:ext cx="1098958" cy="1619075"/>
+            </a:xfrm>
+            <a:prstGeom prst="rect">
+              <a:avLst/>
+            </a:prstGeom>
+            <a:ln w="6350" cap="sq">
+              <a:solidFill>
+                <a:srgbClr val="000000"/>
+              </a:solidFill>
+              <a:prstDash val="solid"/>
+              <a:miter lim="800000"/>
+            </a:ln>
+            <a:effectLst>
+              <a:outerShdw blurRad="50800" dist="38100" dir="2700000" algn="tl" rotWithShape="0">
+                <a:srgbClr val="000000">
+                  <a:alpha val="43000"/>
+                </a:srgbClr>
+              </a:outerShdw>
+            </a:effectLst>
+          </p:spPr>
+        </p:pic>
+        <p:sp>
+          <p:nvSpPr>
+            <p:cNvPr id="16" name="文本框 15">
+              <a:extLst>
+                <a:ext uri="{FF2B5EF4-FFF2-40B4-BE49-F238E27FC236}">
+                  <a16:creationId xmlns:a16="http://schemas.microsoft.com/office/drawing/2014/main" id="{AB4F5715-82BB-4DCF-B59F-4FCCD142B838}"/>
+                </a:ext>
+              </a:extLst>
+            </p:cNvPr>
+            <p:cNvSpPr txBox="1"/>
+            <p:nvPr/>
+          </p:nvSpPr>
+          <p:spPr>
+            <a:xfrm>
+              <a:off x="5558605" y="2138328"/>
+              <a:ext cx="860684" cy="441400"/>
+            </a:xfrm>
+            <a:prstGeom prst="rect">
+              <a:avLst/>
+            </a:prstGeom>
+            <a:noFill/>
+          </p:spPr>
+          <p:txBody>
+            <a:bodyPr wrap="square" rtlCol="0">
+              <a:spAutoFit/>
+            </a:bodyPr>
+            <a:lstStyle/>
+            <a:p>
+              <a:r>
+                <a:rPr lang="en-US" altLang="zh-CN" sz="1000" dirty="0">
+                  <a:latin typeface="Arial" panose="020B0604020202020204" pitchFamily="34" charset="0"/>
+                  <a:cs typeface="Arial" panose="020B0604020202020204" pitchFamily="34" charset="0"/>
+                </a:rPr>
+                <a:t>Mackay Whitsunday</a:t>
+              </a:r>
+              <a:endParaRPr lang="zh-CN" altLang="en-US" sz="1000" dirty="0">
+                <a:latin typeface="Arial" panose="020B0604020202020204" pitchFamily="34" charset="0"/>
+                <a:cs typeface="Arial" panose="020B0604020202020204" pitchFamily="34" charset="0"/>
+              </a:endParaRPr>
+            </a:p>
+          </p:txBody>
+        </p:sp>
+      </p:grpSp>
+      <p:grpSp>
+        <p:nvGrpSpPr>
+          <p:cNvPr id="49" name="组合 48">
+            <a:extLst>
+              <a:ext uri="{FF2B5EF4-FFF2-40B4-BE49-F238E27FC236}">
+                <a16:creationId xmlns:a16="http://schemas.microsoft.com/office/drawing/2014/main" id="{EDDF3036-65C2-427D-B645-163807D421F5}"/>
+              </a:ext>
+            </a:extLst>
+          </p:cNvPr>
+          <p:cNvGrpSpPr/>
+          <p:nvPr/>
+        </p:nvGrpSpPr>
+        <p:grpSpPr>
+          <a:xfrm>
+            <a:off x="6022682" y="1960596"/>
+            <a:ext cx="1333599" cy="1543515"/>
+            <a:chOff x="6137629" y="723435"/>
+            <a:chExt cx="1486419" cy="1696920"/>
+          </a:xfrm>
+        </p:grpSpPr>
+        <p:pic>
+          <p:nvPicPr>
+            <p:cNvPr id="35" name="图片 34">
+              <a:extLst>
+                <a:ext uri="{FF2B5EF4-FFF2-40B4-BE49-F238E27FC236}">
+                  <a16:creationId xmlns:a16="http://schemas.microsoft.com/office/drawing/2014/main" id="{9DB24E35-FE28-44D5-BADA-85D851607CCF}"/>
+                </a:ext>
+              </a:extLst>
+            </p:cNvPr>
+            <p:cNvPicPr>
+              <a:picLocks noChangeAspect="1"/>
+            </p:cNvPicPr>
+            <p:nvPr/>
+          </p:nvPicPr>
+          <p:blipFill rotWithShape="1">
+            <a:blip r:embed="rId3" cstate="print">
+              <a:extLst>
+                <a:ext uri="{28A0092B-C50C-407E-A947-70E740481C1C}">
+                  <a14:useLocalDpi xmlns:a14="http://schemas.microsoft.com/office/drawing/2010/main" val="0"/>
+                </a:ext>
+              </a:extLst>
+            </a:blip>
+            <a:srcRect l="32377" t="30000" r="21047" b="31666"/>
+            <a:stretch/>
+          </p:blipFill>
+          <p:spPr>
+            <a:xfrm>
+              <a:off x="6168152" y="723435"/>
+              <a:ext cx="1455896" cy="1696920"/>
+            </a:xfrm>
+            <a:prstGeom prst="rect">
+              <a:avLst/>
+            </a:prstGeom>
+          </p:spPr>
+        </p:pic>
+        <p:sp>
+          <p:nvSpPr>
+            <p:cNvPr id="37" name="文本框 36">
+              <a:extLst>
+                <a:ext uri="{FF2B5EF4-FFF2-40B4-BE49-F238E27FC236}">
+                  <a16:creationId xmlns:a16="http://schemas.microsoft.com/office/drawing/2014/main" id="{A538FDC0-85C5-499D-8209-131D5EE26BCD}"/>
+                </a:ext>
+              </a:extLst>
+            </p:cNvPr>
+            <p:cNvSpPr txBox="1"/>
+            <p:nvPr/>
+          </p:nvSpPr>
+          <p:spPr>
+            <a:xfrm>
+              <a:off x="6137629" y="1490096"/>
+              <a:ext cx="1002926" cy="270692"/>
+            </a:xfrm>
+            <a:prstGeom prst="rect">
+              <a:avLst/>
+            </a:prstGeom>
+            <a:noFill/>
+          </p:spPr>
+          <p:txBody>
+            <a:bodyPr wrap="square" rtlCol="0">
+              <a:spAutoFit/>
+            </a:bodyPr>
+            <a:lstStyle/>
+            <a:p>
+              <a:r>
+                <a:rPr lang="en-US" altLang="zh-CN" sz="1000" dirty="0">
+                  <a:latin typeface="Arial" panose="020B0604020202020204" pitchFamily="34" charset="0"/>
+                  <a:cs typeface="Arial" panose="020B0604020202020204" pitchFamily="34" charset="0"/>
+                </a:rPr>
+                <a:t>Queensland</a:t>
+              </a:r>
+              <a:endParaRPr lang="zh-CN" altLang="en-US" sz="1000" dirty="0">
+                <a:latin typeface="Arial" panose="020B0604020202020204" pitchFamily="34" charset="0"/>
+                <a:cs typeface="Arial" panose="020B0604020202020204" pitchFamily="34" charset="0"/>
+              </a:endParaRPr>
+            </a:p>
+          </p:txBody>
+        </p:sp>
+      </p:grpSp>
+      <p:cxnSp>
+        <p:nvCxnSpPr>
+          <p:cNvPr id="11" name="直接连接符 10">
+            <a:extLst>
+              <a:ext uri="{FF2B5EF4-FFF2-40B4-BE49-F238E27FC236}">
+                <a16:creationId xmlns:a16="http://schemas.microsoft.com/office/drawing/2014/main" id="{3DC5AF13-4604-48BF-96B2-3A1CFC30C20C}"/>
+              </a:ext>
+            </a:extLst>
+          </p:cNvPr>
+          <p:cNvCxnSpPr>
+            <a:cxnSpLocks/>
+          </p:cNvCxnSpPr>
+          <p:nvPr/>
+        </p:nvCxnSpPr>
+        <p:spPr>
+          <a:xfrm flipV="1">
+            <a:off x="6065203" y="2732353"/>
+            <a:ext cx="830717" cy="931068"/>
+          </a:xfrm>
+          <a:prstGeom prst="line">
+            <a:avLst/>
+          </a:prstGeom>
+          <a:ln>
+            <a:solidFill>
+              <a:schemeClr val="bg1">
+                <a:lumMod val="50000"/>
+              </a:schemeClr>
+            </a:solidFill>
+            <a:prstDash val="lgDashDot"/>
+          </a:ln>
+        </p:spPr>
+        <p:style>
+          <a:lnRef idx="1">
+            <a:schemeClr val="dk1"/>
+          </a:lnRef>
+          <a:fillRef idx="0">
+            <a:schemeClr val="dk1"/>
+          </a:fillRef>
+          <a:effectRef idx="0">
+            <a:schemeClr val="dk1"/>
+          </a:effectRef>
+          <a:fontRef idx="minor">
+            <a:schemeClr val="tx1"/>
+          </a:fontRef>
+        </p:style>
+      </p:cxnSp>
+      <p:cxnSp>
+        <p:nvCxnSpPr>
+          <p:cNvPr id="13" name="直接连接符 12">
+            <a:extLst>
+              <a:ext uri="{FF2B5EF4-FFF2-40B4-BE49-F238E27FC236}">
+                <a16:creationId xmlns:a16="http://schemas.microsoft.com/office/drawing/2014/main" id="{65BBB974-E86C-4CC0-954B-929C2ECA6370}"/>
+              </a:ext>
+            </a:extLst>
+          </p:cNvPr>
+          <p:cNvCxnSpPr>
+            <a:cxnSpLocks/>
+          </p:cNvCxnSpPr>
+          <p:nvPr/>
+        </p:nvCxnSpPr>
+        <p:spPr>
+          <a:xfrm>
+            <a:off x="7012430" y="2925445"/>
+            <a:ext cx="154906" cy="736600"/>
+          </a:xfrm>
+          <a:prstGeom prst="line">
+            <a:avLst/>
+          </a:prstGeom>
+          <a:ln>
+            <a:solidFill>
+              <a:schemeClr val="bg1">
+                <a:lumMod val="50000"/>
+              </a:schemeClr>
+            </a:solidFill>
+            <a:prstDash val="lgDashDot"/>
+          </a:ln>
+        </p:spPr>
+        <p:style>
+          <a:lnRef idx="1">
+            <a:schemeClr val="dk1"/>
+          </a:lnRef>
+          <a:fillRef idx="0">
+            <a:schemeClr val="dk1"/>
+          </a:fillRef>
+          <a:effectRef idx="0">
+            <a:schemeClr val="dk1"/>
+          </a:effectRef>
+          <a:fontRef idx="minor">
+            <a:schemeClr val="tx1"/>
+          </a:fontRef>
+        </p:style>
+      </p:cxnSp>
+      <p:sp>
+        <p:nvSpPr>
+          <p:cNvPr id="75" name="矩形 74">
+            <a:extLst>
+              <a:ext uri="{FF2B5EF4-FFF2-40B4-BE49-F238E27FC236}">
+                <a16:creationId xmlns:a16="http://schemas.microsoft.com/office/drawing/2014/main" id="{25A8C9AB-8A67-49D9-8A91-B4A7003B0EC3}"/>
+              </a:ext>
+            </a:extLst>
+          </p:cNvPr>
+          <p:cNvSpPr/>
+          <p:nvPr/>
+        </p:nvSpPr>
+        <p:spPr>
+          <a:xfrm>
+            <a:off x="3401482" y="1744980"/>
+            <a:ext cx="3954799" cy="3680460"/>
+          </a:xfrm>
+          <a:prstGeom prst="rect">
+            <a:avLst/>
+          </a:prstGeom>
+          <a:noFill/>
+          <a:ln>
+            <a:solidFill>
+              <a:schemeClr val="bg2">
+                <a:lumMod val="25000"/>
+              </a:schemeClr>
+            </a:solidFill>
+          </a:ln>
+        </p:spPr>
+        <p:style>
+          <a:lnRef idx="2">
+            <a:schemeClr val="accent1">
+              <a:shade val="50000"/>
+            </a:schemeClr>
+          </a:lnRef>
+          <a:fillRef idx="1">
+            <a:schemeClr val="accent1"/>
+          </a:fillRef>
+          <a:effectRef idx="0">
+            <a:schemeClr val="accent1"/>
+          </a:effectRef>
+          <a:fontRef idx="minor">
+            <a:schemeClr val="lt1"/>
+          </a:fontRef>
+        </p:style>
+        <p:txBody>
+          <a:bodyPr rtlCol="0" anchor="ctr"/>
+          <a:lstStyle/>
+          <a:p>
+            <a:pPr algn="ctr"/>
+            <a:endParaRPr lang="zh-CN" altLang="en-US"/>
+          </a:p>
+        </p:txBody>
+      </p:sp>
+      <p:pic>
+        <p:nvPicPr>
+          <p:cNvPr id="77" name="图片 76">
+            <a:extLst>
+              <a:ext uri="{FF2B5EF4-FFF2-40B4-BE49-F238E27FC236}">
+                <a16:creationId xmlns:a16="http://schemas.microsoft.com/office/drawing/2014/main" id="{19A6CDD8-05F7-446B-BED0-C72461C51E9D}"/>
+              </a:ext>
+            </a:extLst>
+          </p:cNvPr>
+          <p:cNvPicPr>
+            <a:picLocks noChangeAspect="1"/>
+          </p:cNvPicPr>
+          <p:nvPr/>
+        </p:nvPicPr>
+        <p:blipFill rotWithShape="1">
+          <a:blip r:embed="rId4" cstate="print">
+            <a:extLst>
+              <a:ext uri="{28A0092B-C50C-407E-A947-70E740481C1C}">
+                <a14:useLocalDpi xmlns:a14="http://schemas.microsoft.com/office/drawing/2010/main" val="0"/>
+              </a:ext>
+            </a:extLst>
+          </a:blip>
+          <a:srcRect l="28443" t="26556" r="19316" b="24889"/>
+          <a:stretch/>
+        </p:blipFill>
+        <p:spPr>
+          <a:xfrm>
+            <a:off x="3434587" y="1862001"/>
+            <a:ext cx="2529840" cy="3329940"/>
+          </a:xfrm>
+          <a:prstGeom prst="rect">
+            <a:avLst/>
+          </a:prstGeom>
+        </p:spPr>
+      </p:pic>
+      <p:cxnSp>
+        <p:nvCxnSpPr>
+          <p:cNvPr id="42" name="直接连接符 41">
+            <a:extLst>
+              <a:ext uri="{FF2B5EF4-FFF2-40B4-BE49-F238E27FC236}">
+                <a16:creationId xmlns:a16="http://schemas.microsoft.com/office/drawing/2014/main" id="{640A820C-7239-4EAC-85D5-003C6598E48C}"/>
+              </a:ext>
+            </a:extLst>
+          </p:cNvPr>
+          <p:cNvCxnSpPr>
+            <a:cxnSpLocks/>
+          </p:cNvCxnSpPr>
+          <p:nvPr/>
+        </p:nvCxnSpPr>
+        <p:spPr>
+          <a:xfrm flipH="1" flipV="1">
+            <a:off x="5608320" y="3824530"/>
+            <a:ext cx="701040" cy="374700"/>
+          </a:xfrm>
+          <a:prstGeom prst="line">
+            <a:avLst/>
+          </a:prstGeom>
+          <a:ln w="9525" cap="flat" cmpd="sng" algn="ctr">
+            <a:solidFill>
+              <a:schemeClr val="dk1"/>
+            </a:solidFill>
+            <a:prstDash val="solid"/>
+            <a:round/>
+            <a:headEnd type="none" w="med" len="med"/>
+            <a:tailEnd type="arrow" w="med" len="med"/>
+          </a:ln>
+        </p:spPr>
+        <p:style>
+          <a:lnRef idx="0">
+            <a:scrgbClr r="0" g="0" b="0"/>
+          </a:lnRef>
+          <a:fillRef idx="0">
+            <a:scrgbClr r="0" g="0" b="0"/>
+          </a:fillRef>
+          <a:effectRef idx="0">
+            <a:scrgbClr r="0" g="0" b="0"/>
+          </a:effectRef>
+          <a:fontRef idx="minor">
+            <a:schemeClr val="tx1"/>
+          </a:fontRef>
+        </p:style>
+      </p:cxnSp>
+    </p:spTree>
+    <p:extLst>
+      <p:ext uri="{BB962C8B-B14F-4D97-AF65-F5344CB8AC3E}">
+        <p14:creationId xmlns:p14="http://schemas.microsoft.com/office/powerpoint/2010/main" val="2836170125"/>
+      </p:ext>
+    </p:extLst>
+  </p:cSld>
+  <p:clrMapOvr>
+    <a:masterClrMapping/>
+  </p:clrMapOvr>
+</p:sld>
+</file>
+
 <file path=ppt/theme/theme1.xml><?xml version="1.0" encoding="utf-8"?>
 <a:theme xmlns:a="http://schemas.openxmlformats.org/drawingml/2006/main" name="Office 主题">
   <a:themeElements>

--- a/output/paper0915/figure/Figures.pptx
+++ b/output/paper0915/figure/Figures.pptx
@@ -247,7 +247,7 @@
           <a:p>
             <a:fld id="{35C5FA2C-692F-48D1-A2F8-67B0244C0896}" type="datetimeFigureOut">
               <a:rPr lang="zh-CN" altLang="en-US" smtClean="0"/>
-              <a:t>2020/12/14</a:t>
+              <a:t>2020/12/22</a:t>
             </a:fld>
             <a:endParaRPr lang="zh-CN" altLang="en-US"/>
           </a:p>
@@ -415,7 +415,7 @@
           <a:p>
             <a:fld id="{35C5FA2C-692F-48D1-A2F8-67B0244C0896}" type="datetimeFigureOut">
               <a:rPr lang="zh-CN" altLang="en-US" smtClean="0"/>
-              <a:t>2020/12/14</a:t>
+              <a:t>2020/12/22</a:t>
             </a:fld>
             <a:endParaRPr lang="zh-CN" altLang="en-US"/>
           </a:p>
@@ -593,7 +593,7 @@
           <a:p>
             <a:fld id="{35C5FA2C-692F-48D1-A2F8-67B0244C0896}" type="datetimeFigureOut">
               <a:rPr lang="zh-CN" altLang="en-US" smtClean="0"/>
-              <a:t>2020/12/14</a:t>
+              <a:t>2020/12/22</a:t>
             </a:fld>
             <a:endParaRPr lang="zh-CN" altLang="en-US"/>
           </a:p>
@@ -761,7 +761,7 @@
           <a:p>
             <a:fld id="{35C5FA2C-692F-48D1-A2F8-67B0244C0896}" type="datetimeFigureOut">
               <a:rPr lang="zh-CN" altLang="en-US" smtClean="0"/>
-              <a:t>2020/12/14</a:t>
+              <a:t>2020/12/22</a:t>
             </a:fld>
             <a:endParaRPr lang="zh-CN" altLang="en-US"/>
           </a:p>
@@ -1006,7 +1006,7 @@
           <a:p>
             <a:fld id="{35C5FA2C-692F-48D1-A2F8-67B0244C0896}" type="datetimeFigureOut">
               <a:rPr lang="zh-CN" altLang="en-US" smtClean="0"/>
-              <a:t>2020/12/14</a:t>
+              <a:t>2020/12/22</a:t>
             </a:fld>
             <a:endParaRPr lang="zh-CN" altLang="en-US"/>
           </a:p>
@@ -1235,7 +1235,7 @@
           <a:p>
             <a:fld id="{35C5FA2C-692F-48D1-A2F8-67B0244C0896}" type="datetimeFigureOut">
               <a:rPr lang="zh-CN" altLang="en-US" smtClean="0"/>
-              <a:t>2020/12/14</a:t>
+              <a:t>2020/12/22</a:t>
             </a:fld>
             <a:endParaRPr lang="zh-CN" altLang="en-US"/>
           </a:p>
@@ -1599,7 +1599,7 @@
           <a:p>
             <a:fld id="{35C5FA2C-692F-48D1-A2F8-67B0244C0896}" type="datetimeFigureOut">
               <a:rPr lang="zh-CN" altLang="en-US" smtClean="0"/>
-              <a:t>2020/12/14</a:t>
+              <a:t>2020/12/22</a:t>
             </a:fld>
             <a:endParaRPr lang="zh-CN" altLang="en-US"/>
           </a:p>
@@ -1716,7 +1716,7 @@
           <a:p>
             <a:fld id="{35C5FA2C-692F-48D1-A2F8-67B0244C0896}" type="datetimeFigureOut">
               <a:rPr lang="zh-CN" altLang="en-US" smtClean="0"/>
-              <a:t>2020/12/14</a:t>
+              <a:t>2020/12/22</a:t>
             </a:fld>
             <a:endParaRPr lang="zh-CN" altLang="en-US"/>
           </a:p>
@@ -1811,7 +1811,7 @@
           <a:p>
             <a:fld id="{35C5FA2C-692F-48D1-A2F8-67B0244C0896}" type="datetimeFigureOut">
               <a:rPr lang="zh-CN" altLang="en-US" smtClean="0"/>
-              <a:t>2020/12/14</a:t>
+              <a:t>2020/12/22</a:t>
             </a:fld>
             <a:endParaRPr lang="zh-CN" altLang="en-US"/>
           </a:p>
@@ -2086,7 +2086,7 @@
           <a:p>
             <a:fld id="{35C5FA2C-692F-48D1-A2F8-67B0244C0896}" type="datetimeFigureOut">
               <a:rPr lang="zh-CN" altLang="en-US" smtClean="0"/>
-              <a:t>2020/12/14</a:t>
+              <a:t>2020/12/22</a:t>
             </a:fld>
             <a:endParaRPr lang="zh-CN" altLang="en-US"/>
           </a:p>
@@ -2338,7 +2338,7 @@
           <a:p>
             <a:fld id="{35C5FA2C-692F-48D1-A2F8-67B0244C0896}" type="datetimeFigureOut">
               <a:rPr lang="zh-CN" altLang="en-US" smtClean="0"/>
-              <a:t>2020/12/14</a:t>
+              <a:t>2020/12/22</a:t>
             </a:fld>
             <a:endParaRPr lang="zh-CN" altLang="en-US"/>
           </a:p>
@@ -2549,7 +2549,7 @@
           <a:p>
             <a:fld id="{35C5FA2C-692F-48D1-A2F8-67B0244C0896}" type="datetimeFigureOut">
               <a:rPr lang="zh-CN" altLang="en-US" smtClean="0"/>
-              <a:t>2020/12/14</a:t>
+              <a:t>2020/12/22</a:t>
             </a:fld>
             <a:endParaRPr lang="zh-CN" altLang="en-US"/>
           </a:p>
@@ -9128,10 +9128,10 @@
       </p:grpSpPr>
       <p:pic>
         <p:nvPicPr>
-          <p:cNvPr id="8" name="图片 7">
+          <p:cNvPr id="3" name="图片 2">
             <a:extLst>
               <a:ext uri="{FF2B5EF4-FFF2-40B4-BE49-F238E27FC236}">
-                <a16:creationId xmlns:a16="http://schemas.microsoft.com/office/drawing/2014/main" id="{8ADE2E22-7C9C-440F-9FED-1C70018C50E5}"/>
+                <a16:creationId xmlns:a16="http://schemas.microsoft.com/office/drawing/2014/main" id="{8F25978C-8657-4DF5-9B17-E00BCE8350FC}"/>
               </a:ext>
             </a:extLst>
           </p:cNvPr>
@@ -9154,8 +9154,8 @@
         </p:blipFill>
         <p:spPr>
           <a:xfrm>
-            <a:off x="3440674" y="1493258"/>
-            <a:ext cx="5310652" cy="5012386"/>
+            <a:off x="3465638" y="1447151"/>
+            <a:ext cx="5395291" cy="5096262"/>
           </a:xfrm>
           <a:prstGeom prst="rect">
             <a:avLst/>
@@ -9229,13 +9229,13 @@
           <p:nvPr>
             <p:extLst>
               <p:ext uri="{D42A27DB-BD31-4B8C-83A1-F6EECF244321}">
-                <p14:modId xmlns:p14="http://schemas.microsoft.com/office/powerpoint/2010/main" val="1880873614"/>
+                <p14:modId xmlns:p14="http://schemas.microsoft.com/office/powerpoint/2010/main" val="4176443668"/>
               </p:ext>
             </p:extLst>
           </p:nvPr>
         </p:nvGraphicFramePr>
         <p:xfrm>
-          <a:off x="8726363" y="2114025"/>
+          <a:off x="9623985" y="2072080"/>
           <a:ext cx="1709746" cy="2892244"/>
         </p:xfrm>
         <a:graphic>
@@ -9474,6 +9474,41 @@
           <a:chExt cx="0" cy="0"/>
         </a:xfrm>
       </p:grpSpPr>
+      <p:pic>
+        <p:nvPicPr>
+          <p:cNvPr id="4" name="图片 3">
+            <a:extLst>
+              <a:ext uri="{FF2B5EF4-FFF2-40B4-BE49-F238E27FC236}">
+                <a16:creationId xmlns:a16="http://schemas.microsoft.com/office/drawing/2014/main" id="{0CC67A13-4353-4C33-A755-7653D597E5C9}"/>
+              </a:ext>
+            </a:extLst>
+          </p:cNvPr>
+          <p:cNvPicPr>
+            <a:picLocks noChangeAspect="1"/>
+          </p:cNvPicPr>
+          <p:nvPr/>
+        </p:nvPicPr>
+        <p:blipFill rotWithShape="1">
+          <a:blip r:embed="rId2" cstate="print">
+            <a:extLst>
+              <a:ext uri="{28A0092B-C50C-407E-A947-70E740481C1C}">
+                <a14:useLocalDpi xmlns:a14="http://schemas.microsoft.com/office/drawing/2010/main" val="0"/>
+              </a:ext>
+            </a:extLst>
+          </a:blip>
+          <a:srcRect l="29072" t="27151" r="19788" b="25181"/>
+          <a:stretch/>
+        </p:blipFill>
+        <p:spPr>
+          <a:xfrm>
+            <a:off x="3493651" y="1936391"/>
+            <a:ext cx="2498161" cy="3297637"/>
+          </a:xfrm>
+          <a:prstGeom prst="rect">
+            <a:avLst/>
+          </a:prstGeom>
+        </p:spPr>
+      </p:pic>
       <p:grpSp>
         <p:nvGrpSpPr>
           <p:cNvPr id="15" name="组合 14">
@@ -9509,7 +9544,7 @@
             <p:nvPr/>
           </p:nvPicPr>
           <p:blipFill rotWithShape="1">
-            <a:blip r:embed="rId2" cstate="print">
+            <a:blip r:embed="rId3" cstate="print">
               <a:extLst>
                 <a:ext uri="{28A0092B-C50C-407E-A947-70E740481C1C}">
                   <a14:useLocalDpi xmlns:a14="http://schemas.microsoft.com/office/drawing/2010/main" val="0"/>
@@ -9621,7 +9656,7 @@
             <p:nvPr/>
           </p:nvPicPr>
           <p:blipFill rotWithShape="1">
-            <a:blip r:embed="rId3" cstate="print">
+            <a:blip r:embed="rId4" cstate="print">
               <a:extLst>
                 <a:ext uri="{28A0092B-C50C-407E-A947-70E740481C1C}">
                   <a14:useLocalDpi xmlns:a14="http://schemas.microsoft.com/office/drawing/2010/main" val="0"/>
@@ -9830,41 +9865,6 @@
           </a:p>
         </p:txBody>
       </p:sp>
-      <p:pic>
-        <p:nvPicPr>
-          <p:cNvPr id="77" name="图片 76">
-            <a:extLst>
-              <a:ext uri="{FF2B5EF4-FFF2-40B4-BE49-F238E27FC236}">
-                <a16:creationId xmlns:a16="http://schemas.microsoft.com/office/drawing/2014/main" id="{19A6CDD8-05F7-446B-BED0-C72461C51E9D}"/>
-              </a:ext>
-            </a:extLst>
-          </p:cNvPr>
-          <p:cNvPicPr>
-            <a:picLocks noChangeAspect="1"/>
-          </p:cNvPicPr>
-          <p:nvPr/>
-        </p:nvPicPr>
-        <p:blipFill rotWithShape="1">
-          <a:blip r:embed="rId4" cstate="print">
-            <a:extLst>
-              <a:ext uri="{28A0092B-C50C-407E-A947-70E740481C1C}">
-                <a14:useLocalDpi xmlns:a14="http://schemas.microsoft.com/office/drawing/2010/main" val="0"/>
-              </a:ext>
-            </a:extLst>
-          </a:blip>
-          <a:srcRect l="28443" t="26556" r="19316" b="24889"/>
-          <a:stretch/>
-        </p:blipFill>
-        <p:spPr>
-          <a:xfrm>
-            <a:off x="3434587" y="1862001"/>
-            <a:ext cx="2529840" cy="3329940"/>
-          </a:xfrm>
-          <a:prstGeom prst="rect">
-            <a:avLst/>
-          </a:prstGeom>
-        </p:spPr>
-      </p:pic>
       <p:cxnSp>
         <p:nvCxnSpPr>
           <p:cNvPr id="42" name="直接连接符 41">

--- a/output/paper0915/figure/Figures.pptx
+++ b/output/paper0915/figure/Figures.pptx
@@ -5,13 +5,13 @@
     <p:sldMasterId id="2147483648" r:id="rId1"/>
   </p:sldMasterIdLst>
   <p:sldIdLst>
-    <p:sldId id="261" r:id="rId2"/>
-    <p:sldId id="260" r:id="rId3"/>
-    <p:sldId id="263" r:id="rId4"/>
-    <p:sldId id="256" r:id="rId5"/>
-    <p:sldId id="259" r:id="rId6"/>
-    <p:sldId id="262" r:id="rId7"/>
-    <p:sldId id="264" r:id="rId8"/>
+    <p:sldId id="260" r:id="rId2"/>
+    <p:sldId id="264" r:id="rId3"/>
+    <p:sldId id="261" r:id="rId4"/>
+    <p:sldId id="263" r:id="rId5"/>
+    <p:sldId id="256" r:id="rId6"/>
+    <p:sldId id="259" r:id="rId7"/>
+    <p:sldId id="262" r:id="rId8"/>
   </p:sldIdLst>
   <p:sldSz cx="12192000" cy="6858000"/>
   <p:notesSz cx="6858000" cy="9144000"/>
@@ -247,7 +247,7 @@
           <a:p>
             <a:fld id="{35C5FA2C-692F-48D1-A2F8-67B0244C0896}" type="datetimeFigureOut">
               <a:rPr lang="zh-CN" altLang="en-US" smtClean="0"/>
-              <a:t>2020/12/22</a:t>
+              <a:t>2020/12/30</a:t>
             </a:fld>
             <a:endParaRPr lang="zh-CN" altLang="en-US"/>
           </a:p>
@@ -415,7 +415,7 @@
           <a:p>
             <a:fld id="{35C5FA2C-692F-48D1-A2F8-67B0244C0896}" type="datetimeFigureOut">
               <a:rPr lang="zh-CN" altLang="en-US" smtClean="0"/>
-              <a:t>2020/12/22</a:t>
+              <a:t>2020/12/30</a:t>
             </a:fld>
             <a:endParaRPr lang="zh-CN" altLang="en-US"/>
           </a:p>
@@ -593,7 +593,7 @@
           <a:p>
             <a:fld id="{35C5FA2C-692F-48D1-A2F8-67B0244C0896}" type="datetimeFigureOut">
               <a:rPr lang="zh-CN" altLang="en-US" smtClean="0"/>
-              <a:t>2020/12/22</a:t>
+              <a:t>2020/12/30</a:t>
             </a:fld>
             <a:endParaRPr lang="zh-CN" altLang="en-US"/>
           </a:p>
@@ -761,7 +761,7 @@
           <a:p>
             <a:fld id="{35C5FA2C-692F-48D1-A2F8-67B0244C0896}" type="datetimeFigureOut">
               <a:rPr lang="zh-CN" altLang="en-US" smtClean="0"/>
-              <a:t>2020/12/22</a:t>
+              <a:t>2020/12/30</a:t>
             </a:fld>
             <a:endParaRPr lang="zh-CN" altLang="en-US"/>
           </a:p>
@@ -1006,7 +1006,7 @@
           <a:p>
             <a:fld id="{35C5FA2C-692F-48D1-A2F8-67B0244C0896}" type="datetimeFigureOut">
               <a:rPr lang="zh-CN" altLang="en-US" smtClean="0"/>
-              <a:t>2020/12/22</a:t>
+              <a:t>2020/12/30</a:t>
             </a:fld>
             <a:endParaRPr lang="zh-CN" altLang="en-US"/>
           </a:p>
@@ -1235,7 +1235,7 @@
           <a:p>
             <a:fld id="{35C5FA2C-692F-48D1-A2F8-67B0244C0896}" type="datetimeFigureOut">
               <a:rPr lang="zh-CN" altLang="en-US" smtClean="0"/>
-              <a:t>2020/12/22</a:t>
+              <a:t>2020/12/30</a:t>
             </a:fld>
             <a:endParaRPr lang="zh-CN" altLang="en-US"/>
           </a:p>
@@ -1599,7 +1599,7 @@
           <a:p>
             <a:fld id="{35C5FA2C-692F-48D1-A2F8-67B0244C0896}" type="datetimeFigureOut">
               <a:rPr lang="zh-CN" altLang="en-US" smtClean="0"/>
-              <a:t>2020/12/22</a:t>
+              <a:t>2020/12/30</a:t>
             </a:fld>
             <a:endParaRPr lang="zh-CN" altLang="en-US"/>
           </a:p>
@@ -1716,7 +1716,7 @@
           <a:p>
             <a:fld id="{35C5FA2C-692F-48D1-A2F8-67B0244C0896}" type="datetimeFigureOut">
               <a:rPr lang="zh-CN" altLang="en-US" smtClean="0"/>
-              <a:t>2020/12/22</a:t>
+              <a:t>2020/12/30</a:t>
             </a:fld>
             <a:endParaRPr lang="zh-CN" altLang="en-US"/>
           </a:p>
@@ -1811,7 +1811,7 @@
           <a:p>
             <a:fld id="{35C5FA2C-692F-48D1-A2F8-67B0244C0896}" type="datetimeFigureOut">
               <a:rPr lang="zh-CN" altLang="en-US" smtClean="0"/>
-              <a:t>2020/12/22</a:t>
+              <a:t>2020/12/30</a:t>
             </a:fld>
             <a:endParaRPr lang="zh-CN" altLang="en-US"/>
           </a:p>
@@ -2086,7 +2086,7 @@
           <a:p>
             <a:fld id="{35C5FA2C-692F-48D1-A2F8-67B0244C0896}" type="datetimeFigureOut">
               <a:rPr lang="zh-CN" altLang="en-US" smtClean="0"/>
-              <a:t>2020/12/22</a:t>
+              <a:t>2020/12/30</a:t>
             </a:fld>
             <a:endParaRPr lang="zh-CN" altLang="en-US"/>
           </a:p>
@@ -2338,7 +2338,7 @@
           <a:p>
             <a:fld id="{35C5FA2C-692F-48D1-A2F8-67B0244C0896}" type="datetimeFigureOut">
               <a:rPr lang="zh-CN" altLang="en-US" smtClean="0"/>
-              <a:t>2020/12/22</a:t>
+              <a:t>2020/12/30</a:t>
             </a:fld>
             <a:endParaRPr lang="zh-CN" altLang="en-US"/>
           </a:p>
@@ -2549,7 +2549,7 @@
           <a:p>
             <a:fld id="{35C5FA2C-692F-48D1-A2F8-67B0244C0896}" type="datetimeFigureOut">
               <a:rPr lang="zh-CN" altLang="en-US" smtClean="0"/>
-              <a:t>2020/12/22</a:t>
+              <a:t>2020/12/30</a:t>
             </a:fld>
             <a:endParaRPr lang="zh-CN" altLang="en-US"/>
           </a:p>
@@ -2956,1197 +2956,6 @@
       </p:grpSpPr>
       <p:sp>
         <p:nvSpPr>
-          <p:cNvPr id="2" name="圆角矩形 1"/>
-          <p:cNvSpPr/>
-          <p:nvPr/>
-        </p:nvSpPr>
-        <p:spPr>
-          <a:xfrm>
-            <a:off x="3469715" y="224444"/>
-            <a:ext cx="4142738" cy="6384175"/>
-          </a:xfrm>
-          <a:prstGeom prst="roundRect">
-            <a:avLst/>
-          </a:prstGeom>
-          <a:solidFill>
-            <a:schemeClr val="accent2">
-              <a:lumMod val="20000"/>
-              <a:lumOff val="80000"/>
-            </a:schemeClr>
-          </a:solidFill>
-          <a:ln>
-            <a:noFill/>
-          </a:ln>
-        </p:spPr>
-        <p:style>
-          <a:lnRef idx="2">
-            <a:schemeClr val="accent1">
-              <a:shade val="50000"/>
-            </a:schemeClr>
-          </a:lnRef>
-          <a:fillRef idx="1">
-            <a:schemeClr val="accent1"/>
-          </a:fillRef>
-          <a:effectRef idx="0">
-            <a:schemeClr val="accent1"/>
-          </a:effectRef>
-          <a:fontRef idx="minor">
-            <a:schemeClr val="lt1"/>
-          </a:fontRef>
-        </p:style>
-        <p:txBody>
-          <a:bodyPr rtlCol="0" anchor="ctr"/>
-          <a:lstStyle/>
-          <a:p>
-            <a:pPr algn="ctr"/>
-            <a:endParaRPr lang="zh-CN" altLang="en-US"/>
-          </a:p>
-        </p:txBody>
-      </p:sp>
-      <p:sp>
-        <p:nvSpPr>
-          <p:cNvPr id="4" name="文本框 3"/>
-          <p:cNvSpPr txBox="1"/>
-          <p:nvPr/>
-        </p:nvSpPr>
-        <p:spPr>
-          <a:xfrm>
-            <a:off x="1119676" y="732925"/>
-            <a:ext cx="2659360" cy="646331"/>
-          </a:xfrm>
-          <a:prstGeom prst="rect">
-            <a:avLst/>
-          </a:prstGeom>
-          <a:solidFill>
-            <a:schemeClr val="accent1">
-              <a:lumMod val="20000"/>
-              <a:lumOff val="80000"/>
-            </a:schemeClr>
-          </a:solidFill>
-        </p:spPr>
-        <p:txBody>
-          <a:bodyPr wrap="square" rtlCol="0">
-            <a:spAutoFit/>
-          </a:bodyPr>
-          <a:lstStyle/>
-          <a:p>
-            <a:pPr algn="ctr"/>
-            <a:r>
-              <a:rPr lang="en-US" altLang="zh-CN" dirty="0"/>
-              <a:t>Focus on decision relevance</a:t>
-            </a:r>
-            <a:endParaRPr lang="zh-CN" altLang="en-US" dirty="0"/>
-          </a:p>
-        </p:txBody>
-      </p:sp>
-      <p:sp>
-        <p:nvSpPr>
-          <p:cNvPr id="5" name="文本框 4"/>
-          <p:cNvSpPr txBox="1"/>
-          <p:nvPr/>
-        </p:nvSpPr>
-        <p:spPr>
-          <a:xfrm>
-            <a:off x="1112400" y="1994823"/>
-            <a:ext cx="2570562" cy="369332"/>
-          </a:xfrm>
-          <a:prstGeom prst="rect">
-            <a:avLst/>
-          </a:prstGeom>
-          <a:solidFill>
-            <a:schemeClr val="accent1">
-              <a:lumMod val="20000"/>
-              <a:lumOff val="80000"/>
-            </a:schemeClr>
-          </a:solidFill>
-        </p:spPr>
-        <p:txBody>
-          <a:bodyPr wrap="square" rtlCol="0">
-            <a:spAutoFit/>
-          </a:bodyPr>
-          <a:lstStyle/>
-          <a:p>
-            <a:pPr algn="ctr"/>
-            <a:r>
-              <a:rPr lang="en-US" altLang="zh-CN" dirty="0"/>
-              <a:t>Re-parameterization</a:t>
-            </a:r>
-            <a:endParaRPr lang="zh-CN" altLang="en-US" dirty="0"/>
-          </a:p>
-        </p:txBody>
-      </p:sp>
-      <p:sp>
-        <p:nvSpPr>
-          <p:cNvPr id="6" name="文本框 5"/>
-          <p:cNvSpPr txBox="1"/>
-          <p:nvPr/>
-        </p:nvSpPr>
-        <p:spPr>
-          <a:xfrm>
-            <a:off x="1062617" y="3823130"/>
-            <a:ext cx="2637597" cy="646331"/>
-          </a:xfrm>
-          <a:prstGeom prst="rect">
-            <a:avLst/>
-          </a:prstGeom>
-          <a:solidFill>
-            <a:schemeClr val="accent1">
-              <a:lumMod val="20000"/>
-              <a:lumOff val="80000"/>
-            </a:schemeClr>
-          </a:solidFill>
-        </p:spPr>
-        <p:txBody>
-          <a:bodyPr wrap="square" rtlCol="0">
-            <a:spAutoFit/>
-          </a:bodyPr>
-          <a:lstStyle/>
-          <a:p>
-            <a:pPr algn="ctr"/>
-            <a:r>
-              <a:rPr lang="en-US" altLang="zh-CN" dirty="0"/>
-              <a:t>Adaptive evaluation and robustness assessment</a:t>
-            </a:r>
-            <a:endParaRPr lang="zh-CN" altLang="en-US" dirty="0"/>
-          </a:p>
-        </p:txBody>
-      </p:sp>
-      <p:sp>
-        <p:nvSpPr>
-          <p:cNvPr id="7" name="文本框 6"/>
-          <p:cNvSpPr txBox="1"/>
-          <p:nvPr/>
-        </p:nvSpPr>
-        <p:spPr>
-          <a:xfrm>
-            <a:off x="1093734" y="5514710"/>
-            <a:ext cx="2637597" cy="646331"/>
-          </a:xfrm>
-          <a:prstGeom prst="rect">
-            <a:avLst/>
-          </a:prstGeom>
-          <a:solidFill>
-            <a:schemeClr val="accent1">
-              <a:lumMod val="20000"/>
-              <a:lumOff val="80000"/>
-            </a:schemeClr>
-          </a:solidFill>
-        </p:spPr>
-        <p:txBody>
-          <a:bodyPr wrap="square" rtlCol="0">
-            <a:spAutoFit/>
-          </a:bodyPr>
-          <a:lstStyle/>
-          <a:p>
-            <a:pPr algn="ctr"/>
-            <a:r>
-              <a:rPr lang="en-US" altLang="zh-CN" dirty="0"/>
-              <a:t>Reconsider whether fixing is necessary</a:t>
-            </a:r>
-            <a:endParaRPr lang="zh-CN" altLang="en-US" dirty="0"/>
-          </a:p>
-        </p:txBody>
-      </p:sp>
-      <p:sp>
-        <p:nvSpPr>
-          <p:cNvPr id="11" name="文本框 10"/>
-          <p:cNvSpPr txBox="1"/>
-          <p:nvPr/>
-        </p:nvSpPr>
-        <p:spPr>
-          <a:xfrm>
-            <a:off x="3686738" y="413493"/>
-            <a:ext cx="3708693" cy="1231106"/>
-          </a:xfrm>
-          <a:prstGeom prst="rect">
-            <a:avLst/>
-          </a:prstGeom>
-          <a:solidFill>
-            <a:schemeClr val="bg1">
-              <a:lumMod val="95000"/>
-            </a:schemeClr>
-          </a:solidFill>
-        </p:spPr>
-        <p:txBody>
-          <a:bodyPr wrap="square" rtlCol="0">
-            <a:spAutoFit/>
-          </a:bodyPr>
-          <a:lstStyle/>
-          <a:p>
-            <a:pPr algn="ctr"/>
-            <a:r>
-              <a:rPr lang="en-US" altLang="zh-CN" dirty="0"/>
-              <a:t>Experiment plan</a:t>
-            </a:r>
-          </a:p>
-          <a:p>
-            <a:pPr marL="285750" indent="-285750">
-              <a:buFont typeface="Arial" panose="020B0604020202020204" pitchFamily="34" charset="0"/>
-              <a:buChar char="•"/>
-            </a:pPr>
-            <a:r>
-              <a:rPr lang="en-US" altLang="zh-CN" sz="1400" dirty="0"/>
-              <a:t>Fix parameters at average values of parameter distributions</a:t>
-            </a:r>
-          </a:p>
-          <a:p>
-            <a:pPr marL="285750" indent="-285750">
-              <a:buFont typeface="Arial" panose="020B0604020202020204" pitchFamily="34" charset="0"/>
-              <a:buChar char="•"/>
-            </a:pPr>
-            <a:r>
-              <a:rPr lang="en-US" altLang="zh-CN" sz="1400" dirty="0"/>
-              <a:t>Potential options of error measures used for measuring uncertainty</a:t>
-            </a:r>
-          </a:p>
-        </p:txBody>
-      </p:sp>
-      <p:sp>
-        <p:nvSpPr>
-          <p:cNvPr id="28" name="文本框 27"/>
-          <p:cNvSpPr txBox="1"/>
-          <p:nvPr/>
-        </p:nvSpPr>
-        <p:spPr>
-          <a:xfrm>
-            <a:off x="3686738" y="1781694"/>
-            <a:ext cx="3708693" cy="738664"/>
-          </a:xfrm>
-          <a:prstGeom prst="rect">
-            <a:avLst/>
-          </a:prstGeom>
-          <a:solidFill>
-            <a:schemeClr val="bg1">
-              <a:lumMod val="95000"/>
-            </a:schemeClr>
-          </a:solidFill>
-        </p:spPr>
-        <p:txBody>
-          <a:bodyPr wrap="square" rtlCol="0">
-            <a:spAutoFit/>
-          </a:bodyPr>
-          <a:lstStyle/>
-          <a:p>
-            <a:pPr marL="285750" indent="-285750">
-              <a:buFont typeface="Arial" panose="020B0604020202020204" pitchFamily="34" charset="0"/>
-              <a:buChar char="•"/>
-            </a:pPr>
-            <a:r>
-              <a:rPr lang="en-US" altLang="zh-CN" sz="1400" dirty="0"/>
-              <a:t>Identify multiplicative parameter relationships</a:t>
-            </a:r>
-          </a:p>
-          <a:p>
-            <a:pPr marL="285750" indent="-285750">
-              <a:buFont typeface="Arial" panose="020B0604020202020204" pitchFamily="34" charset="0"/>
-              <a:buChar char="•"/>
-            </a:pPr>
-            <a:r>
-              <a:rPr lang="en-US" altLang="zh-CN" sz="1400" dirty="0"/>
-              <a:t>Adjust parameter ranges and distributions</a:t>
-            </a:r>
-          </a:p>
-        </p:txBody>
-      </p:sp>
-      <p:sp>
-        <p:nvSpPr>
-          <p:cNvPr id="29" name="文本框 28"/>
-          <p:cNvSpPr txBox="1"/>
-          <p:nvPr/>
-        </p:nvSpPr>
-        <p:spPr>
-          <a:xfrm>
-            <a:off x="3698815" y="3297256"/>
-            <a:ext cx="3684539" cy="1661993"/>
-          </a:xfrm>
-          <a:prstGeom prst="rect">
-            <a:avLst/>
-          </a:prstGeom>
-          <a:solidFill>
-            <a:schemeClr val="bg1">
-              <a:lumMod val="95000"/>
-            </a:schemeClr>
-          </a:solidFill>
-        </p:spPr>
-        <p:txBody>
-          <a:bodyPr wrap="square" rtlCol="0">
-            <a:spAutoFit/>
-          </a:bodyPr>
-          <a:lstStyle/>
-          <a:p>
-            <a:pPr algn="ctr"/>
-            <a:r>
-              <a:rPr lang="en-US" altLang="zh-CN" dirty="0"/>
-              <a:t>Adaptive FF</a:t>
-            </a:r>
-          </a:p>
-          <a:p>
-            <a:pPr marL="285750" indent="-285750">
-              <a:buFont typeface="Arial" panose="020B0604020202020204" pitchFamily="34" charset="0"/>
-              <a:buChar char="•"/>
-            </a:pPr>
-            <a:r>
-              <a:rPr lang="en-US" altLang="zh-CN" sz="1400" dirty="0"/>
-              <a:t>Adaptive PCE based GSA and uncertainty-based parameter ranking</a:t>
-            </a:r>
-          </a:p>
-          <a:p>
-            <a:pPr marL="285750" indent="-285750">
-              <a:buFont typeface="Arial" panose="020B0604020202020204" pitchFamily="34" charset="0"/>
-              <a:buChar char="•"/>
-            </a:pPr>
-            <a:r>
-              <a:rPr lang="en-US" altLang="zh-CN" sz="1400" dirty="0"/>
-              <a:t>Approximate the error with a small sample size</a:t>
-            </a:r>
-          </a:p>
-          <a:p>
-            <a:pPr marL="285750" indent="-285750">
-              <a:buFont typeface="Arial" panose="020B0604020202020204" pitchFamily="34" charset="0"/>
-              <a:buChar char="•"/>
-            </a:pPr>
-            <a:r>
-              <a:rPr lang="en-US" altLang="zh-CN" sz="1400" dirty="0"/>
-              <a:t>Identify important parameters for varying and potential parameters to fix</a:t>
-            </a:r>
-          </a:p>
-        </p:txBody>
-      </p:sp>
-      <p:sp>
-        <p:nvSpPr>
-          <p:cNvPr id="30" name="文本框 29"/>
-          <p:cNvSpPr txBox="1"/>
-          <p:nvPr/>
-        </p:nvSpPr>
-        <p:spPr>
-          <a:xfrm>
-            <a:off x="3698815" y="5089322"/>
-            <a:ext cx="3684539" cy="1292662"/>
-          </a:xfrm>
-          <a:prstGeom prst="rect">
-            <a:avLst/>
-          </a:prstGeom>
-          <a:solidFill>
-            <a:schemeClr val="bg1">
-              <a:lumMod val="95000"/>
-            </a:schemeClr>
-          </a:solidFill>
-        </p:spPr>
-        <p:txBody>
-          <a:bodyPr wrap="square" rtlCol="0">
-            <a:spAutoFit/>
-          </a:bodyPr>
-          <a:lstStyle/>
-          <a:p>
-            <a:pPr algn="ctr"/>
-            <a:r>
-              <a:rPr lang="en-US" altLang="zh-CN" dirty="0"/>
-              <a:t> Robustness analysis of error measures</a:t>
-            </a:r>
-          </a:p>
-          <a:p>
-            <a:pPr marL="285750" indent="-285750">
-              <a:buFont typeface="Arial" panose="020B0604020202020204" pitchFamily="34" charset="0"/>
-              <a:buChar char="•"/>
-            </a:pPr>
-            <a:r>
-              <a:rPr lang="en-US" altLang="zh-CN" sz="1400" dirty="0"/>
-              <a:t>Increase sample size to assess the reliability of results</a:t>
-            </a:r>
-          </a:p>
-          <a:p>
-            <a:pPr marL="285750" indent="-285750">
-              <a:buFont typeface="Arial" panose="020B0604020202020204" pitchFamily="34" charset="0"/>
-              <a:buChar char="•"/>
-            </a:pPr>
-            <a:r>
-              <a:rPr lang="en-US" altLang="zh-CN" sz="1400" dirty="0"/>
-              <a:t>Reflection on FF and the next step</a:t>
-            </a:r>
-          </a:p>
-        </p:txBody>
-      </p:sp>
-      <p:sp>
-        <p:nvSpPr>
-          <p:cNvPr id="35" name="下弧形箭头 34"/>
-          <p:cNvSpPr/>
-          <p:nvPr/>
-        </p:nvSpPr>
-        <p:spPr>
-          <a:xfrm rot="16200000">
-            <a:off x="6742475" y="4153658"/>
-            <a:ext cx="1219483" cy="291376"/>
-          </a:xfrm>
-          <a:prstGeom prst="curvedUpArrow">
-            <a:avLst/>
-          </a:prstGeom>
-        </p:spPr>
-        <p:style>
-          <a:lnRef idx="2">
-            <a:schemeClr val="accent1">
-              <a:shade val="50000"/>
-            </a:schemeClr>
-          </a:lnRef>
-          <a:fillRef idx="1">
-            <a:schemeClr val="accent1"/>
-          </a:fillRef>
-          <a:effectRef idx="0">
-            <a:schemeClr val="accent1"/>
-          </a:effectRef>
-          <a:fontRef idx="minor">
-            <a:schemeClr val="lt1"/>
-          </a:fontRef>
-        </p:style>
-        <p:txBody>
-          <a:bodyPr rtlCol="0" anchor="ctr"/>
-          <a:lstStyle/>
-          <a:p>
-            <a:pPr algn="ctr"/>
-            <a:endParaRPr lang="zh-CN" altLang="en-US">
-              <a:solidFill>
-                <a:schemeClr val="tx1"/>
-              </a:solidFill>
-            </a:endParaRPr>
-          </a:p>
-        </p:txBody>
-      </p:sp>
-      <p:sp>
-        <p:nvSpPr>
-          <p:cNvPr id="37" name="左弧形箭头 36"/>
-          <p:cNvSpPr/>
-          <p:nvPr/>
-        </p:nvSpPr>
-        <p:spPr>
-          <a:xfrm flipV="1">
-            <a:off x="436957" y="1034257"/>
-            <a:ext cx="667679" cy="4701396"/>
-          </a:xfrm>
-          <a:prstGeom prst="curvedRightArrow">
-            <a:avLst/>
-          </a:prstGeom>
-        </p:spPr>
-        <p:style>
-          <a:lnRef idx="2">
-            <a:schemeClr val="accent1">
-              <a:shade val="50000"/>
-            </a:schemeClr>
-          </a:lnRef>
-          <a:fillRef idx="1">
-            <a:schemeClr val="accent1"/>
-          </a:fillRef>
-          <a:effectRef idx="0">
-            <a:schemeClr val="accent1"/>
-          </a:effectRef>
-          <a:fontRef idx="minor">
-            <a:schemeClr val="lt1"/>
-          </a:fontRef>
-        </p:style>
-        <p:txBody>
-          <a:bodyPr rtlCol="0" anchor="ctr"/>
-          <a:lstStyle/>
-          <a:p>
-            <a:pPr algn="ctr"/>
-            <a:endParaRPr lang="zh-CN" altLang="en-US">
-              <a:solidFill>
-                <a:schemeClr val="tx1"/>
-              </a:solidFill>
-            </a:endParaRPr>
-          </a:p>
-        </p:txBody>
-      </p:sp>
-      <p:sp>
-        <p:nvSpPr>
-          <p:cNvPr id="18" name="文本框 17"/>
-          <p:cNvSpPr txBox="1"/>
-          <p:nvPr/>
-        </p:nvSpPr>
-        <p:spPr>
-          <a:xfrm>
-            <a:off x="3686738" y="2658127"/>
-            <a:ext cx="3708693" cy="523220"/>
-          </a:xfrm>
-          <a:prstGeom prst="rect">
-            <a:avLst/>
-          </a:prstGeom>
-          <a:solidFill>
-            <a:schemeClr val="bg1">
-              <a:lumMod val="95000"/>
-            </a:schemeClr>
-          </a:solidFill>
-        </p:spPr>
-        <p:txBody>
-          <a:bodyPr wrap="square" rtlCol="0">
-            <a:spAutoFit/>
-          </a:bodyPr>
-          <a:lstStyle/>
-          <a:p>
-            <a:pPr marL="285750" indent="-285750">
-              <a:buFont typeface="Arial" panose="020B0604020202020204" pitchFamily="34" charset="0"/>
-              <a:buChar char="•"/>
-            </a:pPr>
-            <a:r>
-              <a:rPr lang="en-US" altLang="zh-CN" sz="1400" dirty="0"/>
-              <a:t>Run the model to generate samples for calibrating PCE</a:t>
-            </a:r>
-          </a:p>
-        </p:txBody>
-      </p:sp>
-      <p:sp>
-        <p:nvSpPr>
-          <p:cNvPr id="10" name="下箭头 9"/>
-          <p:cNvSpPr/>
-          <p:nvPr/>
-        </p:nvSpPr>
-        <p:spPr>
-          <a:xfrm>
-            <a:off x="5461081" y="1672750"/>
-            <a:ext cx="160006" cy="113061"/>
-          </a:xfrm>
-          <a:prstGeom prst="downArrow">
-            <a:avLst/>
-          </a:prstGeom>
-        </p:spPr>
-        <p:style>
-          <a:lnRef idx="2">
-            <a:schemeClr val="accent1">
-              <a:shade val="50000"/>
-            </a:schemeClr>
-          </a:lnRef>
-          <a:fillRef idx="1">
-            <a:schemeClr val="accent1"/>
-          </a:fillRef>
-          <a:effectRef idx="0">
-            <a:schemeClr val="accent1"/>
-          </a:effectRef>
-          <a:fontRef idx="minor">
-            <a:schemeClr val="lt1"/>
-          </a:fontRef>
-        </p:style>
-        <p:txBody>
-          <a:bodyPr rtlCol="0" anchor="ctr"/>
-          <a:lstStyle/>
-          <a:p>
-            <a:pPr algn="ctr"/>
-            <a:endParaRPr lang="zh-CN" altLang="en-US" dirty="0"/>
-          </a:p>
-        </p:txBody>
-      </p:sp>
-      <p:sp>
-        <p:nvSpPr>
-          <p:cNvPr id="21" name="下箭头 20"/>
-          <p:cNvSpPr/>
-          <p:nvPr/>
-        </p:nvSpPr>
-        <p:spPr>
-          <a:xfrm>
-            <a:off x="5461081" y="2537932"/>
-            <a:ext cx="160006" cy="113061"/>
-          </a:xfrm>
-          <a:prstGeom prst="downArrow">
-            <a:avLst/>
-          </a:prstGeom>
-        </p:spPr>
-        <p:style>
-          <a:lnRef idx="2">
-            <a:schemeClr val="accent1">
-              <a:shade val="50000"/>
-            </a:schemeClr>
-          </a:lnRef>
-          <a:fillRef idx="1">
-            <a:schemeClr val="accent1"/>
-          </a:fillRef>
-          <a:effectRef idx="0">
-            <a:schemeClr val="accent1"/>
-          </a:effectRef>
-          <a:fontRef idx="minor">
-            <a:schemeClr val="lt1"/>
-          </a:fontRef>
-        </p:style>
-        <p:txBody>
-          <a:bodyPr rtlCol="0" anchor="ctr"/>
-          <a:lstStyle/>
-          <a:p>
-            <a:pPr algn="ctr"/>
-            <a:endParaRPr lang="zh-CN" altLang="en-US"/>
-          </a:p>
-        </p:txBody>
-      </p:sp>
-      <p:sp>
-        <p:nvSpPr>
-          <p:cNvPr id="22" name="下箭头 21"/>
-          <p:cNvSpPr/>
-          <p:nvPr/>
-        </p:nvSpPr>
-        <p:spPr>
-          <a:xfrm>
-            <a:off x="5461081" y="3177445"/>
-            <a:ext cx="160006" cy="113061"/>
-          </a:xfrm>
-          <a:prstGeom prst="downArrow">
-            <a:avLst/>
-          </a:prstGeom>
-        </p:spPr>
-        <p:style>
-          <a:lnRef idx="2">
-            <a:schemeClr val="accent1">
-              <a:shade val="50000"/>
-            </a:schemeClr>
-          </a:lnRef>
-          <a:fillRef idx="1">
-            <a:schemeClr val="accent1"/>
-          </a:fillRef>
-          <a:effectRef idx="0">
-            <a:schemeClr val="accent1"/>
-          </a:effectRef>
-          <a:fontRef idx="minor">
-            <a:schemeClr val="lt1"/>
-          </a:fontRef>
-        </p:style>
-        <p:txBody>
-          <a:bodyPr rtlCol="0" anchor="ctr"/>
-          <a:lstStyle/>
-          <a:p>
-            <a:pPr algn="ctr"/>
-            <a:endParaRPr lang="zh-CN" altLang="en-US"/>
-          </a:p>
-        </p:txBody>
-      </p:sp>
-      <p:sp>
-        <p:nvSpPr>
-          <p:cNvPr id="23" name="下箭头 22"/>
-          <p:cNvSpPr/>
-          <p:nvPr/>
-        </p:nvSpPr>
-        <p:spPr>
-          <a:xfrm>
-            <a:off x="5461081" y="4964537"/>
-            <a:ext cx="160006" cy="113061"/>
-          </a:xfrm>
-          <a:prstGeom prst="downArrow">
-            <a:avLst/>
-          </a:prstGeom>
-        </p:spPr>
-        <p:style>
-          <a:lnRef idx="2">
-            <a:schemeClr val="accent1">
-              <a:shade val="50000"/>
-            </a:schemeClr>
-          </a:lnRef>
-          <a:fillRef idx="1">
-            <a:schemeClr val="accent1"/>
-          </a:fillRef>
-          <a:effectRef idx="0">
-            <a:schemeClr val="accent1"/>
-          </a:effectRef>
-          <a:fontRef idx="minor">
-            <a:schemeClr val="lt1"/>
-          </a:fontRef>
-        </p:style>
-        <p:txBody>
-          <a:bodyPr rtlCol="0" anchor="ctr"/>
-          <a:lstStyle/>
-          <a:p>
-            <a:pPr algn="ctr"/>
-            <a:endParaRPr lang="zh-CN" altLang="en-US"/>
-          </a:p>
-        </p:txBody>
-      </p:sp>
-      <p:sp>
-        <p:nvSpPr>
-          <p:cNvPr id="3" name="文本框 2"/>
-          <p:cNvSpPr txBox="1"/>
-          <p:nvPr/>
-        </p:nvSpPr>
-        <p:spPr>
-          <a:xfrm>
-            <a:off x="7612453" y="2093263"/>
-            <a:ext cx="4004814" cy="523220"/>
-          </a:xfrm>
-          <a:prstGeom prst="rect">
-            <a:avLst/>
-          </a:prstGeom>
-          <a:noFill/>
-        </p:spPr>
-        <p:txBody>
-          <a:bodyPr wrap="none" rtlCol="0">
-            <a:spAutoFit/>
-          </a:bodyPr>
-          <a:lstStyle/>
-          <a:p>
-            <a:pPr marL="285750" indent="-285750">
-              <a:buFont typeface="Wingdings" panose="05000000000000000000" pitchFamily="2" charset="2"/>
-              <a:buChar char="q"/>
-            </a:pPr>
-            <a:r>
-              <a:rPr lang="en-US" altLang="zh-CN" sz="1400" dirty="0"/>
-              <a:t>Section 5.1</a:t>
-            </a:r>
-          </a:p>
-          <a:p>
-            <a:r>
-              <a:rPr lang="en-US" altLang="zh-CN" sz="1400" dirty="0"/>
-              <a:t>PCE validation with effect of parameter distributions</a:t>
-            </a:r>
-          </a:p>
-        </p:txBody>
-      </p:sp>
-      <p:sp>
-        <p:nvSpPr>
-          <p:cNvPr id="8" name="文本框 7"/>
-          <p:cNvSpPr txBox="1"/>
-          <p:nvPr/>
-        </p:nvSpPr>
-        <p:spPr>
-          <a:xfrm>
-            <a:off x="7612452" y="2591372"/>
-            <a:ext cx="3997569" cy="523220"/>
-          </a:xfrm>
-          <a:prstGeom prst="rect">
-            <a:avLst/>
-          </a:prstGeom>
-          <a:noFill/>
-        </p:spPr>
-        <p:txBody>
-          <a:bodyPr wrap="none" rtlCol="0">
-            <a:spAutoFit/>
-          </a:bodyPr>
-          <a:lstStyle/>
-          <a:p>
-            <a:pPr marL="285750" indent="-285750">
-              <a:buFont typeface="Wingdings" panose="05000000000000000000" pitchFamily="2" charset="2"/>
-              <a:buChar char="q"/>
-            </a:pPr>
-            <a:r>
-              <a:rPr lang="en-US" altLang="zh-CN" sz="1400" dirty="0"/>
-              <a:t>Section 5.2</a:t>
-            </a:r>
-          </a:p>
-          <a:p>
-            <a:r>
-              <a:rPr lang="en-US" altLang="zh-CN" sz="1400" dirty="0"/>
-              <a:t>Effect of parameter distributions on sensitivity index</a:t>
-            </a:r>
-            <a:endParaRPr lang="zh-CN" altLang="en-US" sz="1400" dirty="0"/>
-          </a:p>
-        </p:txBody>
-      </p:sp>
-      <p:sp>
-        <p:nvSpPr>
-          <p:cNvPr id="9" name="文本框 8"/>
-          <p:cNvSpPr txBox="1"/>
-          <p:nvPr/>
-        </p:nvSpPr>
-        <p:spPr>
-          <a:xfrm>
-            <a:off x="7617030" y="3876213"/>
-            <a:ext cx="3812969" cy="738664"/>
-          </a:xfrm>
-          <a:prstGeom prst="rect">
-            <a:avLst/>
-          </a:prstGeom>
-          <a:noFill/>
-        </p:spPr>
-        <p:txBody>
-          <a:bodyPr wrap="square" rtlCol="0">
-            <a:spAutoFit/>
-          </a:bodyPr>
-          <a:lstStyle/>
-          <a:p>
-            <a:pPr marL="285750" indent="-285750">
-              <a:buFont typeface="Wingdings" panose="05000000000000000000" pitchFamily="2" charset="2"/>
-              <a:buChar char="q"/>
-            </a:pPr>
-            <a:r>
-              <a:rPr lang="en-US" altLang="zh-CN" sz="1400" dirty="0"/>
-              <a:t>Section 5.3</a:t>
-            </a:r>
-          </a:p>
-          <a:p>
-            <a:r>
-              <a:rPr lang="en-US" altLang="zh-CN" sz="1400" dirty="0"/>
-              <a:t>Adaptive figure, approximation of error, and the decision on sample size</a:t>
-            </a:r>
-          </a:p>
-        </p:txBody>
-      </p:sp>
-      <p:sp>
-        <p:nvSpPr>
-          <p:cNvPr id="12" name="文本框 11"/>
-          <p:cNvSpPr txBox="1"/>
-          <p:nvPr/>
-        </p:nvSpPr>
-        <p:spPr>
-          <a:xfrm>
-            <a:off x="7612453" y="5397100"/>
-            <a:ext cx="2839752" cy="738664"/>
-          </a:xfrm>
-          <a:prstGeom prst="rect">
-            <a:avLst/>
-          </a:prstGeom>
-          <a:noFill/>
-        </p:spPr>
-        <p:txBody>
-          <a:bodyPr wrap="none" rtlCol="0">
-            <a:spAutoFit/>
-          </a:bodyPr>
-          <a:lstStyle/>
-          <a:p>
-            <a:pPr marL="285750" indent="-285750">
-              <a:buFont typeface="Wingdings" panose="05000000000000000000" pitchFamily="2" charset="2"/>
-              <a:buChar char="q"/>
-            </a:pPr>
-            <a:r>
-              <a:rPr lang="en-US" altLang="zh-CN" sz="1400" dirty="0"/>
-              <a:t>Sections 5.4 &amp; 5.5</a:t>
-            </a:r>
-          </a:p>
-          <a:p>
-            <a:r>
-              <a:rPr lang="en-US" altLang="zh-CN" sz="1400" dirty="0"/>
-              <a:t>Effect</a:t>
-            </a:r>
-            <a:r>
-              <a:rPr lang="zh-CN" altLang="en-US" sz="1400" dirty="0"/>
-              <a:t> </a:t>
-            </a:r>
-            <a:r>
-              <a:rPr lang="en-US" altLang="zh-CN" sz="1400" dirty="0"/>
-              <a:t>of uncertainty communication</a:t>
-            </a:r>
-          </a:p>
-          <a:p>
-            <a:r>
-              <a:rPr lang="en-US" altLang="zh-CN" sz="1400" dirty="0"/>
-              <a:t>Robustness assessment</a:t>
-            </a:r>
-            <a:endParaRPr lang="zh-CN" altLang="en-US" sz="1400" dirty="0"/>
-          </a:p>
-        </p:txBody>
-      </p:sp>
-      <p:sp>
-        <p:nvSpPr>
-          <p:cNvPr id="26" name="文本框 25"/>
-          <p:cNvSpPr txBox="1"/>
-          <p:nvPr/>
-        </p:nvSpPr>
-        <p:spPr>
-          <a:xfrm>
-            <a:off x="1444667" y="4477098"/>
-            <a:ext cx="2132315" cy="307777"/>
-          </a:xfrm>
-          <a:prstGeom prst="rect">
-            <a:avLst/>
-          </a:prstGeom>
-          <a:noFill/>
-        </p:spPr>
-        <p:txBody>
-          <a:bodyPr wrap="none" rtlCol="0">
-            <a:spAutoFit/>
-          </a:bodyPr>
-          <a:lstStyle/>
-          <a:p>
-            <a:pPr marL="285750" indent="-285750">
-              <a:buFont typeface="Wingdings" panose="05000000000000000000" pitchFamily="2" charset="2"/>
-              <a:buChar char="q"/>
-            </a:pPr>
-            <a:r>
-              <a:rPr lang="en-US" altLang="zh-CN" sz="1400" dirty="0"/>
-              <a:t>Discussion: Section 6.1</a:t>
-            </a:r>
-            <a:endParaRPr lang="zh-CN" altLang="en-US" sz="1400" dirty="0"/>
-          </a:p>
-        </p:txBody>
-      </p:sp>
-      <p:sp>
-        <p:nvSpPr>
-          <p:cNvPr id="14" name="TextBox 13"/>
-          <p:cNvSpPr txBox="1"/>
-          <p:nvPr/>
-        </p:nvSpPr>
-        <p:spPr>
-          <a:xfrm>
-            <a:off x="7711658" y="1732244"/>
-            <a:ext cx="1575933" cy="369332"/>
-          </a:xfrm>
-          <a:prstGeom prst="rect">
-            <a:avLst/>
-          </a:prstGeom>
-          <a:solidFill>
-            <a:schemeClr val="bg2">
-              <a:lumMod val="90000"/>
-            </a:schemeClr>
-          </a:solidFill>
-        </p:spPr>
-        <p:txBody>
-          <a:bodyPr wrap="square" rtlCol="0">
-            <a:spAutoFit/>
-          </a:bodyPr>
-          <a:lstStyle/>
-          <a:p>
-            <a:pPr algn="ctr"/>
-            <a:r>
-              <a:rPr lang="en-US" dirty="0"/>
-              <a:t>Results</a:t>
-            </a:r>
-            <a:endParaRPr lang="en-AU" dirty="0"/>
-          </a:p>
-        </p:txBody>
-      </p:sp>
-      <p:sp>
-        <p:nvSpPr>
-          <p:cNvPr id="34" name="Rounded Rectangle 33"/>
-          <p:cNvSpPr/>
-          <p:nvPr/>
-        </p:nvSpPr>
-        <p:spPr>
-          <a:xfrm>
-            <a:off x="7605034" y="2109518"/>
-            <a:ext cx="3997569" cy="1082949"/>
-          </a:xfrm>
-          <a:prstGeom prst="roundRect">
-            <a:avLst/>
-          </a:prstGeom>
-          <a:noFill/>
-          <a:ln>
-            <a:solidFill>
-              <a:schemeClr val="bg2">
-                <a:lumMod val="50000"/>
-              </a:schemeClr>
-            </a:solidFill>
-          </a:ln>
-        </p:spPr>
-        <p:style>
-          <a:lnRef idx="2">
-            <a:schemeClr val="accent1">
-              <a:shade val="50000"/>
-            </a:schemeClr>
-          </a:lnRef>
-          <a:fillRef idx="1">
-            <a:schemeClr val="accent1"/>
-          </a:fillRef>
-          <a:effectRef idx="0">
-            <a:schemeClr val="accent1"/>
-          </a:effectRef>
-          <a:fontRef idx="minor">
-            <a:schemeClr val="lt1"/>
-          </a:fontRef>
-        </p:style>
-        <p:txBody>
-          <a:bodyPr rtlCol="0" anchor="ctr"/>
-          <a:lstStyle/>
-          <a:p>
-            <a:pPr algn="ctr"/>
-            <a:endParaRPr lang="en-AU"/>
-          </a:p>
-        </p:txBody>
-      </p:sp>
-      <p:sp>
-        <p:nvSpPr>
-          <p:cNvPr id="38" name="Rounded Rectangle 37"/>
-          <p:cNvSpPr/>
-          <p:nvPr/>
-        </p:nvSpPr>
-        <p:spPr>
-          <a:xfrm>
-            <a:off x="7612452" y="3858341"/>
-            <a:ext cx="3997569" cy="833457"/>
-          </a:xfrm>
-          <a:prstGeom prst="roundRect">
-            <a:avLst/>
-          </a:prstGeom>
-          <a:noFill/>
-          <a:ln>
-            <a:solidFill>
-              <a:schemeClr val="bg2">
-                <a:lumMod val="50000"/>
-              </a:schemeClr>
-            </a:solidFill>
-          </a:ln>
-        </p:spPr>
-        <p:style>
-          <a:lnRef idx="2">
-            <a:schemeClr val="accent1">
-              <a:shade val="50000"/>
-            </a:schemeClr>
-          </a:lnRef>
-          <a:fillRef idx="1">
-            <a:schemeClr val="accent1"/>
-          </a:fillRef>
-          <a:effectRef idx="0">
-            <a:schemeClr val="accent1"/>
-          </a:effectRef>
-          <a:fontRef idx="minor">
-            <a:schemeClr val="lt1"/>
-          </a:fontRef>
-        </p:style>
-        <p:txBody>
-          <a:bodyPr rtlCol="0" anchor="ctr"/>
-          <a:lstStyle/>
-          <a:p>
-            <a:pPr algn="ctr"/>
-            <a:endParaRPr lang="en-AU"/>
-          </a:p>
-        </p:txBody>
-      </p:sp>
-      <p:sp>
-        <p:nvSpPr>
-          <p:cNvPr id="39" name="Rounded Rectangle 38"/>
-          <p:cNvSpPr/>
-          <p:nvPr/>
-        </p:nvSpPr>
-        <p:spPr>
-          <a:xfrm>
-            <a:off x="7605033" y="5349703"/>
-            <a:ext cx="3997569" cy="833457"/>
-          </a:xfrm>
-          <a:prstGeom prst="roundRect">
-            <a:avLst/>
-          </a:prstGeom>
-          <a:noFill/>
-          <a:ln>
-            <a:solidFill>
-              <a:schemeClr val="bg2">
-                <a:lumMod val="50000"/>
-              </a:schemeClr>
-            </a:solidFill>
-          </a:ln>
-        </p:spPr>
-        <p:style>
-          <a:lnRef idx="2">
-            <a:schemeClr val="accent1">
-              <a:shade val="50000"/>
-            </a:schemeClr>
-          </a:lnRef>
-          <a:fillRef idx="1">
-            <a:schemeClr val="accent1"/>
-          </a:fillRef>
-          <a:effectRef idx="0">
-            <a:schemeClr val="accent1"/>
-          </a:effectRef>
-          <a:fontRef idx="minor">
-            <a:schemeClr val="lt1"/>
-          </a:fontRef>
-        </p:style>
-        <p:txBody>
-          <a:bodyPr rtlCol="0" anchor="ctr"/>
-          <a:lstStyle/>
-          <a:p>
-            <a:pPr algn="ctr"/>
-            <a:endParaRPr lang="en-AU"/>
-          </a:p>
-        </p:txBody>
-      </p:sp>
-      <p:sp>
-        <p:nvSpPr>
-          <p:cNvPr id="36" name="Right Brace 35"/>
-          <p:cNvSpPr/>
-          <p:nvPr/>
-        </p:nvSpPr>
-        <p:spPr>
-          <a:xfrm>
-            <a:off x="7395431" y="2236122"/>
-            <a:ext cx="102474" cy="828592"/>
-          </a:xfrm>
-          <a:prstGeom prst="rightBrace">
-            <a:avLst/>
-          </a:prstGeom>
-          <a:ln w="12700">
-            <a:solidFill>
-              <a:schemeClr val="bg2">
-                <a:lumMod val="50000"/>
-              </a:schemeClr>
-            </a:solidFill>
-          </a:ln>
-        </p:spPr>
-        <p:style>
-          <a:lnRef idx="1">
-            <a:schemeClr val="dk1"/>
-          </a:lnRef>
-          <a:fillRef idx="0">
-            <a:schemeClr val="dk1"/>
-          </a:fillRef>
-          <a:effectRef idx="0">
-            <a:schemeClr val="dk1"/>
-          </a:effectRef>
-          <a:fontRef idx="minor">
-            <a:schemeClr val="tx1"/>
-          </a:fontRef>
-        </p:style>
-        <p:txBody>
-          <a:bodyPr rtlCol="0" anchor="ctr"/>
-          <a:lstStyle/>
-          <a:p>
-            <a:pPr algn="ctr"/>
-            <a:endParaRPr lang="en-AU"/>
-          </a:p>
-        </p:txBody>
-      </p:sp>
-      <p:sp>
-        <p:nvSpPr>
-          <p:cNvPr id="31" name="文本框 25"/>
-          <p:cNvSpPr txBox="1"/>
-          <p:nvPr/>
-        </p:nvSpPr>
-        <p:spPr>
-          <a:xfrm>
-            <a:off x="1444666" y="6109311"/>
-            <a:ext cx="2132315" cy="307777"/>
-          </a:xfrm>
-          <a:prstGeom prst="rect">
-            <a:avLst/>
-          </a:prstGeom>
-          <a:noFill/>
-        </p:spPr>
-        <p:txBody>
-          <a:bodyPr wrap="none" rtlCol="0">
-            <a:spAutoFit/>
-          </a:bodyPr>
-          <a:lstStyle/>
-          <a:p>
-            <a:pPr marL="285750" indent="-285750">
-              <a:buFont typeface="Wingdings" panose="05000000000000000000" pitchFamily="2" charset="2"/>
-              <a:buChar char="q"/>
-            </a:pPr>
-            <a:r>
-              <a:rPr lang="en-US" altLang="zh-CN" sz="1400" dirty="0"/>
-              <a:t>Discussion: Section 6.2</a:t>
-            </a:r>
-            <a:endParaRPr lang="zh-CN" altLang="en-US" sz="1400" dirty="0"/>
-          </a:p>
-        </p:txBody>
-      </p:sp>
-    </p:spTree>
-    <p:extLst>
-      <p:ext uri="{BB962C8B-B14F-4D97-AF65-F5344CB8AC3E}">
-        <p14:creationId xmlns:p14="http://schemas.microsoft.com/office/powerpoint/2010/main" val="1352020292"/>
-      </p:ext>
-    </p:extLst>
-  </p:cSld>
-  <p:clrMapOvr>
-    <a:masterClrMapping/>
-  </p:clrMapOvr>
-</p:sld>
-</file>
-
-<file path=ppt/slides/slide2.xml><?xml version="1.0" encoding="utf-8"?>
-<p:sld xmlns:a="http://schemas.openxmlformats.org/drawingml/2006/main" xmlns:r="http://schemas.openxmlformats.org/officeDocument/2006/relationships" xmlns:p="http://schemas.openxmlformats.org/presentationml/2006/main">
-  <p:cSld>
-    <p:spTree>
-      <p:nvGrpSpPr>
-        <p:cNvPr id="1" name=""/>
-        <p:cNvGrpSpPr/>
-        <p:nvPr/>
-      </p:nvGrpSpPr>
-      <p:grpSpPr>
-        <a:xfrm>
-          <a:off x="0" y="0"/>
-          <a:ext cx="0" cy="0"/>
-          <a:chOff x="0" y="0"/>
-          <a:chExt cx="0" cy="0"/>
-        </a:xfrm>
-      </p:grpSpPr>
-      <p:sp>
-        <p:nvSpPr>
           <p:cNvPr id="19" name="Pentagon 18"/>
           <p:cNvSpPr/>
           <p:nvPr/>
@@ -4981,7 +3790,1666 @@
 </p:sld>
 </file>
 
+<file path=ppt/slides/slide2.xml><?xml version="1.0" encoding="utf-8"?>
+<p:sld xmlns:a="http://schemas.openxmlformats.org/drawingml/2006/main" xmlns:r="http://schemas.openxmlformats.org/officeDocument/2006/relationships" xmlns:p="http://schemas.openxmlformats.org/presentationml/2006/main">
+  <p:cSld>
+    <p:spTree>
+      <p:nvGrpSpPr>
+        <p:cNvPr id="1" name=""/>
+        <p:cNvGrpSpPr/>
+        <p:nvPr/>
+      </p:nvGrpSpPr>
+      <p:grpSpPr>
+        <a:xfrm>
+          <a:off x="0" y="0"/>
+          <a:ext cx="0" cy="0"/>
+          <a:chOff x="0" y="0"/>
+          <a:chExt cx="0" cy="0"/>
+        </a:xfrm>
+      </p:grpSpPr>
+      <p:pic>
+        <p:nvPicPr>
+          <p:cNvPr id="4" name="图片 3">
+            <a:extLst>
+              <a:ext uri="{FF2B5EF4-FFF2-40B4-BE49-F238E27FC236}">
+                <a16:creationId xmlns:a16="http://schemas.microsoft.com/office/drawing/2014/main" id="{0CC67A13-4353-4C33-A755-7653D597E5C9}"/>
+              </a:ext>
+            </a:extLst>
+          </p:cNvPr>
+          <p:cNvPicPr>
+            <a:picLocks noChangeAspect="1"/>
+          </p:cNvPicPr>
+          <p:nvPr/>
+        </p:nvPicPr>
+        <p:blipFill rotWithShape="1">
+          <a:blip r:embed="rId2" cstate="print">
+            <a:extLst>
+              <a:ext uri="{28A0092B-C50C-407E-A947-70E740481C1C}">
+                <a14:useLocalDpi xmlns:a14="http://schemas.microsoft.com/office/drawing/2010/main" val="0"/>
+              </a:ext>
+            </a:extLst>
+          </a:blip>
+          <a:srcRect l="29072" t="27151" r="19788" b="25181"/>
+          <a:stretch/>
+        </p:blipFill>
+        <p:spPr>
+          <a:xfrm>
+            <a:off x="3493651" y="1936391"/>
+            <a:ext cx="2498161" cy="3297637"/>
+          </a:xfrm>
+          <a:prstGeom prst="rect">
+            <a:avLst/>
+          </a:prstGeom>
+        </p:spPr>
+      </p:pic>
+      <p:grpSp>
+        <p:nvGrpSpPr>
+          <p:cNvPr id="15" name="组合 14">
+            <a:extLst>
+              <a:ext uri="{FF2B5EF4-FFF2-40B4-BE49-F238E27FC236}">
+                <a16:creationId xmlns:a16="http://schemas.microsoft.com/office/drawing/2014/main" id="{31524AA8-6E6C-4B31-B904-52C0F03ED427}"/>
+              </a:ext>
+            </a:extLst>
+          </p:cNvPr>
+          <p:cNvGrpSpPr/>
+          <p:nvPr/>
+        </p:nvGrpSpPr>
+        <p:grpSpPr>
+          <a:xfrm>
+            <a:off x="6065203" y="3665220"/>
+            <a:ext cx="1098958" cy="1467623"/>
+            <a:chOff x="5546521" y="962637"/>
+            <a:chExt cx="1098958" cy="1619075"/>
+          </a:xfrm>
+        </p:grpSpPr>
+        <p:pic>
+          <p:nvPicPr>
+            <p:cNvPr id="3" name="图片 2">
+              <a:extLst>
+                <a:ext uri="{FF2B5EF4-FFF2-40B4-BE49-F238E27FC236}">
+                  <a16:creationId xmlns:a16="http://schemas.microsoft.com/office/drawing/2014/main" id="{7FF24FA6-02FC-4BF6-9CA6-9F2684530128}"/>
+                </a:ext>
+              </a:extLst>
+            </p:cNvPr>
+            <p:cNvPicPr>
+              <a:picLocks noChangeAspect="1"/>
+            </p:cNvPicPr>
+            <p:nvPr/>
+          </p:nvPicPr>
+          <p:blipFill rotWithShape="1">
+            <a:blip r:embed="rId3" cstate="print">
+              <a:extLst>
+                <a:ext uri="{28A0092B-C50C-407E-A947-70E740481C1C}">
+                  <a14:useLocalDpi xmlns:a14="http://schemas.microsoft.com/office/drawing/2010/main" val="0"/>
+                </a:ext>
+              </a:extLst>
+            </a:blip>
+            <a:srcRect l="33601" t="41223" r="43706" b="35168"/>
+            <a:stretch/>
+          </p:blipFill>
+          <p:spPr>
+            <a:xfrm>
+              <a:off x="5546521" y="962637"/>
+              <a:ext cx="1098958" cy="1619075"/>
+            </a:xfrm>
+            <a:prstGeom prst="rect">
+              <a:avLst/>
+            </a:prstGeom>
+            <a:ln w="6350" cap="sq">
+              <a:solidFill>
+                <a:srgbClr val="000000"/>
+              </a:solidFill>
+              <a:prstDash val="solid"/>
+              <a:miter lim="800000"/>
+            </a:ln>
+            <a:effectLst>
+              <a:outerShdw blurRad="50800" dist="38100" dir="2700000" algn="tl" rotWithShape="0">
+                <a:srgbClr val="000000">
+                  <a:alpha val="43000"/>
+                </a:srgbClr>
+              </a:outerShdw>
+            </a:effectLst>
+          </p:spPr>
+        </p:pic>
+        <p:sp>
+          <p:nvSpPr>
+            <p:cNvPr id="16" name="文本框 15">
+              <a:extLst>
+                <a:ext uri="{FF2B5EF4-FFF2-40B4-BE49-F238E27FC236}">
+                  <a16:creationId xmlns:a16="http://schemas.microsoft.com/office/drawing/2014/main" id="{AB4F5715-82BB-4DCF-B59F-4FCCD142B838}"/>
+                </a:ext>
+              </a:extLst>
+            </p:cNvPr>
+            <p:cNvSpPr txBox="1"/>
+            <p:nvPr/>
+          </p:nvSpPr>
+          <p:spPr>
+            <a:xfrm>
+              <a:off x="5558605" y="2138328"/>
+              <a:ext cx="860684" cy="441400"/>
+            </a:xfrm>
+            <a:prstGeom prst="rect">
+              <a:avLst/>
+            </a:prstGeom>
+            <a:noFill/>
+          </p:spPr>
+          <p:txBody>
+            <a:bodyPr wrap="square" rtlCol="0">
+              <a:spAutoFit/>
+            </a:bodyPr>
+            <a:lstStyle/>
+            <a:p>
+              <a:r>
+                <a:rPr lang="en-US" altLang="zh-CN" sz="1000" dirty="0">
+                  <a:latin typeface="Arial" panose="020B0604020202020204" pitchFamily="34" charset="0"/>
+                  <a:cs typeface="Arial" panose="020B0604020202020204" pitchFamily="34" charset="0"/>
+                </a:rPr>
+                <a:t>Mackay Whitsunday</a:t>
+              </a:r>
+              <a:endParaRPr lang="zh-CN" altLang="en-US" sz="1000" dirty="0">
+                <a:latin typeface="Arial" panose="020B0604020202020204" pitchFamily="34" charset="0"/>
+                <a:cs typeface="Arial" panose="020B0604020202020204" pitchFamily="34" charset="0"/>
+              </a:endParaRPr>
+            </a:p>
+          </p:txBody>
+        </p:sp>
+      </p:grpSp>
+      <p:grpSp>
+        <p:nvGrpSpPr>
+          <p:cNvPr id="49" name="组合 48">
+            <a:extLst>
+              <a:ext uri="{FF2B5EF4-FFF2-40B4-BE49-F238E27FC236}">
+                <a16:creationId xmlns:a16="http://schemas.microsoft.com/office/drawing/2014/main" id="{EDDF3036-65C2-427D-B645-163807D421F5}"/>
+              </a:ext>
+            </a:extLst>
+          </p:cNvPr>
+          <p:cNvGrpSpPr/>
+          <p:nvPr/>
+        </p:nvGrpSpPr>
+        <p:grpSpPr>
+          <a:xfrm>
+            <a:off x="6022682" y="1960596"/>
+            <a:ext cx="1333599" cy="1543515"/>
+            <a:chOff x="6137629" y="723435"/>
+            <a:chExt cx="1486419" cy="1696920"/>
+          </a:xfrm>
+        </p:grpSpPr>
+        <p:pic>
+          <p:nvPicPr>
+            <p:cNvPr id="35" name="图片 34">
+              <a:extLst>
+                <a:ext uri="{FF2B5EF4-FFF2-40B4-BE49-F238E27FC236}">
+                  <a16:creationId xmlns:a16="http://schemas.microsoft.com/office/drawing/2014/main" id="{9DB24E35-FE28-44D5-BADA-85D851607CCF}"/>
+                </a:ext>
+              </a:extLst>
+            </p:cNvPr>
+            <p:cNvPicPr>
+              <a:picLocks noChangeAspect="1"/>
+            </p:cNvPicPr>
+            <p:nvPr/>
+          </p:nvPicPr>
+          <p:blipFill rotWithShape="1">
+            <a:blip r:embed="rId4" cstate="print">
+              <a:extLst>
+                <a:ext uri="{28A0092B-C50C-407E-A947-70E740481C1C}">
+                  <a14:useLocalDpi xmlns:a14="http://schemas.microsoft.com/office/drawing/2010/main" val="0"/>
+                </a:ext>
+              </a:extLst>
+            </a:blip>
+            <a:srcRect l="32377" t="30000" r="21047" b="31666"/>
+            <a:stretch/>
+          </p:blipFill>
+          <p:spPr>
+            <a:xfrm>
+              <a:off x="6168152" y="723435"/>
+              <a:ext cx="1455896" cy="1696920"/>
+            </a:xfrm>
+            <a:prstGeom prst="rect">
+              <a:avLst/>
+            </a:prstGeom>
+          </p:spPr>
+        </p:pic>
+        <p:sp>
+          <p:nvSpPr>
+            <p:cNvPr id="37" name="文本框 36">
+              <a:extLst>
+                <a:ext uri="{FF2B5EF4-FFF2-40B4-BE49-F238E27FC236}">
+                  <a16:creationId xmlns:a16="http://schemas.microsoft.com/office/drawing/2014/main" id="{A538FDC0-85C5-499D-8209-131D5EE26BCD}"/>
+                </a:ext>
+              </a:extLst>
+            </p:cNvPr>
+            <p:cNvSpPr txBox="1"/>
+            <p:nvPr/>
+          </p:nvSpPr>
+          <p:spPr>
+            <a:xfrm>
+              <a:off x="6137629" y="1490096"/>
+              <a:ext cx="1002926" cy="270692"/>
+            </a:xfrm>
+            <a:prstGeom prst="rect">
+              <a:avLst/>
+            </a:prstGeom>
+            <a:noFill/>
+          </p:spPr>
+          <p:txBody>
+            <a:bodyPr wrap="square" rtlCol="0">
+              <a:spAutoFit/>
+            </a:bodyPr>
+            <a:lstStyle/>
+            <a:p>
+              <a:r>
+                <a:rPr lang="en-US" altLang="zh-CN" sz="1000" dirty="0">
+                  <a:latin typeface="Arial" panose="020B0604020202020204" pitchFamily="34" charset="0"/>
+                  <a:cs typeface="Arial" panose="020B0604020202020204" pitchFamily="34" charset="0"/>
+                </a:rPr>
+                <a:t>Queensland</a:t>
+              </a:r>
+              <a:endParaRPr lang="zh-CN" altLang="en-US" sz="1000" dirty="0">
+                <a:latin typeface="Arial" panose="020B0604020202020204" pitchFamily="34" charset="0"/>
+                <a:cs typeface="Arial" panose="020B0604020202020204" pitchFamily="34" charset="0"/>
+              </a:endParaRPr>
+            </a:p>
+          </p:txBody>
+        </p:sp>
+      </p:grpSp>
+      <p:cxnSp>
+        <p:nvCxnSpPr>
+          <p:cNvPr id="11" name="直接连接符 10">
+            <a:extLst>
+              <a:ext uri="{FF2B5EF4-FFF2-40B4-BE49-F238E27FC236}">
+                <a16:creationId xmlns:a16="http://schemas.microsoft.com/office/drawing/2014/main" id="{3DC5AF13-4604-48BF-96B2-3A1CFC30C20C}"/>
+              </a:ext>
+            </a:extLst>
+          </p:cNvPr>
+          <p:cNvCxnSpPr>
+            <a:cxnSpLocks/>
+          </p:cNvCxnSpPr>
+          <p:nvPr/>
+        </p:nvCxnSpPr>
+        <p:spPr>
+          <a:xfrm flipV="1">
+            <a:off x="6065203" y="2732353"/>
+            <a:ext cx="830717" cy="931068"/>
+          </a:xfrm>
+          <a:prstGeom prst="line">
+            <a:avLst/>
+          </a:prstGeom>
+          <a:ln>
+            <a:solidFill>
+              <a:schemeClr val="bg1">
+                <a:lumMod val="50000"/>
+              </a:schemeClr>
+            </a:solidFill>
+            <a:prstDash val="lgDashDot"/>
+          </a:ln>
+        </p:spPr>
+        <p:style>
+          <a:lnRef idx="1">
+            <a:schemeClr val="dk1"/>
+          </a:lnRef>
+          <a:fillRef idx="0">
+            <a:schemeClr val="dk1"/>
+          </a:fillRef>
+          <a:effectRef idx="0">
+            <a:schemeClr val="dk1"/>
+          </a:effectRef>
+          <a:fontRef idx="minor">
+            <a:schemeClr val="tx1"/>
+          </a:fontRef>
+        </p:style>
+      </p:cxnSp>
+      <p:cxnSp>
+        <p:nvCxnSpPr>
+          <p:cNvPr id="13" name="直接连接符 12">
+            <a:extLst>
+              <a:ext uri="{FF2B5EF4-FFF2-40B4-BE49-F238E27FC236}">
+                <a16:creationId xmlns:a16="http://schemas.microsoft.com/office/drawing/2014/main" id="{65BBB974-E86C-4CC0-954B-929C2ECA6370}"/>
+              </a:ext>
+            </a:extLst>
+          </p:cNvPr>
+          <p:cNvCxnSpPr>
+            <a:cxnSpLocks/>
+          </p:cNvCxnSpPr>
+          <p:nvPr/>
+        </p:nvCxnSpPr>
+        <p:spPr>
+          <a:xfrm>
+            <a:off x="7012430" y="2925445"/>
+            <a:ext cx="154906" cy="736600"/>
+          </a:xfrm>
+          <a:prstGeom prst="line">
+            <a:avLst/>
+          </a:prstGeom>
+          <a:ln>
+            <a:solidFill>
+              <a:schemeClr val="bg1">
+                <a:lumMod val="50000"/>
+              </a:schemeClr>
+            </a:solidFill>
+            <a:prstDash val="lgDashDot"/>
+          </a:ln>
+        </p:spPr>
+        <p:style>
+          <a:lnRef idx="1">
+            <a:schemeClr val="dk1"/>
+          </a:lnRef>
+          <a:fillRef idx="0">
+            <a:schemeClr val="dk1"/>
+          </a:fillRef>
+          <a:effectRef idx="0">
+            <a:schemeClr val="dk1"/>
+          </a:effectRef>
+          <a:fontRef idx="minor">
+            <a:schemeClr val="tx1"/>
+          </a:fontRef>
+        </p:style>
+      </p:cxnSp>
+      <p:sp>
+        <p:nvSpPr>
+          <p:cNvPr id="75" name="矩形 74">
+            <a:extLst>
+              <a:ext uri="{FF2B5EF4-FFF2-40B4-BE49-F238E27FC236}">
+                <a16:creationId xmlns:a16="http://schemas.microsoft.com/office/drawing/2014/main" id="{25A8C9AB-8A67-49D9-8A91-B4A7003B0EC3}"/>
+              </a:ext>
+            </a:extLst>
+          </p:cNvPr>
+          <p:cNvSpPr/>
+          <p:nvPr/>
+        </p:nvSpPr>
+        <p:spPr>
+          <a:xfrm>
+            <a:off x="3401482" y="1744980"/>
+            <a:ext cx="3954799" cy="3680460"/>
+          </a:xfrm>
+          <a:prstGeom prst="rect">
+            <a:avLst/>
+          </a:prstGeom>
+          <a:noFill/>
+          <a:ln>
+            <a:solidFill>
+              <a:schemeClr val="bg2">
+                <a:lumMod val="25000"/>
+              </a:schemeClr>
+            </a:solidFill>
+          </a:ln>
+        </p:spPr>
+        <p:style>
+          <a:lnRef idx="2">
+            <a:schemeClr val="accent1">
+              <a:shade val="50000"/>
+            </a:schemeClr>
+          </a:lnRef>
+          <a:fillRef idx="1">
+            <a:schemeClr val="accent1"/>
+          </a:fillRef>
+          <a:effectRef idx="0">
+            <a:schemeClr val="accent1"/>
+          </a:effectRef>
+          <a:fontRef idx="minor">
+            <a:schemeClr val="lt1"/>
+          </a:fontRef>
+        </p:style>
+        <p:txBody>
+          <a:bodyPr rtlCol="0" anchor="ctr"/>
+          <a:lstStyle/>
+          <a:p>
+            <a:pPr algn="ctr"/>
+            <a:endParaRPr lang="zh-CN" altLang="en-US"/>
+          </a:p>
+        </p:txBody>
+      </p:sp>
+      <p:cxnSp>
+        <p:nvCxnSpPr>
+          <p:cNvPr id="42" name="直接连接符 41">
+            <a:extLst>
+              <a:ext uri="{FF2B5EF4-FFF2-40B4-BE49-F238E27FC236}">
+                <a16:creationId xmlns:a16="http://schemas.microsoft.com/office/drawing/2014/main" id="{640A820C-7239-4EAC-85D5-003C6598E48C}"/>
+              </a:ext>
+            </a:extLst>
+          </p:cNvPr>
+          <p:cNvCxnSpPr>
+            <a:cxnSpLocks/>
+          </p:cNvCxnSpPr>
+          <p:nvPr/>
+        </p:nvCxnSpPr>
+        <p:spPr>
+          <a:xfrm flipH="1" flipV="1">
+            <a:off x="5608320" y="3824530"/>
+            <a:ext cx="701040" cy="374700"/>
+          </a:xfrm>
+          <a:prstGeom prst="line">
+            <a:avLst/>
+          </a:prstGeom>
+          <a:ln w="9525" cap="flat" cmpd="sng" algn="ctr">
+            <a:solidFill>
+              <a:schemeClr val="dk1"/>
+            </a:solidFill>
+            <a:prstDash val="solid"/>
+            <a:round/>
+            <a:headEnd type="none" w="med" len="med"/>
+            <a:tailEnd type="arrow" w="med" len="med"/>
+          </a:ln>
+        </p:spPr>
+        <p:style>
+          <a:lnRef idx="0">
+            <a:scrgbClr r="0" g="0" b="0"/>
+          </a:lnRef>
+          <a:fillRef idx="0">
+            <a:scrgbClr r="0" g="0" b="0"/>
+          </a:fillRef>
+          <a:effectRef idx="0">
+            <a:scrgbClr r="0" g="0" b="0"/>
+          </a:effectRef>
+          <a:fontRef idx="minor">
+            <a:schemeClr val="tx1"/>
+          </a:fontRef>
+        </p:style>
+      </p:cxnSp>
+    </p:spTree>
+    <p:extLst>
+      <p:ext uri="{BB962C8B-B14F-4D97-AF65-F5344CB8AC3E}">
+        <p14:creationId xmlns:p14="http://schemas.microsoft.com/office/powerpoint/2010/main" val="2836170125"/>
+      </p:ext>
+    </p:extLst>
+  </p:cSld>
+  <p:clrMapOvr>
+    <a:masterClrMapping/>
+  </p:clrMapOvr>
+</p:sld>
+</file>
+
 <file path=ppt/slides/slide3.xml><?xml version="1.0" encoding="utf-8"?>
+<p:sld xmlns:a="http://schemas.openxmlformats.org/drawingml/2006/main" xmlns:r="http://schemas.openxmlformats.org/officeDocument/2006/relationships" xmlns:p="http://schemas.openxmlformats.org/presentationml/2006/main">
+  <p:cSld>
+    <p:spTree>
+      <p:nvGrpSpPr>
+        <p:cNvPr id="1" name=""/>
+        <p:cNvGrpSpPr/>
+        <p:nvPr/>
+      </p:nvGrpSpPr>
+      <p:grpSpPr>
+        <a:xfrm>
+          <a:off x="0" y="0"/>
+          <a:ext cx="0" cy="0"/>
+          <a:chOff x="0" y="0"/>
+          <a:chExt cx="0" cy="0"/>
+        </a:xfrm>
+      </p:grpSpPr>
+      <p:sp>
+        <p:nvSpPr>
+          <p:cNvPr id="2" name="圆角矩形 1"/>
+          <p:cNvSpPr/>
+          <p:nvPr/>
+        </p:nvSpPr>
+        <p:spPr>
+          <a:xfrm>
+            <a:off x="3469715" y="224444"/>
+            <a:ext cx="4142738" cy="6384175"/>
+          </a:xfrm>
+          <a:prstGeom prst="roundRect">
+            <a:avLst/>
+          </a:prstGeom>
+          <a:solidFill>
+            <a:schemeClr val="accent2">
+              <a:lumMod val="20000"/>
+              <a:lumOff val="80000"/>
+            </a:schemeClr>
+          </a:solidFill>
+          <a:ln>
+            <a:noFill/>
+          </a:ln>
+        </p:spPr>
+        <p:style>
+          <a:lnRef idx="2">
+            <a:schemeClr val="accent1">
+              <a:shade val="50000"/>
+            </a:schemeClr>
+          </a:lnRef>
+          <a:fillRef idx="1">
+            <a:schemeClr val="accent1"/>
+          </a:fillRef>
+          <a:effectRef idx="0">
+            <a:schemeClr val="accent1"/>
+          </a:effectRef>
+          <a:fontRef idx="minor">
+            <a:schemeClr val="lt1"/>
+          </a:fontRef>
+        </p:style>
+        <p:txBody>
+          <a:bodyPr rtlCol="0" anchor="ctr"/>
+          <a:lstStyle/>
+          <a:p>
+            <a:pPr algn="ctr"/>
+            <a:endParaRPr lang="zh-CN" altLang="en-US"/>
+          </a:p>
+        </p:txBody>
+      </p:sp>
+      <p:sp>
+        <p:nvSpPr>
+          <p:cNvPr id="4" name="文本框 3"/>
+          <p:cNvSpPr txBox="1"/>
+          <p:nvPr/>
+        </p:nvSpPr>
+        <p:spPr>
+          <a:xfrm>
+            <a:off x="1119676" y="732925"/>
+            <a:ext cx="2659360" cy="646331"/>
+          </a:xfrm>
+          <a:prstGeom prst="rect">
+            <a:avLst/>
+          </a:prstGeom>
+          <a:solidFill>
+            <a:schemeClr val="accent1">
+              <a:lumMod val="20000"/>
+              <a:lumOff val="80000"/>
+            </a:schemeClr>
+          </a:solidFill>
+        </p:spPr>
+        <p:txBody>
+          <a:bodyPr wrap="square" rtlCol="0">
+            <a:spAutoFit/>
+          </a:bodyPr>
+          <a:lstStyle/>
+          <a:p>
+            <a:pPr algn="ctr"/>
+            <a:r>
+              <a:rPr lang="en-US" altLang="zh-CN" dirty="0"/>
+              <a:t>Focus on decision relevance</a:t>
+            </a:r>
+            <a:endParaRPr lang="zh-CN" altLang="en-US" dirty="0"/>
+          </a:p>
+        </p:txBody>
+      </p:sp>
+      <p:sp>
+        <p:nvSpPr>
+          <p:cNvPr id="5" name="文本框 4"/>
+          <p:cNvSpPr txBox="1"/>
+          <p:nvPr/>
+        </p:nvSpPr>
+        <p:spPr>
+          <a:xfrm>
+            <a:off x="1112400" y="1994823"/>
+            <a:ext cx="2570562" cy="369332"/>
+          </a:xfrm>
+          <a:prstGeom prst="rect">
+            <a:avLst/>
+          </a:prstGeom>
+          <a:solidFill>
+            <a:schemeClr val="accent1">
+              <a:lumMod val="20000"/>
+              <a:lumOff val="80000"/>
+            </a:schemeClr>
+          </a:solidFill>
+        </p:spPr>
+        <p:txBody>
+          <a:bodyPr wrap="square" rtlCol="0">
+            <a:spAutoFit/>
+          </a:bodyPr>
+          <a:lstStyle/>
+          <a:p>
+            <a:pPr algn="ctr"/>
+            <a:r>
+              <a:rPr lang="en-US" altLang="zh-CN" dirty="0"/>
+              <a:t>Re-parameterize first</a:t>
+            </a:r>
+            <a:endParaRPr lang="zh-CN" altLang="en-US" dirty="0"/>
+          </a:p>
+        </p:txBody>
+      </p:sp>
+      <p:sp>
+        <p:nvSpPr>
+          <p:cNvPr id="6" name="文本框 5"/>
+          <p:cNvSpPr txBox="1"/>
+          <p:nvPr/>
+        </p:nvSpPr>
+        <p:spPr>
+          <a:xfrm>
+            <a:off x="1058929" y="3606735"/>
+            <a:ext cx="2637597" cy="923330"/>
+          </a:xfrm>
+          <a:prstGeom prst="rect">
+            <a:avLst/>
+          </a:prstGeom>
+          <a:solidFill>
+            <a:schemeClr val="accent1">
+              <a:lumMod val="20000"/>
+              <a:lumOff val="80000"/>
+            </a:schemeClr>
+          </a:solidFill>
+        </p:spPr>
+        <p:txBody>
+          <a:bodyPr wrap="square" rtlCol="0">
+            <a:spAutoFit/>
+          </a:bodyPr>
+          <a:lstStyle/>
+          <a:p>
+            <a:pPr algn="ctr"/>
+            <a:r>
+              <a:rPr lang="en-US" altLang="zh-CN" dirty="0"/>
+              <a:t>Conduct adaptive evaluation and robustness assessment</a:t>
+            </a:r>
+            <a:endParaRPr lang="zh-CN" altLang="en-US" dirty="0"/>
+          </a:p>
+        </p:txBody>
+      </p:sp>
+      <p:sp>
+        <p:nvSpPr>
+          <p:cNvPr id="7" name="文本框 6"/>
+          <p:cNvSpPr txBox="1"/>
+          <p:nvPr/>
+        </p:nvSpPr>
+        <p:spPr>
+          <a:xfrm>
+            <a:off x="1093734" y="5514710"/>
+            <a:ext cx="2637597" cy="646331"/>
+          </a:xfrm>
+          <a:prstGeom prst="rect">
+            <a:avLst/>
+          </a:prstGeom>
+          <a:solidFill>
+            <a:schemeClr val="accent1">
+              <a:lumMod val="20000"/>
+              <a:lumOff val="80000"/>
+            </a:schemeClr>
+          </a:solidFill>
+        </p:spPr>
+        <p:txBody>
+          <a:bodyPr wrap="square" rtlCol="0">
+            <a:spAutoFit/>
+          </a:bodyPr>
+          <a:lstStyle/>
+          <a:p>
+            <a:pPr algn="ctr"/>
+            <a:r>
+              <a:rPr lang="en-US" altLang="zh-CN" dirty="0"/>
+              <a:t>Reconsider whether fixing is necessary</a:t>
+            </a:r>
+            <a:endParaRPr lang="zh-CN" altLang="en-US" dirty="0"/>
+          </a:p>
+        </p:txBody>
+      </p:sp>
+      <p:sp>
+        <p:nvSpPr>
+          <p:cNvPr id="11" name="文本框 10"/>
+          <p:cNvSpPr txBox="1"/>
+          <p:nvPr/>
+        </p:nvSpPr>
+        <p:spPr>
+          <a:xfrm>
+            <a:off x="3686738" y="413493"/>
+            <a:ext cx="3708693" cy="1231106"/>
+          </a:xfrm>
+          <a:prstGeom prst="rect">
+            <a:avLst/>
+          </a:prstGeom>
+          <a:solidFill>
+            <a:schemeClr val="bg1">
+              <a:lumMod val="95000"/>
+            </a:schemeClr>
+          </a:solidFill>
+        </p:spPr>
+        <p:txBody>
+          <a:bodyPr wrap="square" rtlCol="0">
+            <a:spAutoFit/>
+          </a:bodyPr>
+          <a:lstStyle/>
+          <a:p>
+            <a:pPr algn="ctr"/>
+            <a:r>
+              <a:rPr lang="en-US" altLang="zh-CN" dirty="0"/>
+              <a:t>Experiment plan</a:t>
+            </a:r>
+          </a:p>
+          <a:p>
+            <a:pPr marL="285750" indent="-285750">
+              <a:buFont typeface="Arial" panose="020B0604020202020204" pitchFamily="34" charset="0"/>
+              <a:buChar char="•"/>
+            </a:pPr>
+            <a:r>
+              <a:rPr lang="en-US" altLang="zh-CN" sz="1400" dirty="0"/>
+              <a:t>Fix parameters at average values of parameter distributions</a:t>
+            </a:r>
+          </a:p>
+          <a:p>
+            <a:pPr marL="285750" indent="-285750">
+              <a:buFont typeface="Arial" panose="020B0604020202020204" pitchFamily="34" charset="0"/>
+              <a:buChar char="•"/>
+            </a:pPr>
+            <a:r>
+              <a:rPr lang="en-US" altLang="zh-CN" sz="1400" dirty="0"/>
+              <a:t>Potential options of error measures used for measuring uncertainty</a:t>
+            </a:r>
+          </a:p>
+        </p:txBody>
+      </p:sp>
+      <p:sp>
+        <p:nvSpPr>
+          <p:cNvPr id="28" name="文本框 27"/>
+          <p:cNvSpPr txBox="1"/>
+          <p:nvPr/>
+        </p:nvSpPr>
+        <p:spPr>
+          <a:xfrm>
+            <a:off x="3686738" y="1781694"/>
+            <a:ext cx="3708693" cy="738664"/>
+          </a:xfrm>
+          <a:prstGeom prst="rect">
+            <a:avLst/>
+          </a:prstGeom>
+          <a:solidFill>
+            <a:schemeClr val="bg1">
+              <a:lumMod val="95000"/>
+            </a:schemeClr>
+          </a:solidFill>
+        </p:spPr>
+        <p:txBody>
+          <a:bodyPr wrap="square" rtlCol="0">
+            <a:spAutoFit/>
+          </a:bodyPr>
+          <a:lstStyle/>
+          <a:p>
+            <a:pPr marL="285750" indent="-285750">
+              <a:buFont typeface="Arial" panose="020B0604020202020204" pitchFamily="34" charset="0"/>
+              <a:buChar char="•"/>
+            </a:pPr>
+            <a:r>
+              <a:rPr lang="en-US" altLang="zh-CN" sz="1400" dirty="0"/>
+              <a:t>Identify multiplicative parameter interactions</a:t>
+            </a:r>
+          </a:p>
+          <a:p>
+            <a:pPr marL="285750" indent="-285750">
+              <a:buFont typeface="Arial" panose="020B0604020202020204" pitchFamily="34" charset="0"/>
+              <a:buChar char="•"/>
+            </a:pPr>
+            <a:r>
+              <a:rPr lang="en-US" altLang="zh-CN" sz="1400" dirty="0"/>
+              <a:t>Adjust parameter ranges and distributions</a:t>
+            </a:r>
+          </a:p>
+        </p:txBody>
+      </p:sp>
+      <p:sp>
+        <p:nvSpPr>
+          <p:cNvPr id="29" name="文本框 28"/>
+          <p:cNvSpPr txBox="1"/>
+          <p:nvPr/>
+        </p:nvSpPr>
+        <p:spPr>
+          <a:xfrm>
+            <a:off x="3698815" y="3297256"/>
+            <a:ext cx="3684539" cy="1661993"/>
+          </a:xfrm>
+          <a:prstGeom prst="rect">
+            <a:avLst/>
+          </a:prstGeom>
+          <a:solidFill>
+            <a:schemeClr val="bg1">
+              <a:lumMod val="95000"/>
+            </a:schemeClr>
+          </a:solidFill>
+        </p:spPr>
+        <p:txBody>
+          <a:bodyPr wrap="square" rtlCol="0">
+            <a:spAutoFit/>
+          </a:bodyPr>
+          <a:lstStyle/>
+          <a:p>
+            <a:pPr algn="ctr"/>
+            <a:r>
+              <a:rPr lang="en-US" altLang="zh-CN" dirty="0"/>
+              <a:t>Adaptive FF</a:t>
+            </a:r>
+          </a:p>
+          <a:p>
+            <a:pPr marL="285750" indent="-285750">
+              <a:buFont typeface="Arial" panose="020B0604020202020204" pitchFamily="34" charset="0"/>
+              <a:buChar char="•"/>
+            </a:pPr>
+            <a:r>
+              <a:rPr lang="en-US" altLang="zh-CN" sz="1400" dirty="0"/>
+              <a:t>Adaptive PCE based GSA and uncertainty-based parameter ranking</a:t>
+            </a:r>
+          </a:p>
+          <a:p>
+            <a:pPr marL="285750" indent="-285750">
+              <a:buFont typeface="Arial" panose="020B0604020202020204" pitchFamily="34" charset="0"/>
+              <a:buChar char="•"/>
+            </a:pPr>
+            <a:r>
+              <a:rPr lang="en-US" altLang="zh-CN" sz="1400" dirty="0"/>
+              <a:t>Approximate the error with a small sample size</a:t>
+            </a:r>
+          </a:p>
+          <a:p>
+            <a:pPr marL="285750" indent="-285750">
+              <a:buFont typeface="Arial" panose="020B0604020202020204" pitchFamily="34" charset="0"/>
+              <a:buChar char="•"/>
+            </a:pPr>
+            <a:r>
+              <a:rPr lang="en-US" altLang="zh-CN" sz="1400" dirty="0"/>
+              <a:t>Identify important parameters for varying and potential parameters to fix</a:t>
+            </a:r>
+          </a:p>
+        </p:txBody>
+      </p:sp>
+      <p:sp>
+        <p:nvSpPr>
+          <p:cNvPr id="30" name="文本框 29"/>
+          <p:cNvSpPr txBox="1"/>
+          <p:nvPr/>
+        </p:nvSpPr>
+        <p:spPr>
+          <a:xfrm>
+            <a:off x="3698815" y="5089322"/>
+            <a:ext cx="3684539" cy="1292662"/>
+          </a:xfrm>
+          <a:prstGeom prst="rect">
+            <a:avLst/>
+          </a:prstGeom>
+          <a:solidFill>
+            <a:schemeClr val="bg1">
+              <a:lumMod val="95000"/>
+            </a:schemeClr>
+          </a:solidFill>
+        </p:spPr>
+        <p:txBody>
+          <a:bodyPr wrap="square" rtlCol="0">
+            <a:spAutoFit/>
+          </a:bodyPr>
+          <a:lstStyle/>
+          <a:p>
+            <a:pPr algn="ctr"/>
+            <a:r>
+              <a:rPr lang="en-US" altLang="zh-CN" dirty="0"/>
+              <a:t> Robustness analysis of error measures</a:t>
+            </a:r>
+          </a:p>
+          <a:p>
+            <a:pPr marL="285750" indent="-285750">
+              <a:buFont typeface="Arial" panose="020B0604020202020204" pitchFamily="34" charset="0"/>
+              <a:buChar char="•"/>
+            </a:pPr>
+            <a:r>
+              <a:rPr lang="en-US" altLang="zh-CN" sz="1400" dirty="0"/>
+              <a:t>Increase sample size to assess the reliability of results</a:t>
+            </a:r>
+          </a:p>
+          <a:p>
+            <a:pPr marL="285750" indent="-285750">
+              <a:buFont typeface="Arial" panose="020B0604020202020204" pitchFamily="34" charset="0"/>
+              <a:buChar char="•"/>
+            </a:pPr>
+            <a:r>
+              <a:rPr lang="en-US" altLang="zh-CN" sz="1400" dirty="0"/>
+              <a:t>Reflection on FF and the next step</a:t>
+            </a:r>
+          </a:p>
+        </p:txBody>
+      </p:sp>
+      <p:sp>
+        <p:nvSpPr>
+          <p:cNvPr id="35" name="下弧形箭头 34"/>
+          <p:cNvSpPr/>
+          <p:nvPr/>
+        </p:nvSpPr>
+        <p:spPr>
+          <a:xfrm rot="16200000">
+            <a:off x="6742475" y="4153658"/>
+            <a:ext cx="1219483" cy="291376"/>
+          </a:xfrm>
+          <a:prstGeom prst="curvedUpArrow">
+            <a:avLst/>
+          </a:prstGeom>
+        </p:spPr>
+        <p:style>
+          <a:lnRef idx="2">
+            <a:schemeClr val="accent1">
+              <a:shade val="50000"/>
+            </a:schemeClr>
+          </a:lnRef>
+          <a:fillRef idx="1">
+            <a:schemeClr val="accent1"/>
+          </a:fillRef>
+          <a:effectRef idx="0">
+            <a:schemeClr val="accent1"/>
+          </a:effectRef>
+          <a:fontRef idx="minor">
+            <a:schemeClr val="lt1"/>
+          </a:fontRef>
+        </p:style>
+        <p:txBody>
+          <a:bodyPr rtlCol="0" anchor="ctr"/>
+          <a:lstStyle/>
+          <a:p>
+            <a:pPr algn="ctr"/>
+            <a:endParaRPr lang="zh-CN" altLang="en-US">
+              <a:solidFill>
+                <a:schemeClr val="tx1"/>
+              </a:solidFill>
+            </a:endParaRPr>
+          </a:p>
+        </p:txBody>
+      </p:sp>
+      <p:sp>
+        <p:nvSpPr>
+          <p:cNvPr id="37" name="左弧形箭头 36"/>
+          <p:cNvSpPr/>
+          <p:nvPr/>
+        </p:nvSpPr>
+        <p:spPr>
+          <a:xfrm flipV="1">
+            <a:off x="436957" y="1034257"/>
+            <a:ext cx="667679" cy="4701396"/>
+          </a:xfrm>
+          <a:prstGeom prst="curvedRightArrow">
+            <a:avLst/>
+          </a:prstGeom>
+        </p:spPr>
+        <p:style>
+          <a:lnRef idx="2">
+            <a:schemeClr val="accent1">
+              <a:shade val="50000"/>
+            </a:schemeClr>
+          </a:lnRef>
+          <a:fillRef idx="1">
+            <a:schemeClr val="accent1"/>
+          </a:fillRef>
+          <a:effectRef idx="0">
+            <a:schemeClr val="accent1"/>
+          </a:effectRef>
+          <a:fontRef idx="minor">
+            <a:schemeClr val="lt1"/>
+          </a:fontRef>
+        </p:style>
+        <p:txBody>
+          <a:bodyPr rtlCol="0" anchor="ctr"/>
+          <a:lstStyle/>
+          <a:p>
+            <a:pPr algn="ctr"/>
+            <a:endParaRPr lang="zh-CN" altLang="en-US">
+              <a:solidFill>
+                <a:schemeClr val="tx1"/>
+              </a:solidFill>
+            </a:endParaRPr>
+          </a:p>
+        </p:txBody>
+      </p:sp>
+      <p:sp>
+        <p:nvSpPr>
+          <p:cNvPr id="18" name="文本框 17"/>
+          <p:cNvSpPr txBox="1"/>
+          <p:nvPr/>
+        </p:nvSpPr>
+        <p:spPr>
+          <a:xfrm>
+            <a:off x="3686738" y="2658127"/>
+            <a:ext cx="3708693" cy="523220"/>
+          </a:xfrm>
+          <a:prstGeom prst="rect">
+            <a:avLst/>
+          </a:prstGeom>
+          <a:solidFill>
+            <a:schemeClr val="bg1">
+              <a:lumMod val="95000"/>
+            </a:schemeClr>
+          </a:solidFill>
+        </p:spPr>
+        <p:txBody>
+          <a:bodyPr wrap="square" rtlCol="0">
+            <a:spAutoFit/>
+          </a:bodyPr>
+          <a:lstStyle/>
+          <a:p>
+            <a:pPr marL="285750" indent="-285750">
+              <a:buFont typeface="Arial" panose="020B0604020202020204" pitchFamily="34" charset="0"/>
+              <a:buChar char="•"/>
+            </a:pPr>
+            <a:r>
+              <a:rPr lang="en-US" altLang="zh-CN" sz="1400" dirty="0"/>
+              <a:t>Run the model to generate samples for calibrating PCE</a:t>
+            </a:r>
+          </a:p>
+        </p:txBody>
+      </p:sp>
+      <p:sp>
+        <p:nvSpPr>
+          <p:cNvPr id="10" name="下箭头 9"/>
+          <p:cNvSpPr/>
+          <p:nvPr/>
+        </p:nvSpPr>
+        <p:spPr>
+          <a:xfrm>
+            <a:off x="5461081" y="1672750"/>
+            <a:ext cx="160006" cy="113061"/>
+          </a:xfrm>
+          <a:prstGeom prst="downArrow">
+            <a:avLst/>
+          </a:prstGeom>
+        </p:spPr>
+        <p:style>
+          <a:lnRef idx="2">
+            <a:schemeClr val="accent1">
+              <a:shade val="50000"/>
+            </a:schemeClr>
+          </a:lnRef>
+          <a:fillRef idx="1">
+            <a:schemeClr val="accent1"/>
+          </a:fillRef>
+          <a:effectRef idx="0">
+            <a:schemeClr val="accent1"/>
+          </a:effectRef>
+          <a:fontRef idx="minor">
+            <a:schemeClr val="lt1"/>
+          </a:fontRef>
+        </p:style>
+        <p:txBody>
+          <a:bodyPr rtlCol="0" anchor="ctr"/>
+          <a:lstStyle/>
+          <a:p>
+            <a:pPr algn="ctr"/>
+            <a:endParaRPr lang="zh-CN" altLang="en-US" dirty="0"/>
+          </a:p>
+        </p:txBody>
+      </p:sp>
+      <p:sp>
+        <p:nvSpPr>
+          <p:cNvPr id="21" name="下箭头 20"/>
+          <p:cNvSpPr/>
+          <p:nvPr/>
+        </p:nvSpPr>
+        <p:spPr>
+          <a:xfrm>
+            <a:off x="5461081" y="2537932"/>
+            <a:ext cx="160006" cy="113061"/>
+          </a:xfrm>
+          <a:prstGeom prst="downArrow">
+            <a:avLst/>
+          </a:prstGeom>
+        </p:spPr>
+        <p:style>
+          <a:lnRef idx="2">
+            <a:schemeClr val="accent1">
+              <a:shade val="50000"/>
+            </a:schemeClr>
+          </a:lnRef>
+          <a:fillRef idx="1">
+            <a:schemeClr val="accent1"/>
+          </a:fillRef>
+          <a:effectRef idx="0">
+            <a:schemeClr val="accent1"/>
+          </a:effectRef>
+          <a:fontRef idx="minor">
+            <a:schemeClr val="lt1"/>
+          </a:fontRef>
+        </p:style>
+        <p:txBody>
+          <a:bodyPr rtlCol="0" anchor="ctr"/>
+          <a:lstStyle/>
+          <a:p>
+            <a:pPr algn="ctr"/>
+            <a:endParaRPr lang="zh-CN" altLang="en-US"/>
+          </a:p>
+        </p:txBody>
+      </p:sp>
+      <p:sp>
+        <p:nvSpPr>
+          <p:cNvPr id="22" name="下箭头 21"/>
+          <p:cNvSpPr/>
+          <p:nvPr/>
+        </p:nvSpPr>
+        <p:spPr>
+          <a:xfrm>
+            <a:off x="5461081" y="3177445"/>
+            <a:ext cx="160006" cy="113061"/>
+          </a:xfrm>
+          <a:prstGeom prst="downArrow">
+            <a:avLst/>
+          </a:prstGeom>
+        </p:spPr>
+        <p:style>
+          <a:lnRef idx="2">
+            <a:schemeClr val="accent1">
+              <a:shade val="50000"/>
+            </a:schemeClr>
+          </a:lnRef>
+          <a:fillRef idx="1">
+            <a:schemeClr val="accent1"/>
+          </a:fillRef>
+          <a:effectRef idx="0">
+            <a:schemeClr val="accent1"/>
+          </a:effectRef>
+          <a:fontRef idx="minor">
+            <a:schemeClr val="lt1"/>
+          </a:fontRef>
+        </p:style>
+        <p:txBody>
+          <a:bodyPr rtlCol="0" anchor="ctr"/>
+          <a:lstStyle/>
+          <a:p>
+            <a:pPr algn="ctr"/>
+            <a:endParaRPr lang="zh-CN" altLang="en-US"/>
+          </a:p>
+        </p:txBody>
+      </p:sp>
+      <p:sp>
+        <p:nvSpPr>
+          <p:cNvPr id="23" name="下箭头 22"/>
+          <p:cNvSpPr/>
+          <p:nvPr/>
+        </p:nvSpPr>
+        <p:spPr>
+          <a:xfrm>
+            <a:off x="5461081" y="4964537"/>
+            <a:ext cx="160006" cy="113061"/>
+          </a:xfrm>
+          <a:prstGeom prst="downArrow">
+            <a:avLst/>
+          </a:prstGeom>
+        </p:spPr>
+        <p:style>
+          <a:lnRef idx="2">
+            <a:schemeClr val="accent1">
+              <a:shade val="50000"/>
+            </a:schemeClr>
+          </a:lnRef>
+          <a:fillRef idx="1">
+            <a:schemeClr val="accent1"/>
+          </a:fillRef>
+          <a:effectRef idx="0">
+            <a:schemeClr val="accent1"/>
+          </a:effectRef>
+          <a:fontRef idx="minor">
+            <a:schemeClr val="lt1"/>
+          </a:fontRef>
+        </p:style>
+        <p:txBody>
+          <a:bodyPr rtlCol="0" anchor="ctr"/>
+          <a:lstStyle/>
+          <a:p>
+            <a:pPr algn="ctr"/>
+            <a:endParaRPr lang="zh-CN" altLang="en-US"/>
+          </a:p>
+        </p:txBody>
+      </p:sp>
+      <p:sp>
+        <p:nvSpPr>
+          <p:cNvPr id="3" name="文本框 2"/>
+          <p:cNvSpPr txBox="1"/>
+          <p:nvPr/>
+        </p:nvSpPr>
+        <p:spPr>
+          <a:xfrm>
+            <a:off x="7612453" y="2093263"/>
+            <a:ext cx="4004814" cy="523220"/>
+          </a:xfrm>
+          <a:prstGeom prst="rect">
+            <a:avLst/>
+          </a:prstGeom>
+          <a:noFill/>
+        </p:spPr>
+        <p:txBody>
+          <a:bodyPr wrap="none" rtlCol="0">
+            <a:spAutoFit/>
+          </a:bodyPr>
+          <a:lstStyle/>
+          <a:p>
+            <a:pPr marL="285750" indent="-285750">
+              <a:buFont typeface="Wingdings" panose="05000000000000000000" pitchFamily="2" charset="2"/>
+              <a:buChar char="q"/>
+            </a:pPr>
+            <a:r>
+              <a:rPr lang="en-US" altLang="zh-CN" sz="1400" dirty="0"/>
+              <a:t>Section 5.1</a:t>
+            </a:r>
+          </a:p>
+          <a:p>
+            <a:r>
+              <a:rPr lang="en-US" altLang="zh-CN" sz="1400" dirty="0"/>
+              <a:t>PCE validation with effect of parameter distributions</a:t>
+            </a:r>
+          </a:p>
+        </p:txBody>
+      </p:sp>
+      <p:sp>
+        <p:nvSpPr>
+          <p:cNvPr id="8" name="文本框 7"/>
+          <p:cNvSpPr txBox="1"/>
+          <p:nvPr/>
+        </p:nvSpPr>
+        <p:spPr>
+          <a:xfrm>
+            <a:off x="7612452" y="2591372"/>
+            <a:ext cx="4161717" cy="523220"/>
+          </a:xfrm>
+          <a:prstGeom prst="rect">
+            <a:avLst/>
+          </a:prstGeom>
+          <a:noFill/>
+        </p:spPr>
+        <p:txBody>
+          <a:bodyPr wrap="none" rtlCol="0">
+            <a:spAutoFit/>
+          </a:bodyPr>
+          <a:lstStyle/>
+          <a:p>
+            <a:pPr marL="285750" indent="-285750">
+              <a:buFont typeface="Wingdings" panose="05000000000000000000" pitchFamily="2" charset="2"/>
+              <a:buChar char="q"/>
+            </a:pPr>
+            <a:r>
+              <a:rPr lang="en-US" altLang="zh-CN" sz="1400" dirty="0"/>
+              <a:t>Section 5.2</a:t>
+            </a:r>
+          </a:p>
+          <a:p>
+            <a:r>
+              <a:rPr lang="en-US" altLang="zh-CN" sz="1400" dirty="0"/>
+              <a:t>Impact of parameter distributions on sensitivity index</a:t>
+            </a:r>
+            <a:endParaRPr lang="zh-CN" altLang="en-US" sz="1400" dirty="0"/>
+          </a:p>
+        </p:txBody>
+      </p:sp>
+      <p:sp>
+        <p:nvSpPr>
+          <p:cNvPr id="9" name="文本框 8"/>
+          <p:cNvSpPr txBox="1"/>
+          <p:nvPr/>
+        </p:nvSpPr>
+        <p:spPr>
+          <a:xfrm>
+            <a:off x="7617030" y="3876213"/>
+            <a:ext cx="3812969" cy="738664"/>
+          </a:xfrm>
+          <a:prstGeom prst="rect">
+            <a:avLst/>
+          </a:prstGeom>
+          <a:noFill/>
+        </p:spPr>
+        <p:txBody>
+          <a:bodyPr wrap="square" rtlCol="0">
+            <a:spAutoFit/>
+          </a:bodyPr>
+          <a:lstStyle/>
+          <a:p>
+            <a:pPr marL="285750" indent="-285750">
+              <a:buFont typeface="Wingdings" panose="05000000000000000000" pitchFamily="2" charset="2"/>
+              <a:buChar char="q"/>
+            </a:pPr>
+            <a:r>
+              <a:rPr lang="en-US" altLang="zh-CN" sz="1400" dirty="0"/>
+              <a:t>Section 5.3</a:t>
+            </a:r>
+          </a:p>
+          <a:p>
+            <a:r>
+              <a:rPr lang="en-US" altLang="zh-CN" sz="1400" dirty="0"/>
+              <a:t>Adaptive figure, approximation of error, and the decision on sample size</a:t>
+            </a:r>
+          </a:p>
+        </p:txBody>
+      </p:sp>
+      <p:sp>
+        <p:nvSpPr>
+          <p:cNvPr id="12" name="文本框 11"/>
+          <p:cNvSpPr txBox="1"/>
+          <p:nvPr/>
+        </p:nvSpPr>
+        <p:spPr>
+          <a:xfrm>
+            <a:off x="7612453" y="5397100"/>
+            <a:ext cx="2839752" cy="738664"/>
+          </a:xfrm>
+          <a:prstGeom prst="rect">
+            <a:avLst/>
+          </a:prstGeom>
+          <a:noFill/>
+        </p:spPr>
+        <p:txBody>
+          <a:bodyPr wrap="none" rtlCol="0">
+            <a:spAutoFit/>
+          </a:bodyPr>
+          <a:lstStyle/>
+          <a:p>
+            <a:pPr marL="285750" indent="-285750">
+              <a:buFont typeface="Wingdings" panose="05000000000000000000" pitchFamily="2" charset="2"/>
+              <a:buChar char="q"/>
+            </a:pPr>
+            <a:r>
+              <a:rPr lang="en-US" altLang="zh-CN" sz="1400" dirty="0"/>
+              <a:t>Sections 5.4 &amp; 5.5</a:t>
+            </a:r>
+          </a:p>
+          <a:p>
+            <a:r>
+              <a:rPr lang="en-US" altLang="zh-CN" sz="1400" dirty="0"/>
+              <a:t>Effect</a:t>
+            </a:r>
+            <a:r>
+              <a:rPr lang="zh-CN" altLang="en-US" sz="1400" dirty="0"/>
+              <a:t> </a:t>
+            </a:r>
+            <a:r>
+              <a:rPr lang="en-US" altLang="zh-CN" sz="1400" dirty="0"/>
+              <a:t>of uncertainty communication</a:t>
+            </a:r>
+          </a:p>
+          <a:p>
+            <a:r>
+              <a:rPr lang="en-US" altLang="zh-CN" sz="1400" dirty="0"/>
+              <a:t>Robustness assessment</a:t>
+            </a:r>
+            <a:endParaRPr lang="zh-CN" altLang="en-US" sz="1400" dirty="0"/>
+          </a:p>
+        </p:txBody>
+      </p:sp>
+      <p:sp>
+        <p:nvSpPr>
+          <p:cNvPr id="26" name="文本框 25"/>
+          <p:cNvSpPr txBox="1"/>
+          <p:nvPr/>
+        </p:nvSpPr>
+        <p:spPr>
+          <a:xfrm>
+            <a:off x="1444667" y="4477098"/>
+            <a:ext cx="2132315" cy="307777"/>
+          </a:xfrm>
+          <a:prstGeom prst="rect">
+            <a:avLst/>
+          </a:prstGeom>
+          <a:noFill/>
+        </p:spPr>
+        <p:txBody>
+          <a:bodyPr wrap="none" rtlCol="0">
+            <a:spAutoFit/>
+          </a:bodyPr>
+          <a:lstStyle/>
+          <a:p>
+            <a:pPr marL="285750" indent="-285750">
+              <a:buFont typeface="Wingdings" panose="05000000000000000000" pitchFamily="2" charset="2"/>
+              <a:buChar char="q"/>
+            </a:pPr>
+            <a:r>
+              <a:rPr lang="en-US" altLang="zh-CN" sz="1400" dirty="0"/>
+              <a:t>Discussion: Section 6.1</a:t>
+            </a:r>
+            <a:endParaRPr lang="zh-CN" altLang="en-US" sz="1400" dirty="0"/>
+          </a:p>
+        </p:txBody>
+      </p:sp>
+      <p:sp>
+        <p:nvSpPr>
+          <p:cNvPr id="14" name="TextBox 13"/>
+          <p:cNvSpPr txBox="1"/>
+          <p:nvPr/>
+        </p:nvSpPr>
+        <p:spPr>
+          <a:xfrm>
+            <a:off x="7711658" y="1732244"/>
+            <a:ext cx="1575933" cy="369332"/>
+          </a:xfrm>
+          <a:prstGeom prst="rect">
+            <a:avLst/>
+          </a:prstGeom>
+          <a:solidFill>
+            <a:schemeClr val="bg2">
+              <a:lumMod val="90000"/>
+            </a:schemeClr>
+          </a:solidFill>
+        </p:spPr>
+        <p:txBody>
+          <a:bodyPr wrap="square" rtlCol="0">
+            <a:spAutoFit/>
+          </a:bodyPr>
+          <a:lstStyle/>
+          <a:p>
+            <a:pPr algn="ctr"/>
+            <a:r>
+              <a:rPr lang="en-US" dirty="0"/>
+              <a:t>Results</a:t>
+            </a:r>
+            <a:endParaRPr lang="en-AU" dirty="0"/>
+          </a:p>
+        </p:txBody>
+      </p:sp>
+      <p:sp>
+        <p:nvSpPr>
+          <p:cNvPr id="34" name="Rounded Rectangle 33"/>
+          <p:cNvSpPr/>
+          <p:nvPr/>
+        </p:nvSpPr>
+        <p:spPr>
+          <a:xfrm>
+            <a:off x="7605034" y="2109518"/>
+            <a:ext cx="3997569" cy="1082949"/>
+          </a:xfrm>
+          <a:prstGeom prst="roundRect">
+            <a:avLst/>
+          </a:prstGeom>
+          <a:noFill/>
+          <a:ln>
+            <a:solidFill>
+              <a:schemeClr val="bg2">
+                <a:lumMod val="50000"/>
+              </a:schemeClr>
+            </a:solidFill>
+          </a:ln>
+        </p:spPr>
+        <p:style>
+          <a:lnRef idx="2">
+            <a:schemeClr val="accent1">
+              <a:shade val="50000"/>
+            </a:schemeClr>
+          </a:lnRef>
+          <a:fillRef idx="1">
+            <a:schemeClr val="accent1"/>
+          </a:fillRef>
+          <a:effectRef idx="0">
+            <a:schemeClr val="accent1"/>
+          </a:effectRef>
+          <a:fontRef idx="minor">
+            <a:schemeClr val="lt1"/>
+          </a:fontRef>
+        </p:style>
+        <p:txBody>
+          <a:bodyPr rtlCol="0" anchor="ctr"/>
+          <a:lstStyle/>
+          <a:p>
+            <a:pPr algn="ctr"/>
+            <a:endParaRPr lang="en-AU"/>
+          </a:p>
+        </p:txBody>
+      </p:sp>
+      <p:sp>
+        <p:nvSpPr>
+          <p:cNvPr id="38" name="Rounded Rectangle 37"/>
+          <p:cNvSpPr/>
+          <p:nvPr/>
+        </p:nvSpPr>
+        <p:spPr>
+          <a:xfrm>
+            <a:off x="7612452" y="3858341"/>
+            <a:ext cx="3997569" cy="833457"/>
+          </a:xfrm>
+          <a:prstGeom prst="roundRect">
+            <a:avLst/>
+          </a:prstGeom>
+          <a:noFill/>
+          <a:ln>
+            <a:solidFill>
+              <a:schemeClr val="bg2">
+                <a:lumMod val="50000"/>
+              </a:schemeClr>
+            </a:solidFill>
+          </a:ln>
+        </p:spPr>
+        <p:style>
+          <a:lnRef idx="2">
+            <a:schemeClr val="accent1">
+              <a:shade val="50000"/>
+            </a:schemeClr>
+          </a:lnRef>
+          <a:fillRef idx="1">
+            <a:schemeClr val="accent1"/>
+          </a:fillRef>
+          <a:effectRef idx="0">
+            <a:schemeClr val="accent1"/>
+          </a:effectRef>
+          <a:fontRef idx="minor">
+            <a:schemeClr val="lt1"/>
+          </a:fontRef>
+        </p:style>
+        <p:txBody>
+          <a:bodyPr rtlCol="0" anchor="ctr"/>
+          <a:lstStyle/>
+          <a:p>
+            <a:pPr algn="ctr"/>
+            <a:endParaRPr lang="en-AU"/>
+          </a:p>
+        </p:txBody>
+      </p:sp>
+      <p:sp>
+        <p:nvSpPr>
+          <p:cNvPr id="39" name="Rounded Rectangle 38"/>
+          <p:cNvSpPr/>
+          <p:nvPr/>
+        </p:nvSpPr>
+        <p:spPr>
+          <a:xfrm>
+            <a:off x="7605033" y="5349703"/>
+            <a:ext cx="3997569" cy="833457"/>
+          </a:xfrm>
+          <a:prstGeom prst="roundRect">
+            <a:avLst/>
+          </a:prstGeom>
+          <a:noFill/>
+          <a:ln>
+            <a:solidFill>
+              <a:schemeClr val="bg2">
+                <a:lumMod val="50000"/>
+              </a:schemeClr>
+            </a:solidFill>
+          </a:ln>
+        </p:spPr>
+        <p:style>
+          <a:lnRef idx="2">
+            <a:schemeClr val="accent1">
+              <a:shade val="50000"/>
+            </a:schemeClr>
+          </a:lnRef>
+          <a:fillRef idx="1">
+            <a:schemeClr val="accent1"/>
+          </a:fillRef>
+          <a:effectRef idx="0">
+            <a:schemeClr val="accent1"/>
+          </a:effectRef>
+          <a:fontRef idx="minor">
+            <a:schemeClr val="lt1"/>
+          </a:fontRef>
+        </p:style>
+        <p:txBody>
+          <a:bodyPr rtlCol="0" anchor="ctr"/>
+          <a:lstStyle/>
+          <a:p>
+            <a:pPr algn="ctr"/>
+            <a:endParaRPr lang="en-AU"/>
+          </a:p>
+        </p:txBody>
+      </p:sp>
+      <p:sp>
+        <p:nvSpPr>
+          <p:cNvPr id="36" name="Right Brace 35"/>
+          <p:cNvSpPr/>
+          <p:nvPr/>
+        </p:nvSpPr>
+        <p:spPr>
+          <a:xfrm>
+            <a:off x="7395431" y="2236122"/>
+            <a:ext cx="102474" cy="828592"/>
+          </a:xfrm>
+          <a:prstGeom prst="rightBrace">
+            <a:avLst/>
+          </a:prstGeom>
+          <a:ln w="12700">
+            <a:solidFill>
+              <a:schemeClr val="bg2">
+                <a:lumMod val="50000"/>
+              </a:schemeClr>
+            </a:solidFill>
+          </a:ln>
+        </p:spPr>
+        <p:style>
+          <a:lnRef idx="1">
+            <a:schemeClr val="dk1"/>
+          </a:lnRef>
+          <a:fillRef idx="0">
+            <a:schemeClr val="dk1"/>
+          </a:fillRef>
+          <a:effectRef idx="0">
+            <a:schemeClr val="dk1"/>
+          </a:effectRef>
+          <a:fontRef idx="minor">
+            <a:schemeClr val="tx1"/>
+          </a:fontRef>
+        </p:style>
+        <p:txBody>
+          <a:bodyPr rtlCol="0" anchor="ctr"/>
+          <a:lstStyle/>
+          <a:p>
+            <a:pPr algn="ctr"/>
+            <a:endParaRPr lang="en-AU"/>
+          </a:p>
+        </p:txBody>
+      </p:sp>
+      <p:sp>
+        <p:nvSpPr>
+          <p:cNvPr id="31" name="文本框 25"/>
+          <p:cNvSpPr txBox="1"/>
+          <p:nvPr/>
+        </p:nvSpPr>
+        <p:spPr>
+          <a:xfrm>
+            <a:off x="1444666" y="6109311"/>
+            <a:ext cx="2132315" cy="307777"/>
+          </a:xfrm>
+          <a:prstGeom prst="rect">
+            <a:avLst/>
+          </a:prstGeom>
+          <a:noFill/>
+        </p:spPr>
+        <p:txBody>
+          <a:bodyPr wrap="none" rtlCol="0">
+            <a:spAutoFit/>
+          </a:bodyPr>
+          <a:lstStyle/>
+          <a:p>
+            <a:pPr marL="285750" indent="-285750">
+              <a:buFont typeface="Wingdings" panose="05000000000000000000" pitchFamily="2" charset="2"/>
+              <a:buChar char="q"/>
+            </a:pPr>
+            <a:r>
+              <a:rPr lang="en-US" altLang="zh-CN" sz="1400" dirty="0"/>
+              <a:t>Discussion: Section 6.2</a:t>
+            </a:r>
+            <a:endParaRPr lang="zh-CN" altLang="en-US" sz="1400" dirty="0"/>
+          </a:p>
+        </p:txBody>
+      </p:sp>
+    </p:spTree>
+    <p:extLst>
+      <p:ext uri="{BB962C8B-B14F-4D97-AF65-F5344CB8AC3E}">
+        <p14:creationId xmlns:p14="http://schemas.microsoft.com/office/powerpoint/2010/main" val="1352020292"/>
+      </p:ext>
+    </p:extLst>
+  </p:cSld>
+  <p:clrMapOvr>
+    <a:masterClrMapping/>
+  </p:clrMapOvr>
+</p:sld>
+</file>
+
+<file path=ppt/slides/slide4.xml><?xml version="1.0" encoding="utf-8"?>
 <p:sld xmlns:a="http://schemas.openxmlformats.org/drawingml/2006/main" xmlns:r="http://schemas.openxmlformats.org/officeDocument/2006/relationships" xmlns:p="http://schemas.openxmlformats.org/presentationml/2006/main">
   <p:cSld>
     <p:spTree>
@@ -7531,7 +7999,7 @@
 </p:sld>
 </file>
 
-<file path=ppt/slides/slide4.xml><?xml version="1.0" encoding="utf-8"?>
+<file path=ppt/slides/slide5.xml><?xml version="1.0" encoding="utf-8"?>
 <p:sld xmlns:a="http://schemas.openxmlformats.org/drawingml/2006/main" xmlns:r="http://schemas.openxmlformats.org/officeDocument/2006/relationships" xmlns:p="http://schemas.openxmlformats.org/presentationml/2006/main">
   <p:cSld>
     <p:spTree>
@@ -8787,7 +9255,7 @@
 </p:sld>
 </file>
 
-<file path=ppt/slides/slide5.xml><?xml version="1.0" encoding="utf-8"?>
+<file path=ppt/slides/slide6.xml><?xml version="1.0" encoding="utf-8"?>
 <p:sld xmlns:a="http://schemas.openxmlformats.org/drawingml/2006/main" xmlns:r="http://schemas.openxmlformats.org/officeDocument/2006/relationships" xmlns:p="http://schemas.openxmlformats.org/presentationml/2006/main">
   <p:cSld>
     <p:spTree>
@@ -9109,7 +9577,7 @@
 </p:sld>
 </file>
 
-<file path=ppt/slides/slide6.xml><?xml version="1.0" encoding="utf-8"?>
+<file path=ppt/slides/slide7.xml><?xml version="1.0" encoding="utf-8"?>
 <p:sld xmlns:a="http://schemas.openxmlformats.org/drawingml/2006/main" xmlns:r="http://schemas.openxmlformats.org/officeDocument/2006/relationships" xmlns:p="http://schemas.openxmlformats.org/presentationml/2006/main">
   <p:cSld>
     <p:spTree>
@@ -9128,10 +9596,10 @@
       </p:grpSpPr>
       <p:pic>
         <p:nvPicPr>
-          <p:cNvPr id="3" name="图片 2">
+          <p:cNvPr id="5" name="图片 4">
             <a:extLst>
               <a:ext uri="{FF2B5EF4-FFF2-40B4-BE49-F238E27FC236}">
-                <a16:creationId xmlns:a16="http://schemas.microsoft.com/office/drawing/2014/main" id="{8F25978C-8657-4DF5-9B17-E00BCE8350FC}"/>
+                <a16:creationId xmlns:a16="http://schemas.microsoft.com/office/drawing/2014/main" id="{1CE1ECB8-7F5C-45BA-9891-2EF47593CE39}"/>
               </a:ext>
             </a:extLst>
           </p:cNvPr>
@@ -9154,8 +9622,8 @@
         </p:blipFill>
         <p:spPr>
           <a:xfrm>
-            <a:off x="3465638" y="1447151"/>
-            <a:ext cx="5395291" cy="5096262"/>
+            <a:off x="2965110" y="674622"/>
+            <a:ext cx="5524549" cy="5068370"/>
           </a:xfrm>
           <a:prstGeom prst="rect">
             <a:avLst/>
@@ -9176,7 +9644,7 @@
         </p:nvSpPr>
         <p:spPr>
           <a:xfrm>
-            <a:off x="4169916" y="4404220"/>
+            <a:off x="3767244" y="3531765"/>
             <a:ext cx="1066134" cy="261610"/>
           </a:xfrm>
           <a:prstGeom prst="rect">
@@ -9448,474 +9916,6 @@
     <p:extLst>
       <p:ext uri="{BB962C8B-B14F-4D97-AF65-F5344CB8AC3E}">
         <p14:creationId xmlns:p14="http://schemas.microsoft.com/office/powerpoint/2010/main" val="1282058643"/>
-      </p:ext>
-    </p:extLst>
-  </p:cSld>
-  <p:clrMapOvr>
-    <a:masterClrMapping/>
-  </p:clrMapOvr>
-</p:sld>
-</file>
-
-<file path=ppt/slides/slide7.xml><?xml version="1.0" encoding="utf-8"?>
-<p:sld xmlns:a="http://schemas.openxmlformats.org/drawingml/2006/main" xmlns:r="http://schemas.openxmlformats.org/officeDocument/2006/relationships" xmlns:p="http://schemas.openxmlformats.org/presentationml/2006/main">
-  <p:cSld>
-    <p:spTree>
-      <p:nvGrpSpPr>
-        <p:cNvPr id="1" name=""/>
-        <p:cNvGrpSpPr/>
-        <p:nvPr/>
-      </p:nvGrpSpPr>
-      <p:grpSpPr>
-        <a:xfrm>
-          <a:off x="0" y="0"/>
-          <a:ext cx="0" cy="0"/>
-          <a:chOff x="0" y="0"/>
-          <a:chExt cx="0" cy="0"/>
-        </a:xfrm>
-      </p:grpSpPr>
-      <p:pic>
-        <p:nvPicPr>
-          <p:cNvPr id="4" name="图片 3">
-            <a:extLst>
-              <a:ext uri="{FF2B5EF4-FFF2-40B4-BE49-F238E27FC236}">
-                <a16:creationId xmlns:a16="http://schemas.microsoft.com/office/drawing/2014/main" id="{0CC67A13-4353-4C33-A755-7653D597E5C9}"/>
-              </a:ext>
-            </a:extLst>
-          </p:cNvPr>
-          <p:cNvPicPr>
-            <a:picLocks noChangeAspect="1"/>
-          </p:cNvPicPr>
-          <p:nvPr/>
-        </p:nvPicPr>
-        <p:blipFill rotWithShape="1">
-          <a:blip r:embed="rId2" cstate="print">
-            <a:extLst>
-              <a:ext uri="{28A0092B-C50C-407E-A947-70E740481C1C}">
-                <a14:useLocalDpi xmlns:a14="http://schemas.microsoft.com/office/drawing/2010/main" val="0"/>
-              </a:ext>
-            </a:extLst>
-          </a:blip>
-          <a:srcRect l="29072" t="27151" r="19788" b="25181"/>
-          <a:stretch/>
-        </p:blipFill>
-        <p:spPr>
-          <a:xfrm>
-            <a:off x="3493651" y="1936391"/>
-            <a:ext cx="2498161" cy="3297637"/>
-          </a:xfrm>
-          <a:prstGeom prst="rect">
-            <a:avLst/>
-          </a:prstGeom>
-        </p:spPr>
-      </p:pic>
-      <p:grpSp>
-        <p:nvGrpSpPr>
-          <p:cNvPr id="15" name="组合 14">
-            <a:extLst>
-              <a:ext uri="{FF2B5EF4-FFF2-40B4-BE49-F238E27FC236}">
-                <a16:creationId xmlns:a16="http://schemas.microsoft.com/office/drawing/2014/main" id="{31524AA8-6E6C-4B31-B904-52C0F03ED427}"/>
-              </a:ext>
-            </a:extLst>
-          </p:cNvPr>
-          <p:cNvGrpSpPr/>
-          <p:nvPr/>
-        </p:nvGrpSpPr>
-        <p:grpSpPr>
-          <a:xfrm>
-            <a:off x="6065203" y="3665220"/>
-            <a:ext cx="1098958" cy="1467623"/>
-            <a:chOff x="5546521" y="962637"/>
-            <a:chExt cx="1098958" cy="1619075"/>
-          </a:xfrm>
-        </p:grpSpPr>
-        <p:pic>
-          <p:nvPicPr>
-            <p:cNvPr id="3" name="图片 2">
-              <a:extLst>
-                <a:ext uri="{FF2B5EF4-FFF2-40B4-BE49-F238E27FC236}">
-                  <a16:creationId xmlns:a16="http://schemas.microsoft.com/office/drawing/2014/main" id="{7FF24FA6-02FC-4BF6-9CA6-9F2684530128}"/>
-                </a:ext>
-              </a:extLst>
-            </p:cNvPr>
-            <p:cNvPicPr>
-              <a:picLocks noChangeAspect="1"/>
-            </p:cNvPicPr>
-            <p:nvPr/>
-          </p:nvPicPr>
-          <p:blipFill rotWithShape="1">
-            <a:blip r:embed="rId3" cstate="print">
-              <a:extLst>
-                <a:ext uri="{28A0092B-C50C-407E-A947-70E740481C1C}">
-                  <a14:useLocalDpi xmlns:a14="http://schemas.microsoft.com/office/drawing/2010/main" val="0"/>
-                </a:ext>
-              </a:extLst>
-            </a:blip>
-            <a:srcRect l="33601" t="41223" r="43706" b="35168"/>
-            <a:stretch/>
-          </p:blipFill>
-          <p:spPr>
-            <a:xfrm>
-              <a:off x="5546521" y="962637"/>
-              <a:ext cx="1098958" cy="1619075"/>
-            </a:xfrm>
-            <a:prstGeom prst="rect">
-              <a:avLst/>
-            </a:prstGeom>
-            <a:ln w="6350" cap="sq">
-              <a:solidFill>
-                <a:srgbClr val="000000"/>
-              </a:solidFill>
-              <a:prstDash val="solid"/>
-              <a:miter lim="800000"/>
-            </a:ln>
-            <a:effectLst>
-              <a:outerShdw blurRad="50800" dist="38100" dir="2700000" algn="tl" rotWithShape="0">
-                <a:srgbClr val="000000">
-                  <a:alpha val="43000"/>
-                </a:srgbClr>
-              </a:outerShdw>
-            </a:effectLst>
-          </p:spPr>
-        </p:pic>
-        <p:sp>
-          <p:nvSpPr>
-            <p:cNvPr id="16" name="文本框 15">
-              <a:extLst>
-                <a:ext uri="{FF2B5EF4-FFF2-40B4-BE49-F238E27FC236}">
-                  <a16:creationId xmlns:a16="http://schemas.microsoft.com/office/drawing/2014/main" id="{AB4F5715-82BB-4DCF-B59F-4FCCD142B838}"/>
-                </a:ext>
-              </a:extLst>
-            </p:cNvPr>
-            <p:cNvSpPr txBox="1"/>
-            <p:nvPr/>
-          </p:nvSpPr>
-          <p:spPr>
-            <a:xfrm>
-              <a:off x="5558605" y="2138328"/>
-              <a:ext cx="860684" cy="441400"/>
-            </a:xfrm>
-            <a:prstGeom prst="rect">
-              <a:avLst/>
-            </a:prstGeom>
-            <a:noFill/>
-          </p:spPr>
-          <p:txBody>
-            <a:bodyPr wrap="square" rtlCol="0">
-              <a:spAutoFit/>
-            </a:bodyPr>
-            <a:lstStyle/>
-            <a:p>
-              <a:r>
-                <a:rPr lang="en-US" altLang="zh-CN" sz="1000" dirty="0">
-                  <a:latin typeface="Arial" panose="020B0604020202020204" pitchFamily="34" charset="0"/>
-                  <a:cs typeface="Arial" panose="020B0604020202020204" pitchFamily="34" charset="0"/>
-                </a:rPr>
-                <a:t>Mackay Whitsunday</a:t>
-              </a:r>
-              <a:endParaRPr lang="zh-CN" altLang="en-US" sz="1000" dirty="0">
-                <a:latin typeface="Arial" panose="020B0604020202020204" pitchFamily="34" charset="0"/>
-                <a:cs typeface="Arial" panose="020B0604020202020204" pitchFamily="34" charset="0"/>
-              </a:endParaRPr>
-            </a:p>
-          </p:txBody>
-        </p:sp>
-      </p:grpSp>
-      <p:grpSp>
-        <p:nvGrpSpPr>
-          <p:cNvPr id="49" name="组合 48">
-            <a:extLst>
-              <a:ext uri="{FF2B5EF4-FFF2-40B4-BE49-F238E27FC236}">
-                <a16:creationId xmlns:a16="http://schemas.microsoft.com/office/drawing/2014/main" id="{EDDF3036-65C2-427D-B645-163807D421F5}"/>
-              </a:ext>
-            </a:extLst>
-          </p:cNvPr>
-          <p:cNvGrpSpPr/>
-          <p:nvPr/>
-        </p:nvGrpSpPr>
-        <p:grpSpPr>
-          <a:xfrm>
-            <a:off x="6022682" y="1960596"/>
-            <a:ext cx="1333599" cy="1543515"/>
-            <a:chOff x="6137629" y="723435"/>
-            <a:chExt cx="1486419" cy="1696920"/>
-          </a:xfrm>
-        </p:grpSpPr>
-        <p:pic>
-          <p:nvPicPr>
-            <p:cNvPr id="35" name="图片 34">
-              <a:extLst>
-                <a:ext uri="{FF2B5EF4-FFF2-40B4-BE49-F238E27FC236}">
-                  <a16:creationId xmlns:a16="http://schemas.microsoft.com/office/drawing/2014/main" id="{9DB24E35-FE28-44D5-BADA-85D851607CCF}"/>
-                </a:ext>
-              </a:extLst>
-            </p:cNvPr>
-            <p:cNvPicPr>
-              <a:picLocks noChangeAspect="1"/>
-            </p:cNvPicPr>
-            <p:nvPr/>
-          </p:nvPicPr>
-          <p:blipFill rotWithShape="1">
-            <a:blip r:embed="rId4" cstate="print">
-              <a:extLst>
-                <a:ext uri="{28A0092B-C50C-407E-A947-70E740481C1C}">
-                  <a14:useLocalDpi xmlns:a14="http://schemas.microsoft.com/office/drawing/2010/main" val="0"/>
-                </a:ext>
-              </a:extLst>
-            </a:blip>
-            <a:srcRect l="32377" t="30000" r="21047" b="31666"/>
-            <a:stretch/>
-          </p:blipFill>
-          <p:spPr>
-            <a:xfrm>
-              <a:off x="6168152" y="723435"/>
-              <a:ext cx="1455896" cy="1696920"/>
-            </a:xfrm>
-            <a:prstGeom prst="rect">
-              <a:avLst/>
-            </a:prstGeom>
-          </p:spPr>
-        </p:pic>
-        <p:sp>
-          <p:nvSpPr>
-            <p:cNvPr id="37" name="文本框 36">
-              <a:extLst>
-                <a:ext uri="{FF2B5EF4-FFF2-40B4-BE49-F238E27FC236}">
-                  <a16:creationId xmlns:a16="http://schemas.microsoft.com/office/drawing/2014/main" id="{A538FDC0-85C5-499D-8209-131D5EE26BCD}"/>
-                </a:ext>
-              </a:extLst>
-            </p:cNvPr>
-            <p:cNvSpPr txBox="1"/>
-            <p:nvPr/>
-          </p:nvSpPr>
-          <p:spPr>
-            <a:xfrm>
-              <a:off x="6137629" y="1490096"/>
-              <a:ext cx="1002926" cy="270692"/>
-            </a:xfrm>
-            <a:prstGeom prst="rect">
-              <a:avLst/>
-            </a:prstGeom>
-            <a:noFill/>
-          </p:spPr>
-          <p:txBody>
-            <a:bodyPr wrap="square" rtlCol="0">
-              <a:spAutoFit/>
-            </a:bodyPr>
-            <a:lstStyle/>
-            <a:p>
-              <a:r>
-                <a:rPr lang="en-US" altLang="zh-CN" sz="1000" dirty="0">
-                  <a:latin typeface="Arial" panose="020B0604020202020204" pitchFamily="34" charset="0"/>
-                  <a:cs typeface="Arial" panose="020B0604020202020204" pitchFamily="34" charset="0"/>
-                </a:rPr>
-                <a:t>Queensland</a:t>
-              </a:r>
-              <a:endParaRPr lang="zh-CN" altLang="en-US" sz="1000" dirty="0">
-                <a:latin typeface="Arial" panose="020B0604020202020204" pitchFamily="34" charset="0"/>
-                <a:cs typeface="Arial" panose="020B0604020202020204" pitchFamily="34" charset="0"/>
-              </a:endParaRPr>
-            </a:p>
-          </p:txBody>
-        </p:sp>
-      </p:grpSp>
-      <p:cxnSp>
-        <p:nvCxnSpPr>
-          <p:cNvPr id="11" name="直接连接符 10">
-            <a:extLst>
-              <a:ext uri="{FF2B5EF4-FFF2-40B4-BE49-F238E27FC236}">
-                <a16:creationId xmlns:a16="http://schemas.microsoft.com/office/drawing/2014/main" id="{3DC5AF13-4604-48BF-96B2-3A1CFC30C20C}"/>
-              </a:ext>
-            </a:extLst>
-          </p:cNvPr>
-          <p:cNvCxnSpPr>
-            <a:cxnSpLocks/>
-          </p:cNvCxnSpPr>
-          <p:nvPr/>
-        </p:nvCxnSpPr>
-        <p:spPr>
-          <a:xfrm flipV="1">
-            <a:off x="6065203" y="2732353"/>
-            <a:ext cx="830717" cy="931068"/>
-          </a:xfrm>
-          <a:prstGeom prst="line">
-            <a:avLst/>
-          </a:prstGeom>
-          <a:ln>
-            <a:solidFill>
-              <a:schemeClr val="bg1">
-                <a:lumMod val="50000"/>
-              </a:schemeClr>
-            </a:solidFill>
-            <a:prstDash val="lgDashDot"/>
-          </a:ln>
-        </p:spPr>
-        <p:style>
-          <a:lnRef idx="1">
-            <a:schemeClr val="dk1"/>
-          </a:lnRef>
-          <a:fillRef idx="0">
-            <a:schemeClr val="dk1"/>
-          </a:fillRef>
-          <a:effectRef idx="0">
-            <a:schemeClr val="dk1"/>
-          </a:effectRef>
-          <a:fontRef idx="minor">
-            <a:schemeClr val="tx1"/>
-          </a:fontRef>
-        </p:style>
-      </p:cxnSp>
-      <p:cxnSp>
-        <p:nvCxnSpPr>
-          <p:cNvPr id="13" name="直接连接符 12">
-            <a:extLst>
-              <a:ext uri="{FF2B5EF4-FFF2-40B4-BE49-F238E27FC236}">
-                <a16:creationId xmlns:a16="http://schemas.microsoft.com/office/drawing/2014/main" id="{65BBB974-E86C-4CC0-954B-929C2ECA6370}"/>
-              </a:ext>
-            </a:extLst>
-          </p:cNvPr>
-          <p:cNvCxnSpPr>
-            <a:cxnSpLocks/>
-          </p:cNvCxnSpPr>
-          <p:nvPr/>
-        </p:nvCxnSpPr>
-        <p:spPr>
-          <a:xfrm>
-            <a:off x="7012430" y="2925445"/>
-            <a:ext cx="154906" cy="736600"/>
-          </a:xfrm>
-          <a:prstGeom prst="line">
-            <a:avLst/>
-          </a:prstGeom>
-          <a:ln>
-            <a:solidFill>
-              <a:schemeClr val="bg1">
-                <a:lumMod val="50000"/>
-              </a:schemeClr>
-            </a:solidFill>
-            <a:prstDash val="lgDashDot"/>
-          </a:ln>
-        </p:spPr>
-        <p:style>
-          <a:lnRef idx="1">
-            <a:schemeClr val="dk1"/>
-          </a:lnRef>
-          <a:fillRef idx="0">
-            <a:schemeClr val="dk1"/>
-          </a:fillRef>
-          <a:effectRef idx="0">
-            <a:schemeClr val="dk1"/>
-          </a:effectRef>
-          <a:fontRef idx="minor">
-            <a:schemeClr val="tx1"/>
-          </a:fontRef>
-        </p:style>
-      </p:cxnSp>
-      <p:sp>
-        <p:nvSpPr>
-          <p:cNvPr id="75" name="矩形 74">
-            <a:extLst>
-              <a:ext uri="{FF2B5EF4-FFF2-40B4-BE49-F238E27FC236}">
-                <a16:creationId xmlns:a16="http://schemas.microsoft.com/office/drawing/2014/main" id="{25A8C9AB-8A67-49D9-8A91-B4A7003B0EC3}"/>
-              </a:ext>
-            </a:extLst>
-          </p:cNvPr>
-          <p:cNvSpPr/>
-          <p:nvPr/>
-        </p:nvSpPr>
-        <p:spPr>
-          <a:xfrm>
-            <a:off x="3401482" y="1744980"/>
-            <a:ext cx="3954799" cy="3680460"/>
-          </a:xfrm>
-          <a:prstGeom prst="rect">
-            <a:avLst/>
-          </a:prstGeom>
-          <a:noFill/>
-          <a:ln>
-            <a:solidFill>
-              <a:schemeClr val="bg2">
-                <a:lumMod val="25000"/>
-              </a:schemeClr>
-            </a:solidFill>
-          </a:ln>
-        </p:spPr>
-        <p:style>
-          <a:lnRef idx="2">
-            <a:schemeClr val="accent1">
-              <a:shade val="50000"/>
-            </a:schemeClr>
-          </a:lnRef>
-          <a:fillRef idx="1">
-            <a:schemeClr val="accent1"/>
-          </a:fillRef>
-          <a:effectRef idx="0">
-            <a:schemeClr val="accent1"/>
-          </a:effectRef>
-          <a:fontRef idx="minor">
-            <a:schemeClr val="lt1"/>
-          </a:fontRef>
-        </p:style>
-        <p:txBody>
-          <a:bodyPr rtlCol="0" anchor="ctr"/>
-          <a:lstStyle/>
-          <a:p>
-            <a:pPr algn="ctr"/>
-            <a:endParaRPr lang="zh-CN" altLang="en-US"/>
-          </a:p>
-        </p:txBody>
-      </p:sp>
-      <p:cxnSp>
-        <p:nvCxnSpPr>
-          <p:cNvPr id="42" name="直接连接符 41">
-            <a:extLst>
-              <a:ext uri="{FF2B5EF4-FFF2-40B4-BE49-F238E27FC236}">
-                <a16:creationId xmlns:a16="http://schemas.microsoft.com/office/drawing/2014/main" id="{640A820C-7239-4EAC-85D5-003C6598E48C}"/>
-              </a:ext>
-            </a:extLst>
-          </p:cNvPr>
-          <p:cNvCxnSpPr>
-            <a:cxnSpLocks/>
-          </p:cNvCxnSpPr>
-          <p:nvPr/>
-        </p:nvCxnSpPr>
-        <p:spPr>
-          <a:xfrm flipH="1" flipV="1">
-            <a:off x="5608320" y="3824530"/>
-            <a:ext cx="701040" cy="374700"/>
-          </a:xfrm>
-          <a:prstGeom prst="line">
-            <a:avLst/>
-          </a:prstGeom>
-          <a:ln w="9525" cap="flat" cmpd="sng" algn="ctr">
-            <a:solidFill>
-              <a:schemeClr val="dk1"/>
-            </a:solidFill>
-            <a:prstDash val="solid"/>
-            <a:round/>
-            <a:headEnd type="none" w="med" len="med"/>
-            <a:tailEnd type="arrow" w="med" len="med"/>
-          </a:ln>
-        </p:spPr>
-        <p:style>
-          <a:lnRef idx="0">
-            <a:scrgbClr r="0" g="0" b="0"/>
-          </a:lnRef>
-          <a:fillRef idx="0">
-            <a:scrgbClr r="0" g="0" b="0"/>
-          </a:fillRef>
-          <a:effectRef idx="0">
-            <a:scrgbClr r="0" g="0" b="0"/>
-          </a:effectRef>
-          <a:fontRef idx="minor">
-            <a:schemeClr val="tx1"/>
-          </a:fontRef>
-        </p:style>
-      </p:cxnSp>
-    </p:spTree>
-    <p:extLst>
-      <p:ext uri="{BB962C8B-B14F-4D97-AF65-F5344CB8AC3E}">
-        <p14:creationId xmlns:p14="http://schemas.microsoft.com/office/powerpoint/2010/main" val="2836170125"/>
       </p:ext>
     </p:extLst>
   </p:cSld>
